--- a/DATAMODEL.pptx
+++ b/DATAMODEL.pptx
@@ -6,14 +6,12 @@
     <p:sldMasterId id="2147483672" r:id="rId2"/>
   </p:sldMasterIdLst>
   <p:notesMasterIdLst>
-    <p:notesMasterId r:id="rId8"/>
+    <p:notesMasterId r:id="rId6"/>
   </p:notesMasterIdLst>
   <p:sldIdLst>
     <p:sldId id="288" r:id="rId3"/>
     <p:sldId id="278" r:id="rId4"/>
-    <p:sldId id="287" r:id="rId5"/>
-    <p:sldId id="290" r:id="rId6"/>
-    <p:sldId id="289" r:id="rId7"/>
+    <p:sldId id="289" r:id="rId5"/>
   </p:sldIdLst>
   <p:sldSz cx="12192000" cy="6858000"/>
   <p:notesSz cx="6858000" cy="9144000"/>
@@ -137,703 +135,12 @@
     <p1510:client id="{06681F47-3D07-42AF-A388-97F6DFC1AF07}" v="241" dt="2022-03-28T06:01:15.341"/>
     <p1510:client id="{28D09049-BA53-454C-9401-A635BB927F9D}" v="131" dt="2022-03-29T07:31:22.636"/>
     <p1510:client id="{358568C9-727A-471A-8B08-6CFBF8EB920C}" v="126" dt="2022-03-29T06:10:48.731"/>
+    <p1510:client id="{86718C48-E5CD-4897-9DB8-591F657BC63B}" v="14" dt="2022-03-31T07:36:59.924"/>
     <p1510:client id="{AF221A37-345B-4145-A182-9F51C63EF17C}" v="655" dt="2022-03-30T08:22:37.434"/>
     <p1510:client id="{D26F1729-818B-4764-A469-A3DBD1631369}" v="19" dt="2022-03-30T07:20:57.440"/>
     <p1510:client id="{D707D695-9377-4DE0-8E8B-A36B2D36ED33}" v="59" dt="2022-03-28T04:34:33.745"/>
   </p1510:revLst>
 </p1510:revInfo>
-</file>
-
-<file path=ppt/changesInfos/changesInfo1.xml><?xml version="1.0" encoding="utf-8"?>
-<pc:chgInfo xmlns:a="http://schemas.openxmlformats.org/drawingml/2006/main" xmlns:r="http://schemas.openxmlformats.org/officeDocument/2006/relationships" xmlns:ac="http://schemas.microsoft.com/office/drawing/2013/main/command" xmlns:pc="http://schemas.microsoft.com/office/powerpoint/2013/main/command">
-  <pc:docChgLst>
-    <pc:chgData name="Venkat Rakzz" userId="cbb95b7a29af6b58" providerId="Windows Live" clId="Web-{AF221A37-345B-4145-A182-9F51C63EF17C}"/>
-    <pc:docChg chg="addSld delSld modSld">
-      <pc:chgData name="Venkat Rakzz" userId="cbb95b7a29af6b58" providerId="Windows Live" clId="Web-{AF221A37-345B-4145-A182-9F51C63EF17C}" dt="2022-03-30T08:22:37.434" v="377"/>
-      <pc:docMkLst>
-        <pc:docMk/>
-      </pc:docMkLst>
-      <pc:sldChg chg="addSp delSp modSp del">
-        <pc:chgData name="Venkat Rakzz" userId="cbb95b7a29af6b58" providerId="Windows Live" clId="Web-{AF221A37-345B-4145-A182-9F51C63EF17C}" dt="2022-03-30T08:22:37.434" v="377"/>
-        <pc:sldMkLst>
-          <pc:docMk/>
-          <pc:sldMk cId="1676885948" sldId="260"/>
-        </pc:sldMkLst>
-        <pc:spChg chg="add del mod">
-          <ac:chgData name="Venkat Rakzz" userId="cbb95b7a29af6b58" providerId="Windows Live" clId="Web-{AF221A37-345B-4145-A182-9F51C63EF17C}" dt="2022-03-30T08:22:35.293" v="376"/>
-          <ac:spMkLst>
-            <pc:docMk/>
-            <pc:sldMk cId="1676885948" sldId="260"/>
-            <ac:spMk id="3" creationId="{3EC3CEDA-9005-7ACA-A600-5CFA3009A098}"/>
-          </ac:spMkLst>
-        </pc:spChg>
-      </pc:sldChg>
-      <pc:sldChg chg="modSp">
-        <pc:chgData name="Venkat Rakzz" userId="cbb95b7a29af6b58" providerId="Windows Live" clId="Web-{AF221A37-345B-4145-A182-9F51C63EF17C}" dt="2022-03-30T07:22:15.276" v="10" actId="14100"/>
-        <pc:sldMkLst>
-          <pc:docMk/>
-          <pc:sldMk cId="1917251404" sldId="278"/>
-        </pc:sldMkLst>
-        <pc:picChg chg="mod">
-          <ac:chgData name="Venkat Rakzz" userId="cbb95b7a29af6b58" providerId="Windows Live" clId="Web-{AF221A37-345B-4145-A182-9F51C63EF17C}" dt="2022-03-30T07:22:15.276" v="10" actId="14100"/>
-          <ac:picMkLst>
-            <pc:docMk/>
-            <pc:sldMk cId="1917251404" sldId="278"/>
-            <ac:picMk id="5" creationId="{FCDE3B37-5D31-5BC4-4741-55D3D6DD1979}"/>
-          </ac:picMkLst>
-        </pc:picChg>
-      </pc:sldChg>
-      <pc:sldChg chg="modSp">
-        <pc:chgData name="Venkat Rakzz" userId="cbb95b7a29af6b58" providerId="Windows Live" clId="Web-{AF221A37-345B-4145-A182-9F51C63EF17C}" dt="2022-03-30T06:02:12.373" v="0" actId="1076"/>
-        <pc:sldMkLst>
-          <pc:docMk/>
-          <pc:sldMk cId="2918643661" sldId="279"/>
-        </pc:sldMkLst>
-        <pc:spChg chg="mod">
-          <ac:chgData name="Venkat Rakzz" userId="cbb95b7a29af6b58" providerId="Windows Live" clId="Web-{AF221A37-345B-4145-A182-9F51C63EF17C}" dt="2022-03-30T06:02:12.373" v="0" actId="1076"/>
-          <ac:spMkLst>
-            <pc:docMk/>
-            <pc:sldMk cId="2918643661" sldId="279"/>
-            <ac:spMk id="13" creationId="{E78E571F-44D1-4BD6-8C53-55B835C4B37A}"/>
-          </ac:spMkLst>
-        </pc:spChg>
-      </pc:sldChg>
-      <pc:sldChg chg="del">
-        <pc:chgData name="Venkat Rakzz" userId="cbb95b7a29af6b58" providerId="Windows Live" clId="Web-{AF221A37-345B-4145-A182-9F51C63EF17C}" dt="2022-03-30T07:29:52.553" v="76"/>
-        <pc:sldMkLst>
-          <pc:docMk/>
-          <pc:sldMk cId="3155930527" sldId="281"/>
-        </pc:sldMkLst>
-      </pc:sldChg>
-      <pc:sldChg chg="del">
-        <pc:chgData name="Venkat Rakzz" userId="cbb95b7a29af6b58" providerId="Windows Live" clId="Web-{AF221A37-345B-4145-A182-9F51C63EF17C}" dt="2022-03-30T07:29:55.210" v="77"/>
-        <pc:sldMkLst>
-          <pc:docMk/>
-          <pc:sldMk cId="408878482" sldId="282"/>
-        </pc:sldMkLst>
-      </pc:sldChg>
-      <pc:sldChg chg="addSp delSp modSp">
-        <pc:chgData name="Venkat Rakzz" userId="cbb95b7a29af6b58" providerId="Windows Live" clId="Web-{AF221A37-345B-4145-A182-9F51C63EF17C}" dt="2022-03-30T08:15:59.784" v="220" actId="20577"/>
-        <pc:sldMkLst>
-          <pc:docMk/>
-          <pc:sldMk cId="848482602" sldId="287"/>
-        </pc:sldMkLst>
-        <pc:spChg chg="del">
-          <ac:chgData name="Venkat Rakzz" userId="cbb95b7a29af6b58" providerId="Windows Live" clId="Web-{AF221A37-345B-4145-A182-9F51C63EF17C}" dt="2022-03-30T07:27:32.831" v="59"/>
-          <ac:spMkLst>
-            <pc:docMk/>
-            <pc:sldMk cId="848482602" sldId="287"/>
-            <ac:spMk id="2" creationId="{15CEC7BD-6F2F-5143-A996-D01CBF63184B}"/>
-          </ac:spMkLst>
-        </pc:spChg>
-        <pc:spChg chg="add del mod">
-          <ac:chgData name="Venkat Rakzz" userId="cbb95b7a29af6b58" providerId="Windows Live" clId="Web-{AF221A37-345B-4145-A182-9F51C63EF17C}" dt="2022-03-30T07:25:53.313" v="44"/>
-          <ac:spMkLst>
-            <pc:docMk/>
-            <pc:sldMk cId="848482602" sldId="287"/>
-            <ac:spMk id="3" creationId="{B6FC217B-D890-F54E-4592-C2388119E21A}"/>
-          </ac:spMkLst>
-        </pc:spChg>
-        <pc:spChg chg="del mod">
-          <ac:chgData name="Venkat Rakzz" userId="cbb95b7a29af6b58" providerId="Windows Live" clId="Web-{AF221A37-345B-4145-A182-9F51C63EF17C}" dt="2022-03-30T07:22:35.871" v="12"/>
-          <ac:spMkLst>
-            <pc:docMk/>
-            <pc:sldMk cId="848482602" sldId="287"/>
-            <ac:spMk id="4" creationId="{CEDC363A-AA1A-33A8-FA01-DC2826C4E018}"/>
-          </ac:spMkLst>
-        </pc:spChg>
-        <pc:spChg chg="add mod">
-          <ac:chgData name="Venkat Rakzz" userId="cbb95b7a29af6b58" providerId="Windows Live" clId="Web-{AF221A37-345B-4145-A182-9F51C63EF17C}" dt="2022-03-30T07:32:55.870" v="102" actId="1076"/>
-          <ac:spMkLst>
-            <pc:docMk/>
-            <pc:sldMk cId="848482602" sldId="287"/>
-            <ac:spMk id="5" creationId="{152AA2DC-C12C-8A23-2CEE-2CF5E0ED0697}"/>
-          </ac:spMkLst>
-        </pc:spChg>
-        <pc:spChg chg="add mod">
-          <ac:chgData name="Venkat Rakzz" userId="cbb95b7a29af6b58" providerId="Windows Live" clId="Web-{AF221A37-345B-4145-A182-9F51C63EF17C}" dt="2022-03-30T07:29:48.647" v="75" actId="20577"/>
-          <ac:spMkLst>
-            <pc:docMk/>
-            <pc:sldMk cId="848482602" sldId="287"/>
-            <ac:spMk id="6" creationId="{090E4842-8D65-15F2-5575-17F46B4F2C2B}"/>
-          </ac:spMkLst>
-        </pc:spChg>
-        <pc:spChg chg="add del mod">
-          <ac:chgData name="Venkat Rakzz" userId="cbb95b7a29af6b58" providerId="Windows Live" clId="Web-{AF221A37-345B-4145-A182-9F51C63EF17C}" dt="2022-03-30T07:27:38.347" v="60"/>
-          <ac:spMkLst>
-            <pc:docMk/>
-            <pc:sldMk cId="848482602" sldId="287"/>
-            <ac:spMk id="8" creationId="{C2DEE83B-2D22-28DC-1860-5394DB6447AA}"/>
-          </ac:spMkLst>
-        </pc:spChg>
-        <pc:spChg chg="add mod">
-          <ac:chgData name="Venkat Rakzz" userId="cbb95b7a29af6b58" providerId="Windows Live" clId="Web-{AF221A37-345B-4145-A182-9F51C63EF17C}" dt="2022-03-30T07:30:47.852" v="86" actId="688"/>
-          <ac:spMkLst>
-            <pc:docMk/>
-            <pc:sldMk cId="848482602" sldId="287"/>
-            <ac:spMk id="10" creationId="{DAF56261-43B1-5416-634A-06D9D0EBB17F}"/>
-          </ac:spMkLst>
-        </pc:spChg>
-        <pc:spChg chg="add mod">
-          <ac:chgData name="Venkat Rakzz" userId="cbb95b7a29af6b58" providerId="Windows Live" clId="Web-{AF221A37-345B-4145-A182-9F51C63EF17C}" dt="2022-03-30T07:31:36.509" v="90" actId="20577"/>
-          <ac:spMkLst>
-            <pc:docMk/>
-            <pc:sldMk cId="848482602" sldId="287"/>
-            <ac:spMk id="11" creationId="{AB216349-37AA-CAEF-91E9-84F154B89F2C}"/>
-          </ac:spMkLst>
-        </pc:spChg>
-        <pc:spChg chg="add mod">
-          <ac:chgData name="Venkat Rakzz" userId="cbb95b7a29af6b58" providerId="Windows Live" clId="Web-{AF221A37-345B-4145-A182-9F51C63EF17C}" dt="2022-03-30T07:32:54.761" v="101" actId="20577"/>
-          <ac:spMkLst>
-            <pc:docMk/>
-            <pc:sldMk cId="848482602" sldId="287"/>
-            <ac:spMk id="12" creationId="{0F5D0E9A-A28A-7557-CE07-52F98018C997}"/>
-          </ac:spMkLst>
-        </pc:spChg>
-        <pc:spChg chg="add del">
-          <ac:chgData name="Venkat Rakzz" userId="cbb95b7a29af6b58" providerId="Windows Live" clId="Web-{AF221A37-345B-4145-A182-9F51C63EF17C}" dt="2022-03-30T07:32:39.526" v="100"/>
-          <ac:spMkLst>
-            <pc:docMk/>
-            <pc:sldMk cId="848482602" sldId="287"/>
-            <ac:spMk id="13" creationId="{2F00C5FF-8E14-EC70-371F-037095D583C3}"/>
-          </ac:spMkLst>
-        </pc:spChg>
-        <pc:spChg chg="add mod">
-          <ac:chgData name="Venkat Rakzz" userId="cbb95b7a29af6b58" providerId="Windows Live" clId="Web-{AF221A37-345B-4145-A182-9F51C63EF17C}" dt="2022-03-30T07:33:38.543" v="109" actId="1076"/>
-          <ac:spMkLst>
-            <pc:docMk/>
-            <pc:sldMk cId="848482602" sldId="287"/>
-            <ac:spMk id="14" creationId="{0818B4BF-9AAC-F5E5-BBB7-CBB68C512ACB}"/>
-          </ac:spMkLst>
-        </pc:spChg>
-        <pc:spChg chg="add mod">
-          <ac:chgData name="Venkat Rakzz" userId="cbb95b7a29af6b58" providerId="Windows Live" clId="Web-{AF221A37-345B-4145-A182-9F51C63EF17C}" dt="2022-03-30T07:36:26.454" v="198" actId="20577"/>
-          <ac:spMkLst>
-            <pc:docMk/>
-            <pc:sldMk cId="848482602" sldId="287"/>
-            <ac:spMk id="15" creationId="{09D3B81A-3CE7-A8BD-8172-03F1E9885204}"/>
-          </ac:spMkLst>
-        </pc:spChg>
-        <pc:spChg chg="add mod">
-          <ac:chgData name="Venkat Rakzz" userId="cbb95b7a29af6b58" providerId="Windows Live" clId="Web-{AF221A37-345B-4145-A182-9F51C63EF17C}" dt="2022-03-30T07:33:38.559" v="112" actId="1076"/>
-          <ac:spMkLst>
-            <pc:docMk/>
-            <pc:sldMk cId="848482602" sldId="287"/>
-            <ac:spMk id="17" creationId="{8187A1F3-E9D4-4534-00CD-20775A363DDA}"/>
-          </ac:spMkLst>
-        </pc:spChg>
-        <pc:spChg chg="add mod">
-          <ac:chgData name="Venkat Rakzz" userId="cbb95b7a29af6b58" providerId="Windows Live" clId="Web-{AF221A37-345B-4145-A182-9F51C63EF17C}" dt="2022-03-30T08:15:04.626" v="203" actId="20577"/>
-          <ac:spMkLst>
-            <pc:docMk/>
-            <pc:sldMk cId="848482602" sldId="287"/>
-            <ac:spMk id="18" creationId="{1DFE6C8A-AC81-7CA9-A797-4810556BF79E}"/>
-          </ac:spMkLst>
-        </pc:spChg>
-        <pc:spChg chg="add mod">
-          <ac:chgData name="Venkat Rakzz" userId="cbb95b7a29af6b58" providerId="Windows Live" clId="Web-{AF221A37-345B-4145-A182-9F51C63EF17C}" dt="2022-03-30T07:34:02.403" v="119" actId="1076"/>
-          <ac:spMkLst>
-            <pc:docMk/>
-            <pc:sldMk cId="848482602" sldId="287"/>
-            <ac:spMk id="19" creationId="{811E30A6-6E8C-38E8-7634-96DD7C3DAC7F}"/>
-          </ac:spMkLst>
-        </pc:spChg>
-        <pc:spChg chg="add mod">
-          <ac:chgData name="Venkat Rakzz" userId="cbb95b7a29af6b58" providerId="Windows Live" clId="Web-{AF221A37-345B-4145-A182-9F51C63EF17C}" dt="2022-03-30T08:14:59.486" v="202" actId="20577"/>
-          <ac:spMkLst>
-            <pc:docMk/>
-            <pc:sldMk cId="848482602" sldId="287"/>
-            <ac:spMk id="20" creationId="{9D6F13DF-4933-79D5-4276-47FDD0773E78}"/>
-          </ac:spMkLst>
-        </pc:spChg>
-        <pc:spChg chg="add mod">
-          <ac:chgData name="Venkat Rakzz" userId="cbb95b7a29af6b58" providerId="Windows Live" clId="Web-{AF221A37-345B-4145-A182-9F51C63EF17C}" dt="2022-03-30T07:34:02.419" v="122" actId="1076"/>
-          <ac:spMkLst>
-            <pc:docMk/>
-            <pc:sldMk cId="848482602" sldId="287"/>
-            <ac:spMk id="22" creationId="{4FACCF1B-0D20-D184-AF81-678DC86D0DDE}"/>
-          </ac:spMkLst>
-        </pc:spChg>
-        <pc:spChg chg="add mod">
-          <ac:chgData name="Venkat Rakzz" userId="cbb95b7a29af6b58" providerId="Windows Live" clId="Web-{AF221A37-345B-4145-A182-9F51C63EF17C}" dt="2022-03-30T07:34:02.435" v="123" actId="1076"/>
-          <ac:spMkLst>
-            <pc:docMk/>
-            <pc:sldMk cId="848482602" sldId="287"/>
-            <ac:spMk id="23" creationId="{631ED799-0E37-73F2-2EB1-4DD9606314F2}"/>
-          </ac:spMkLst>
-        </pc:spChg>
-        <pc:spChg chg="add mod">
-          <ac:chgData name="Venkat Rakzz" userId="cbb95b7a29af6b58" providerId="Windows Live" clId="Web-{AF221A37-345B-4145-A182-9F51C63EF17C}" dt="2022-03-30T07:34:09.200" v="129" actId="1076"/>
-          <ac:spMkLst>
-            <pc:docMk/>
-            <pc:sldMk cId="848482602" sldId="287"/>
-            <ac:spMk id="24" creationId="{0CD4DED4-3033-C887-C0DE-74E7A57978A0}"/>
-          </ac:spMkLst>
-        </pc:spChg>
-        <pc:spChg chg="add mod">
-          <ac:chgData name="Venkat Rakzz" userId="cbb95b7a29af6b58" providerId="Windows Live" clId="Web-{AF221A37-345B-4145-A182-9F51C63EF17C}" dt="2022-03-30T08:15:24.627" v="209" actId="20577"/>
-          <ac:spMkLst>
-            <pc:docMk/>
-            <pc:sldMk cId="848482602" sldId="287"/>
-            <ac:spMk id="25" creationId="{261C5FD6-41FF-F1E7-A3A0-842D6D745FB6}"/>
-          </ac:spMkLst>
-        </pc:spChg>
-        <pc:spChg chg="add mod">
-          <ac:chgData name="Venkat Rakzz" userId="cbb95b7a29af6b58" providerId="Windows Live" clId="Web-{AF221A37-345B-4145-A182-9F51C63EF17C}" dt="2022-03-30T07:34:09.216" v="132" actId="1076"/>
-          <ac:spMkLst>
-            <pc:docMk/>
-            <pc:sldMk cId="848482602" sldId="287"/>
-            <ac:spMk id="27" creationId="{05BEF998-679A-3431-F37D-5E6E6FC6FC90}"/>
-          </ac:spMkLst>
-        </pc:spChg>
-        <pc:spChg chg="add mod">
-          <ac:chgData name="Venkat Rakzz" userId="cbb95b7a29af6b58" providerId="Windows Live" clId="Web-{AF221A37-345B-4145-A182-9F51C63EF17C}" dt="2022-03-30T07:34:09.232" v="133" actId="1076"/>
-          <ac:spMkLst>
-            <pc:docMk/>
-            <pc:sldMk cId="848482602" sldId="287"/>
-            <ac:spMk id="28" creationId="{BCA59D66-1E3E-5E71-A811-3A4419EC233F}"/>
-          </ac:spMkLst>
-        </pc:spChg>
-        <pc:spChg chg="add del">
-          <ac:chgData name="Venkat Rakzz" userId="cbb95b7a29af6b58" providerId="Windows Live" clId="Web-{AF221A37-345B-4145-A182-9F51C63EF17C}" dt="2022-03-30T07:34:26.185" v="145"/>
-          <ac:spMkLst>
-            <pc:docMk/>
-            <pc:sldMk cId="848482602" sldId="287"/>
-            <ac:spMk id="29" creationId="{022CFF9C-7C0F-5160-FA64-604D772BFFBB}"/>
-          </ac:spMkLst>
-        </pc:spChg>
-        <pc:spChg chg="add del">
-          <ac:chgData name="Venkat Rakzz" userId="cbb95b7a29af6b58" providerId="Windows Live" clId="Web-{AF221A37-345B-4145-A182-9F51C63EF17C}" dt="2022-03-30T07:34:26.185" v="144"/>
-          <ac:spMkLst>
-            <pc:docMk/>
-            <pc:sldMk cId="848482602" sldId="287"/>
-            <ac:spMk id="30" creationId="{57EAD6F1-48FA-C57B-7A60-DB9A51CCA7CD}"/>
-          </ac:spMkLst>
-        </pc:spChg>
-        <pc:spChg chg="add del">
-          <ac:chgData name="Venkat Rakzz" userId="cbb95b7a29af6b58" providerId="Windows Live" clId="Web-{AF221A37-345B-4145-A182-9F51C63EF17C}" dt="2022-03-30T07:34:26.185" v="142"/>
-          <ac:spMkLst>
-            <pc:docMk/>
-            <pc:sldMk cId="848482602" sldId="287"/>
-            <ac:spMk id="32" creationId="{73015FFF-EEA1-2322-4AE8-6D183F23E814}"/>
-          </ac:spMkLst>
-        </pc:spChg>
-        <pc:spChg chg="add del">
-          <ac:chgData name="Venkat Rakzz" userId="cbb95b7a29af6b58" providerId="Windows Live" clId="Web-{AF221A37-345B-4145-A182-9F51C63EF17C}" dt="2022-03-30T07:34:26.185" v="141"/>
-          <ac:spMkLst>
-            <pc:docMk/>
-            <pc:sldMk cId="848482602" sldId="287"/>
-            <ac:spMk id="33" creationId="{AB1C52A7-4FA8-4889-EEB1-A0341E61409D}"/>
-          </ac:spMkLst>
-        </pc:spChg>
-        <pc:spChg chg="add">
-          <ac:chgData name="Venkat Rakzz" userId="cbb95b7a29af6b58" providerId="Windows Live" clId="Web-{AF221A37-345B-4145-A182-9F51C63EF17C}" dt="2022-03-30T07:34:30.388" v="146"/>
-          <ac:spMkLst>
-            <pc:docMk/>
-            <pc:sldMk cId="848482602" sldId="287"/>
-            <ac:spMk id="34" creationId="{1A5EB195-A204-F645-47EC-23B4DF6C6C14}"/>
-          </ac:spMkLst>
-        </pc:spChg>
-        <pc:spChg chg="add">
-          <ac:chgData name="Venkat Rakzz" userId="cbb95b7a29af6b58" providerId="Windows Live" clId="Web-{AF221A37-345B-4145-A182-9F51C63EF17C}" dt="2022-03-30T07:34:30.388" v="146"/>
-          <ac:spMkLst>
-            <pc:docMk/>
-            <pc:sldMk cId="848482602" sldId="287"/>
-            <ac:spMk id="35" creationId="{8A391B93-3158-C8F0-9A3E-ABE3536E767A}"/>
-          </ac:spMkLst>
-        </pc:spChg>
-        <pc:spChg chg="add">
-          <ac:chgData name="Venkat Rakzz" userId="cbb95b7a29af6b58" providerId="Windows Live" clId="Web-{AF221A37-345B-4145-A182-9F51C63EF17C}" dt="2022-03-30T07:34:30.388" v="146"/>
-          <ac:spMkLst>
-            <pc:docMk/>
-            <pc:sldMk cId="848482602" sldId="287"/>
-            <ac:spMk id="37" creationId="{76073DFE-1979-89F1-17EF-8C002C113AB1}"/>
-          </ac:spMkLst>
-        </pc:spChg>
-        <pc:spChg chg="add">
-          <ac:chgData name="Venkat Rakzz" userId="cbb95b7a29af6b58" providerId="Windows Live" clId="Web-{AF221A37-345B-4145-A182-9F51C63EF17C}" dt="2022-03-30T07:34:30.388" v="146"/>
-          <ac:spMkLst>
-            <pc:docMk/>
-            <pc:sldMk cId="848482602" sldId="287"/>
-            <ac:spMk id="38" creationId="{DFE5FE7F-2116-B53D-9C6B-C93FC7F86B5E}"/>
-          </ac:spMkLst>
-        </pc:spChg>
-        <pc:spChg chg="add mod">
-          <ac:chgData name="Venkat Rakzz" userId="cbb95b7a29af6b58" providerId="Windows Live" clId="Web-{AF221A37-345B-4145-A182-9F51C63EF17C}" dt="2022-03-30T07:35:29.280" v="172" actId="1076"/>
-          <ac:spMkLst>
-            <pc:docMk/>
-            <pc:sldMk cId="848482602" sldId="287"/>
-            <ac:spMk id="39" creationId="{1A5EB195-A204-F645-47EC-23B4DF6C6C14}"/>
-          </ac:spMkLst>
-        </pc:spChg>
-        <pc:spChg chg="add mod">
-          <ac:chgData name="Venkat Rakzz" userId="cbb95b7a29af6b58" providerId="Windows Live" clId="Web-{AF221A37-345B-4145-A182-9F51C63EF17C}" dt="2022-03-30T08:15:39.658" v="215" actId="20577"/>
-          <ac:spMkLst>
-            <pc:docMk/>
-            <pc:sldMk cId="848482602" sldId="287"/>
-            <ac:spMk id="40" creationId="{8A391B93-3158-C8F0-9A3E-ABE3536E767A}"/>
-          </ac:spMkLst>
-        </pc:spChg>
-        <pc:spChg chg="add mod">
-          <ac:chgData name="Venkat Rakzz" userId="cbb95b7a29af6b58" providerId="Windows Live" clId="Web-{AF221A37-345B-4145-A182-9F51C63EF17C}" dt="2022-03-30T07:34:53.655" v="151" actId="1076"/>
-          <ac:spMkLst>
-            <pc:docMk/>
-            <pc:sldMk cId="848482602" sldId="287"/>
-            <ac:spMk id="42" creationId="{76073DFE-1979-89F1-17EF-8C002C113AB1}"/>
-          </ac:spMkLst>
-        </pc:spChg>
-        <pc:spChg chg="add mod">
-          <ac:chgData name="Venkat Rakzz" userId="cbb95b7a29af6b58" providerId="Windows Live" clId="Web-{AF221A37-345B-4145-A182-9F51C63EF17C}" dt="2022-03-30T08:15:45.659" v="217" actId="20577"/>
-          <ac:spMkLst>
-            <pc:docMk/>
-            <pc:sldMk cId="848482602" sldId="287"/>
-            <ac:spMk id="43" creationId="{DFE5FE7F-2116-B53D-9C6B-C93FC7F86B5E}"/>
-          </ac:spMkLst>
-        </pc:spChg>
-        <pc:spChg chg="add mod">
-          <ac:chgData name="Venkat Rakzz" userId="cbb95b7a29af6b58" providerId="Windows Live" clId="Web-{AF221A37-345B-4145-A182-9F51C63EF17C}" dt="2022-03-30T07:36:03.281" v="182" actId="14100"/>
-          <ac:spMkLst>
-            <pc:docMk/>
-            <pc:sldMk cId="848482602" sldId="287"/>
-            <ac:spMk id="44" creationId="{1A5EB195-A204-F645-47EC-23B4DF6C6C14}"/>
-          </ac:spMkLst>
-        </pc:spChg>
-        <pc:spChg chg="add mod">
-          <ac:chgData name="Venkat Rakzz" userId="cbb95b7a29af6b58" providerId="Windows Live" clId="Web-{AF221A37-345B-4145-A182-9F51C63EF17C}" dt="2022-03-30T08:15:55.987" v="219" actId="20577"/>
-          <ac:spMkLst>
-            <pc:docMk/>
-            <pc:sldMk cId="848482602" sldId="287"/>
-            <ac:spMk id="45" creationId="{8A391B93-3158-C8F0-9A3E-ABE3536E767A}"/>
-          </ac:spMkLst>
-        </pc:spChg>
-        <pc:spChg chg="add mod">
-          <ac:chgData name="Venkat Rakzz" userId="cbb95b7a29af6b58" providerId="Windows Live" clId="Web-{AF221A37-345B-4145-A182-9F51C63EF17C}" dt="2022-03-30T07:35:01.374" v="157" actId="1076"/>
-          <ac:spMkLst>
-            <pc:docMk/>
-            <pc:sldMk cId="848482602" sldId="287"/>
-            <ac:spMk id="47" creationId="{76073DFE-1979-89F1-17EF-8C002C113AB1}"/>
-          </ac:spMkLst>
-        </pc:spChg>
-        <pc:spChg chg="add mod">
-          <ac:chgData name="Venkat Rakzz" userId="cbb95b7a29af6b58" providerId="Windows Live" clId="Web-{AF221A37-345B-4145-A182-9F51C63EF17C}" dt="2022-03-30T08:15:59.784" v="220" actId="20577"/>
-          <ac:spMkLst>
-            <pc:docMk/>
-            <pc:sldMk cId="848482602" sldId="287"/>
-            <ac:spMk id="48" creationId="{DFE5FE7F-2116-B53D-9C6B-C93FC7F86B5E}"/>
-          </ac:spMkLst>
-        </pc:spChg>
-        <pc:cxnChg chg="add mod">
-          <ac:chgData name="Venkat Rakzz" userId="cbb95b7a29af6b58" providerId="Windows Live" clId="Web-{AF221A37-345B-4145-A182-9F51C63EF17C}" dt="2022-03-30T07:32:59.042" v="103" actId="1076"/>
-          <ac:cxnSpMkLst>
-            <pc:docMk/>
-            <pc:sldMk cId="848482602" sldId="287"/>
-            <ac:cxnSpMk id="9" creationId="{ED16D79F-58E9-4A76-181B-6E8FD0B2C202}"/>
-          </ac:cxnSpMkLst>
-        </pc:cxnChg>
-        <pc:cxnChg chg="add mod">
-          <ac:chgData name="Venkat Rakzz" userId="cbb95b7a29af6b58" providerId="Windows Live" clId="Web-{AF221A37-345B-4145-A182-9F51C63EF17C}" dt="2022-03-30T07:34:20.623" v="140" actId="1076"/>
-          <ac:cxnSpMkLst>
-            <pc:docMk/>
-            <pc:sldMk cId="848482602" sldId="287"/>
-            <ac:cxnSpMk id="16" creationId="{928878E2-3E91-FCB9-0B43-1F7A4DC77CB6}"/>
-          </ac:cxnSpMkLst>
-        </pc:cxnChg>
-        <pc:cxnChg chg="add mod">
-          <ac:chgData name="Venkat Rakzz" userId="cbb95b7a29af6b58" providerId="Windows Live" clId="Web-{AF221A37-345B-4145-A182-9F51C63EF17C}" dt="2022-03-30T07:34:02.419" v="121" actId="1076"/>
-          <ac:cxnSpMkLst>
-            <pc:docMk/>
-            <pc:sldMk cId="848482602" sldId="287"/>
-            <ac:cxnSpMk id="21" creationId="{7453AB76-9BE0-5BC7-9F93-2C7639F30742}"/>
-          </ac:cxnSpMkLst>
-        </pc:cxnChg>
-        <pc:cxnChg chg="add mod">
-          <ac:chgData name="Venkat Rakzz" userId="cbb95b7a29af6b58" providerId="Windows Live" clId="Web-{AF221A37-345B-4145-A182-9F51C63EF17C}" dt="2022-03-30T07:34:09.216" v="131" actId="1076"/>
-          <ac:cxnSpMkLst>
-            <pc:docMk/>
-            <pc:sldMk cId="848482602" sldId="287"/>
-            <ac:cxnSpMk id="26" creationId="{AD735956-1C65-0942-D4D0-C5C437D8B696}"/>
-          </ac:cxnSpMkLst>
-        </pc:cxnChg>
-        <pc:cxnChg chg="add del mod">
-          <ac:chgData name="Venkat Rakzz" userId="cbb95b7a29af6b58" providerId="Windows Live" clId="Web-{AF221A37-345B-4145-A182-9F51C63EF17C}" dt="2022-03-30T07:34:26.185" v="143"/>
-          <ac:cxnSpMkLst>
-            <pc:docMk/>
-            <pc:sldMk cId="848482602" sldId="287"/>
-            <ac:cxnSpMk id="31" creationId="{DF4E7081-9478-2A1A-56C5-8A77E55B7B7A}"/>
-          </ac:cxnSpMkLst>
-        </pc:cxnChg>
-        <pc:cxnChg chg="add">
-          <ac:chgData name="Venkat Rakzz" userId="cbb95b7a29af6b58" providerId="Windows Live" clId="Web-{AF221A37-345B-4145-A182-9F51C63EF17C}" dt="2022-03-30T07:34:30.388" v="146"/>
-          <ac:cxnSpMkLst>
-            <pc:docMk/>
-            <pc:sldMk cId="848482602" sldId="287"/>
-            <ac:cxnSpMk id="36" creationId="{475B889D-C1B0-D8B4-6558-A4B0DAD77236}"/>
-          </ac:cxnSpMkLst>
-        </pc:cxnChg>
-        <pc:cxnChg chg="add mod">
-          <ac:chgData name="Venkat Rakzz" userId="cbb95b7a29af6b58" providerId="Windows Live" clId="Web-{AF221A37-345B-4145-A182-9F51C63EF17C}" dt="2022-03-30T07:35:48.406" v="175" actId="1076"/>
-          <ac:cxnSpMkLst>
-            <pc:docMk/>
-            <pc:sldMk cId="848482602" sldId="287"/>
-            <ac:cxnSpMk id="41" creationId="{475B889D-C1B0-D8B4-6558-A4B0DAD77236}"/>
-          </ac:cxnSpMkLst>
-        </pc:cxnChg>
-        <pc:cxnChg chg="add mod">
-          <ac:chgData name="Venkat Rakzz" userId="cbb95b7a29af6b58" providerId="Windows Live" clId="Web-{AF221A37-345B-4145-A182-9F51C63EF17C}" dt="2022-03-30T07:35:01.358" v="156" actId="1076"/>
-          <ac:cxnSpMkLst>
-            <pc:docMk/>
-            <pc:sldMk cId="848482602" sldId="287"/>
-            <ac:cxnSpMk id="46" creationId="{475B889D-C1B0-D8B4-6558-A4B0DAD77236}"/>
-          </ac:cxnSpMkLst>
-        </pc:cxnChg>
-      </pc:sldChg>
-      <pc:sldChg chg="modSp">
-        <pc:chgData name="Venkat Rakzz" userId="cbb95b7a29af6b58" providerId="Windows Live" clId="Web-{AF221A37-345B-4145-A182-9F51C63EF17C}" dt="2022-03-30T07:23:34.950" v="41" actId="14100"/>
-        <pc:sldMkLst>
-          <pc:docMk/>
-          <pc:sldMk cId="166970246" sldId="288"/>
-        </pc:sldMkLst>
-        <pc:spChg chg="mod">
-          <ac:chgData name="Venkat Rakzz" userId="cbb95b7a29af6b58" providerId="Windows Live" clId="Web-{AF221A37-345B-4145-A182-9F51C63EF17C}" dt="2022-03-30T07:23:34.950" v="41" actId="14100"/>
-          <ac:spMkLst>
-            <pc:docMk/>
-            <pc:sldMk cId="166970246" sldId="288"/>
-            <ac:spMk id="2" creationId="{6D79C8C1-C301-292A-DD65-C76BB9E41736}"/>
-          </ac:spMkLst>
-        </pc:spChg>
-      </pc:sldChg>
-      <pc:sldChg chg="delSp modSp add replId">
-        <pc:chgData name="Venkat Rakzz" userId="cbb95b7a29af6b58" providerId="Windows Live" clId="Web-{AF221A37-345B-4145-A182-9F51C63EF17C}" dt="2022-03-30T08:21:27.729" v="373" actId="20577"/>
-        <pc:sldMkLst>
-          <pc:docMk/>
-          <pc:sldMk cId="3346953736" sldId="290"/>
-        </pc:sldMkLst>
-        <pc:spChg chg="mod">
-          <ac:chgData name="Venkat Rakzz" userId="cbb95b7a29af6b58" providerId="Windows Live" clId="Web-{AF221A37-345B-4145-A182-9F51C63EF17C}" dt="2022-03-30T08:17:45.302" v="252" actId="14100"/>
-          <ac:spMkLst>
-            <pc:docMk/>
-            <pc:sldMk cId="3346953736" sldId="290"/>
-            <ac:spMk id="5" creationId="{152AA2DC-C12C-8A23-2CEE-2CF5E0ED0697}"/>
-          </ac:spMkLst>
-        </pc:spChg>
-        <pc:spChg chg="mod">
-          <ac:chgData name="Venkat Rakzz" userId="cbb95b7a29af6b58" providerId="Windows Live" clId="Web-{AF221A37-345B-4145-A182-9F51C63EF17C}" dt="2022-03-30T08:18:30.334" v="271" actId="20577"/>
-          <ac:spMkLst>
-            <pc:docMk/>
-            <pc:sldMk cId="3346953736" sldId="290"/>
-            <ac:spMk id="6" creationId="{090E4842-8D65-15F2-5575-17F46B4F2C2B}"/>
-          </ac:spMkLst>
-        </pc:spChg>
-        <pc:spChg chg="mod">
-          <ac:chgData name="Venkat Rakzz" userId="cbb95b7a29af6b58" providerId="Windows Live" clId="Web-{AF221A37-345B-4145-A182-9F51C63EF17C}" dt="2022-03-30T08:18:39.944" v="280" actId="14100"/>
-          <ac:spMkLst>
-            <pc:docMk/>
-            <pc:sldMk cId="3346953736" sldId="290"/>
-            <ac:spMk id="14" creationId="{0818B4BF-9AAC-F5E5-BBB7-CBB68C512ACB}"/>
-          </ac:spMkLst>
-        </pc:spChg>
-        <pc:spChg chg="mod">
-          <ac:chgData name="Venkat Rakzz" userId="cbb95b7a29af6b58" providerId="Windows Live" clId="Web-{AF221A37-345B-4145-A182-9F51C63EF17C}" dt="2022-03-30T08:18:49.257" v="293" actId="20577"/>
-          <ac:spMkLst>
-            <pc:docMk/>
-            <pc:sldMk cId="3346953736" sldId="290"/>
-            <ac:spMk id="15" creationId="{09D3B81A-3CE7-A8BD-8172-03F1E9885204}"/>
-          </ac:spMkLst>
-        </pc:spChg>
-        <pc:spChg chg="mod">
-          <ac:chgData name="Venkat Rakzz" userId="cbb95b7a29af6b58" providerId="Windows Live" clId="Web-{AF221A37-345B-4145-A182-9F51C63EF17C}" dt="2022-03-30T08:18:58.804" v="295" actId="20577"/>
-          <ac:spMkLst>
-            <pc:docMk/>
-            <pc:sldMk cId="3346953736" sldId="290"/>
-            <ac:spMk id="18" creationId="{1DFE6C8A-AC81-7CA9-A797-4810556BF79E}"/>
-          </ac:spMkLst>
-        </pc:spChg>
-        <pc:spChg chg="mod">
-          <ac:chgData name="Venkat Rakzz" userId="cbb95b7a29af6b58" providerId="Windows Live" clId="Web-{AF221A37-345B-4145-A182-9F51C63EF17C}" dt="2022-03-30T08:19:17.070" v="300" actId="14100"/>
-          <ac:spMkLst>
-            <pc:docMk/>
-            <pc:sldMk cId="3346953736" sldId="290"/>
-            <ac:spMk id="19" creationId="{811E30A6-6E8C-38E8-7634-96DD7C3DAC7F}"/>
-          </ac:spMkLst>
-        </pc:spChg>
-        <pc:spChg chg="mod">
-          <ac:chgData name="Venkat Rakzz" userId="cbb95b7a29af6b58" providerId="Windows Live" clId="Web-{AF221A37-345B-4145-A182-9F51C63EF17C}" dt="2022-03-30T08:21:27.729" v="373" actId="20577"/>
-          <ac:spMkLst>
-            <pc:docMk/>
-            <pc:sldMk cId="3346953736" sldId="290"/>
-            <ac:spMk id="20" creationId="{9D6F13DF-4933-79D5-4276-47FDD0773E78}"/>
-          </ac:spMkLst>
-        </pc:spChg>
-        <pc:spChg chg="mod">
-          <ac:chgData name="Venkat Rakzz" userId="cbb95b7a29af6b58" providerId="Windows Live" clId="Web-{AF221A37-345B-4145-A182-9F51C63EF17C}" dt="2022-03-30T08:19:45.352" v="310" actId="14100"/>
-          <ac:spMkLst>
-            <pc:docMk/>
-            <pc:sldMk cId="3346953736" sldId="290"/>
-            <ac:spMk id="24" creationId="{0CD4DED4-3033-C887-C0DE-74E7A57978A0}"/>
-          </ac:spMkLst>
-        </pc:spChg>
-        <pc:spChg chg="mod">
-          <ac:chgData name="Venkat Rakzz" userId="cbb95b7a29af6b58" providerId="Windows Live" clId="Web-{AF221A37-345B-4145-A182-9F51C63EF17C}" dt="2022-03-30T08:21:22.151" v="366" actId="20577"/>
-          <ac:spMkLst>
-            <pc:docMk/>
-            <pc:sldMk cId="3346953736" sldId="290"/>
-            <ac:spMk id="25" creationId="{261C5FD6-41FF-F1E7-A3A0-842D6D745FB6}"/>
-          </ac:spMkLst>
-        </pc:spChg>
-        <pc:spChg chg="del mod">
-          <ac:chgData name="Venkat Rakzz" userId="cbb95b7a29af6b58" providerId="Windows Live" clId="Web-{AF221A37-345B-4145-A182-9F51C63EF17C}" dt="2022-03-30T08:17:17.958" v="241"/>
-          <ac:spMkLst>
-            <pc:docMk/>
-            <pc:sldMk cId="3346953736" sldId="290"/>
-            <ac:spMk id="34" creationId="{1A5EB195-A204-F645-47EC-23B4DF6C6C14}"/>
-          </ac:spMkLst>
-        </pc:spChg>
-        <pc:spChg chg="del mod">
-          <ac:chgData name="Venkat Rakzz" userId="cbb95b7a29af6b58" providerId="Windows Live" clId="Web-{AF221A37-345B-4145-A182-9F51C63EF17C}" dt="2022-03-30T08:18:17.912" v="260"/>
-          <ac:spMkLst>
-            <pc:docMk/>
-            <pc:sldMk cId="3346953736" sldId="290"/>
-            <ac:spMk id="35" creationId="{8A391B93-3158-C8F0-9A3E-ABE3536E767A}"/>
-          </ac:spMkLst>
-        </pc:spChg>
-        <pc:spChg chg="mod">
-          <ac:chgData name="Venkat Rakzz" userId="cbb95b7a29af6b58" providerId="Windows Live" clId="Web-{AF221A37-345B-4145-A182-9F51C63EF17C}" dt="2022-03-30T08:20:01.790" v="320" actId="14100"/>
-          <ac:spMkLst>
-            <pc:docMk/>
-            <pc:sldMk cId="3346953736" sldId="290"/>
-            <ac:spMk id="39" creationId="{1A5EB195-A204-F645-47EC-23B4DF6C6C14}"/>
-          </ac:spMkLst>
-        </pc:spChg>
-        <pc:spChg chg="mod">
-          <ac:chgData name="Venkat Rakzz" userId="cbb95b7a29af6b58" providerId="Windows Live" clId="Web-{AF221A37-345B-4145-A182-9F51C63EF17C}" dt="2022-03-30T08:20:49.275" v="352" actId="20577"/>
-          <ac:spMkLst>
-            <pc:docMk/>
-            <pc:sldMk cId="3346953736" sldId="290"/>
-            <ac:spMk id="40" creationId="{8A391B93-3158-C8F0-9A3E-ABE3536E767A}"/>
-          </ac:spMkLst>
-        </pc:spChg>
-        <pc:spChg chg="mod">
-          <ac:chgData name="Venkat Rakzz" userId="cbb95b7a29af6b58" providerId="Windows Live" clId="Web-{AF221A37-345B-4145-A182-9F51C63EF17C}" dt="2022-03-30T08:20:38.134" v="345" actId="20577"/>
-          <ac:spMkLst>
-            <pc:docMk/>
-            <pc:sldMk cId="3346953736" sldId="290"/>
-            <ac:spMk id="42" creationId="{76073DFE-1979-89F1-17EF-8C002C113AB1}"/>
-          </ac:spMkLst>
-        </pc:spChg>
-        <pc:spChg chg="mod">
-          <ac:chgData name="Venkat Rakzz" userId="cbb95b7a29af6b58" providerId="Windows Live" clId="Web-{AF221A37-345B-4145-A182-9F51C63EF17C}" dt="2022-03-30T08:21:06.166" v="360" actId="14100"/>
-          <ac:spMkLst>
-            <pc:docMk/>
-            <pc:sldMk cId="3346953736" sldId="290"/>
-            <ac:spMk id="44" creationId="{1A5EB195-A204-F645-47EC-23B4DF6C6C14}"/>
-          </ac:spMkLst>
-        </pc:spChg>
-        <pc:spChg chg="mod">
-          <ac:chgData name="Venkat Rakzz" userId="cbb95b7a29af6b58" providerId="Windows Live" clId="Web-{AF221A37-345B-4145-A182-9F51C63EF17C}" dt="2022-03-30T08:20:28.603" v="343" actId="20577"/>
-          <ac:spMkLst>
-            <pc:docMk/>
-            <pc:sldMk cId="3346953736" sldId="290"/>
-            <ac:spMk id="45" creationId="{8A391B93-3158-C8F0-9A3E-ABE3536E767A}"/>
-          </ac:spMkLst>
-        </pc:spChg>
-      </pc:sldChg>
-    </pc:docChg>
-  </pc:docChgLst>
-  <pc:docChgLst>
-    <pc:chgData name="Venkat Rakzz" userId="cbb95b7a29af6b58" providerId="Windows Live" clId="Web-{D26F1729-818B-4764-A469-A3DBD1631369}"/>
-    <pc:docChg chg="delSld modSld">
-      <pc:chgData name="Venkat Rakzz" userId="cbb95b7a29af6b58" providerId="Windows Live" clId="Web-{D26F1729-818B-4764-A469-A3DBD1631369}" dt="2022-03-30T07:20:57.440" v="15"/>
-      <pc:docMkLst>
-        <pc:docMk/>
-      </pc:docMkLst>
-      <pc:sldChg chg="addSp delSp modSp">
-        <pc:chgData name="Venkat Rakzz" userId="cbb95b7a29af6b58" providerId="Windows Live" clId="Web-{D26F1729-818B-4764-A469-A3DBD1631369}" dt="2022-03-30T07:19:23.813" v="11"/>
-        <pc:sldMkLst>
-          <pc:docMk/>
-          <pc:sldMk cId="1676885948" sldId="260"/>
-        </pc:sldMkLst>
-        <pc:spChg chg="mod">
-          <ac:chgData name="Venkat Rakzz" userId="cbb95b7a29af6b58" providerId="Windows Live" clId="Web-{D26F1729-818B-4764-A469-A3DBD1631369}" dt="2022-03-30T07:14:32.838" v="0" actId="20577"/>
-          <ac:spMkLst>
-            <pc:docMk/>
-            <pc:sldMk cId="1676885948" sldId="260"/>
-            <ac:spMk id="2" creationId="{00000000-0000-0000-0000-000000000000}"/>
-          </ac:spMkLst>
-        </pc:spChg>
-        <pc:spChg chg="del">
-          <ac:chgData name="Venkat Rakzz" userId="cbb95b7a29af6b58" providerId="Windows Live" clId="Web-{D26F1729-818B-4764-A469-A3DBD1631369}" dt="2022-03-30T07:14:53.338" v="1"/>
-          <ac:spMkLst>
-            <pc:docMk/>
-            <pc:sldMk cId="1676885948" sldId="260"/>
-            <ac:spMk id="10" creationId="{2052046E-8C4B-44AB-9375-ADB37D4C4555}"/>
-          </ac:spMkLst>
-        </pc:spChg>
-        <pc:graphicFrameChg chg="del mod modGraphic">
-          <ac:chgData name="Venkat Rakzz" userId="cbb95b7a29af6b58" providerId="Windows Live" clId="Web-{D26F1729-818B-4764-A469-A3DBD1631369}" dt="2022-03-30T07:15:02.229" v="5"/>
-          <ac:graphicFrameMkLst>
-            <pc:docMk/>
-            <pc:sldMk cId="1676885948" sldId="260"/>
-            <ac:graphicFrameMk id="4" creationId="{3BE53D40-DE12-403B-8CD8-328F49C66911}"/>
-          </ac:graphicFrameMkLst>
-        </pc:graphicFrameChg>
-        <pc:picChg chg="add del mod">
-          <ac:chgData name="Venkat Rakzz" userId="cbb95b7a29af6b58" providerId="Windows Live" clId="Web-{D26F1729-818B-4764-A469-A3DBD1631369}" dt="2022-03-30T07:19:23.813" v="11"/>
-          <ac:picMkLst>
-            <pc:docMk/>
-            <pc:sldMk cId="1676885948" sldId="260"/>
-            <ac:picMk id="3" creationId="{A6BB85AA-BC29-2B07-F526-F4355D7D4328}"/>
-          </ac:picMkLst>
-        </pc:picChg>
-        <pc:cxnChg chg="del">
-          <ac:chgData name="Venkat Rakzz" userId="cbb95b7a29af6b58" providerId="Windows Live" clId="Web-{D26F1729-818B-4764-A469-A3DBD1631369}" dt="2022-03-30T07:14:55.932" v="2"/>
-          <ac:cxnSpMkLst>
-            <pc:docMk/>
-            <pc:sldMk cId="1676885948" sldId="260"/>
-            <ac:cxnSpMk id="6" creationId="{07D806C1-A7CB-4E97-A543-5F5B5A8B516D}"/>
-          </ac:cxnSpMkLst>
-        </pc:cxnChg>
-      </pc:sldChg>
-      <pc:sldChg chg="addSp delSp modSp">
-        <pc:chgData name="Venkat Rakzz" userId="cbb95b7a29af6b58" providerId="Windows Live" clId="Web-{D26F1729-818B-4764-A469-A3DBD1631369}" dt="2022-03-30T07:20:57.440" v="15"/>
-        <pc:sldMkLst>
-          <pc:docMk/>
-          <pc:sldMk cId="1917251404" sldId="278"/>
-        </pc:sldMkLst>
-        <pc:spChg chg="del">
-          <ac:chgData name="Venkat Rakzz" userId="cbb95b7a29af6b58" providerId="Windows Live" clId="Web-{D26F1729-818B-4764-A469-A3DBD1631369}" dt="2022-03-30T07:19:40.876" v="13"/>
-          <ac:spMkLst>
-            <pc:docMk/>
-            <pc:sldMk cId="1917251404" sldId="278"/>
-            <ac:spMk id="2" creationId="{00000000-0000-0000-0000-000000000000}"/>
-          </ac:spMkLst>
-        </pc:spChg>
-        <pc:spChg chg="add del mod">
-          <ac:chgData name="Venkat Rakzz" userId="cbb95b7a29af6b58" providerId="Windows Live" clId="Web-{D26F1729-818B-4764-A469-A3DBD1631369}" dt="2022-03-30T07:19:47.204" v="14"/>
-          <ac:spMkLst>
-            <pc:docMk/>
-            <pc:sldMk cId="1917251404" sldId="278"/>
-            <ac:spMk id="4" creationId="{DAF124E1-1C1C-7BA8-6BB2-398AD414FE35}"/>
-          </ac:spMkLst>
-        </pc:spChg>
-        <pc:picChg chg="add mod">
-          <ac:chgData name="Venkat Rakzz" userId="cbb95b7a29af6b58" providerId="Windows Live" clId="Web-{D26F1729-818B-4764-A469-A3DBD1631369}" dt="2022-03-30T07:20:57.440" v="15"/>
-          <ac:picMkLst>
-            <pc:docMk/>
-            <pc:sldMk cId="1917251404" sldId="278"/>
-            <ac:picMk id="5" creationId="{FCDE3B37-5D31-5BC4-4741-55D3D6DD1979}"/>
-          </ac:picMkLst>
-        </pc:picChg>
-      </pc:sldChg>
-      <pc:sldChg chg="del">
-        <pc:chgData name="Venkat Rakzz" userId="cbb95b7a29af6b58" providerId="Windows Live" clId="Web-{D26F1729-818B-4764-A469-A3DBD1631369}" dt="2022-03-30T07:19:28.157" v="12"/>
-        <pc:sldMkLst>
-          <pc:docMk/>
-          <pc:sldMk cId="2918643661" sldId="279"/>
-        </pc:sldMkLst>
-      </pc:sldChg>
-    </pc:docChg>
-  </pc:docChgLst>
-</pc:chgInfo>
 </file>
 
 <file path=ppt/notesMasters/notesMaster1.xml><?xml version="1.0" encoding="utf-8"?>
@@ -918,7 +225,7 @@
           <a:p>
             <a:fld id="{0968C692-5CE6-0540-AC01-6407800CC529}" type="datetimeFigureOut">
               <a:rPr lang="en-US" smtClean="0"/>
-              <a:t>3/30/2022</a:t>
+              <a:t>3/31/2022</a:t>
             </a:fld>
             <a:endParaRPr lang="en-US"/>
           </a:p>
@@ -1250,7 +557,7 @@
           <a:p>
             <a:fld id="{D2CE19CD-2A84-A345-96E6-222E4F41D16D}" type="slidenum">
               <a:rPr lang="pl-PL" smtClean="0"/>
-              <a:t>3</a:t>
+              <a:t>2</a:t>
             </a:fld>
             <a:endParaRPr lang="pl-PL"/>
           </a:p>
@@ -1416,7 +723,7 @@
           <a:p>
             <a:fld id="{1D269190-6A13-034E-92A6-8400565D510F}" type="datetimeFigureOut">
               <a:rPr lang="en-US" smtClean="0"/>
-              <a:t>3/30/2022</a:t>
+              <a:t>3/31/2022</a:t>
             </a:fld>
             <a:endParaRPr lang="en-US"/>
           </a:p>
@@ -1614,7 +921,7 @@
           <a:p>
             <a:fld id="{1D269190-6A13-034E-92A6-8400565D510F}" type="datetimeFigureOut">
               <a:rPr lang="en-US" smtClean="0"/>
-              <a:t>3/30/2022</a:t>
+              <a:t>3/31/2022</a:t>
             </a:fld>
             <a:endParaRPr lang="en-US"/>
           </a:p>
@@ -1822,7 +1129,7 @@
           <a:p>
             <a:fld id="{1D269190-6A13-034E-92A6-8400565D510F}" type="datetimeFigureOut">
               <a:rPr lang="en-US" smtClean="0"/>
-              <a:t>3/30/2022</a:t>
+              <a:t>3/31/2022</a:t>
             </a:fld>
             <a:endParaRPr lang="en-US"/>
           </a:p>
@@ -2931,7 +2238,7 @@
           <a:p>
             <a:fld id="{B5E8533E-0F61-47D6-BCB3-8A2CCAC03F7C}" type="datetimeFigureOut">
               <a:rPr lang="en-US" smtClean="0"/>
-              <a:t>3/30/2022</a:t>
+              <a:t>3/31/2022</a:t>
             </a:fld>
             <a:endParaRPr lang="en-US"/>
           </a:p>
@@ -3129,7 +2436,7 @@
           <a:p>
             <a:fld id="{B5E8533E-0F61-47D6-BCB3-8A2CCAC03F7C}" type="datetimeFigureOut">
               <a:rPr lang="en-US" smtClean="0"/>
-              <a:t>3/30/2022</a:t>
+              <a:t>3/31/2022</a:t>
             </a:fld>
             <a:endParaRPr lang="en-US"/>
           </a:p>
@@ -3404,7 +2711,7 @@
           <a:p>
             <a:fld id="{B5E8533E-0F61-47D6-BCB3-8A2CCAC03F7C}" type="datetimeFigureOut">
               <a:rPr lang="en-US" smtClean="0"/>
-              <a:t>3/30/2022</a:t>
+              <a:t>3/31/2022</a:t>
             </a:fld>
             <a:endParaRPr lang="en-US"/>
           </a:p>
@@ -3669,7 +2976,7 @@
           <a:p>
             <a:fld id="{B5E8533E-0F61-47D6-BCB3-8A2CCAC03F7C}" type="datetimeFigureOut">
               <a:rPr lang="en-US" smtClean="0"/>
-              <a:t>3/30/2022</a:t>
+              <a:t>3/31/2022</a:t>
             </a:fld>
             <a:endParaRPr lang="en-US"/>
           </a:p>
@@ -4081,7 +3388,7 @@
           <a:p>
             <a:fld id="{B5E8533E-0F61-47D6-BCB3-8A2CCAC03F7C}" type="datetimeFigureOut">
               <a:rPr lang="en-US" smtClean="0"/>
-              <a:t>3/30/2022</a:t>
+              <a:t>3/31/2022</a:t>
             </a:fld>
             <a:endParaRPr lang="en-US"/>
           </a:p>
@@ -4279,7 +3586,7 @@
           <a:p>
             <a:fld id="{1D269190-6A13-034E-92A6-8400565D510F}" type="datetimeFigureOut">
               <a:rPr lang="en-US" smtClean="0"/>
-              <a:t>3/30/2022</a:t>
+              <a:t>3/31/2022</a:t>
             </a:fld>
             <a:endParaRPr lang="en-US"/>
           </a:p>
@@ -4420,7 +3727,7 @@
           <a:p>
             <a:fld id="{B5E8533E-0F61-47D6-BCB3-8A2CCAC03F7C}" type="datetimeFigureOut">
               <a:rPr lang="en-US" smtClean="0"/>
-              <a:t>3/30/2022</a:t>
+              <a:t>3/31/2022</a:t>
             </a:fld>
             <a:endParaRPr lang="en-US"/>
           </a:p>
@@ -4533,7 +3840,7 @@
           <a:p>
             <a:fld id="{B5E8533E-0F61-47D6-BCB3-8A2CCAC03F7C}" type="datetimeFigureOut">
               <a:rPr lang="en-US" smtClean="0"/>
-              <a:t>3/30/2022</a:t>
+              <a:t>3/31/2022</a:t>
             </a:fld>
             <a:endParaRPr lang="en-US"/>
           </a:p>
@@ -4844,7 +4151,7 @@
           <a:p>
             <a:fld id="{B5E8533E-0F61-47D6-BCB3-8A2CCAC03F7C}" type="datetimeFigureOut">
               <a:rPr lang="en-US" smtClean="0"/>
-              <a:t>3/30/2022</a:t>
+              <a:t>3/31/2022</a:t>
             </a:fld>
             <a:endParaRPr lang="en-US"/>
           </a:p>
@@ -5132,7 +4439,7 @@
           <a:p>
             <a:fld id="{B5E8533E-0F61-47D6-BCB3-8A2CCAC03F7C}" type="datetimeFigureOut">
               <a:rPr lang="en-US" smtClean="0"/>
-              <a:t>3/30/2022</a:t>
+              <a:t>3/31/2022</a:t>
             </a:fld>
             <a:endParaRPr lang="en-US"/>
           </a:p>
@@ -5330,7 +4637,7 @@
           <a:p>
             <a:fld id="{B5E8533E-0F61-47D6-BCB3-8A2CCAC03F7C}" type="datetimeFigureOut">
               <a:rPr lang="en-US" smtClean="0"/>
-              <a:t>3/30/2022</a:t>
+              <a:t>3/31/2022</a:t>
             </a:fld>
             <a:endParaRPr lang="en-US"/>
           </a:p>
@@ -5538,7 +4845,7 @@
           <a:p>
             <a:fld id="{B5E8533E-0F61-47D6-BCB3-8A2CCAC03F7C}" type="datetimeFigureOut">
               <a:rPr lang="en-US" smtClean="0"/>
-              <a:t>3/30/2022</a:t>
+              <a:t>3/31/2022</a:t>
             </a:fld>
             <a:endParaRPr lang="en-US"/>
           </a:p>
@@ -5813,7 +5120,7 @@
           <a:p>
             <a:fld id="{1D269190-6A13-034E-92A6-8400565D510F}" type="datetimeFigureOut">
               <a:rPr lang="en-US" smtClean="0"/>
-              <a:t>3/30/2022</a:t>
+              <a:t>3/31/2022</a:t>
             </a:fld>
             <a:endParaRPr lang="en-US"/>
           </a:p>
@@ -6078,7 +5385,7 @@
           <a:p>
             <a:fld id="{1D269190-6A13-034E-92A6-8400565D510F}" type="datetimeFigureOut">
               <a:rPr lang="en-US" smtClean="0"/>
-              <a:t>3/30/2022</a:t>
+              <a:t>3/31/2022</a:t>
             </a:fld>
             <a:endParaRPr lang="en-US"/>
           </a:p>
@@ -6490,7 +5797,7 @@
           <a:p>
             <a:fld id="{1D269190-6A13-034E-92A6-8400565D510F}" type="datetimeFigureOut">
               <a:rPr lang="en-US" smtClean="0"/>
-              <a:t>3/30/2022</a:t>
+              <a:t>3/31/2022</a:t>
             </a:fld>
             <a:endParaRPr lang="en-US"/>
           </a:p>
@@ -6631,7 +5938,7 @@
           <a:p>
             <a:fld id="{1D269190-6A13-034E-92A6-8400565D510F}" type="datetimeFigureOut">
               <a:rPr lang="en-US" smtClean="0"/>
-              <a:t>3/30/2022</a:t>
+              <a:t>3/31/2022</a:t>
             </a:fld>
             <a:endParaRPr lang="en-US"/>
           </a:p>
@@ -6744,7 +6051,7 @@
           <a:p>
             <a:fld id="{1D269190-6A13-034E-92A6-8400565D510F}" type="datetimeFigureOut">
               <a:rPr lang="en-US" smtClean="0"/>
-              <a:t>3/30/2022</a:t>
+              <a:t>3/31/2022</a:t>
             </a:fld>
             <a:endParaRPr lang="en-US"/>
           </a:p>
@@ -7055,7 +6362,7 @@
           <a:p>
             <a:fld id="{1D269190-6A13-034E-92A6-8400565D510F}" type="datetimeFigureOut">
               <a:rPr lang="en-US" smtClean="0"/>
-              <a:t>3/30/2022</a:t>
+              <a:t>3/31/2022</a:t>
             </a:fld>
             <a:endParaRPr lang="en-US"/>
           </a:p>
@@ -7343,7 +6650,7 @@
           <a:p>
             <a:fld id="{1D269190-6A13-034E-92A6-8400565D510F}" type="datetimeFigureOut">
               <a:rPr lang="en-US" smtClean="0"/>
-              <a:t>3/30/2022</a:t>
+              <a:t>3/31/2022</a:t>
             </a:fld>
             <a:endParaRPr lang="en-US"/>
           </a:p>
@@ -7584,7 +6891,7 @@
           <a:p>
             <a:fld id="{1D269190-6A13-034E-92A6-8400565D510F}" type="datetimeFigureOut">
               <a:rPr lang="en-US" smtClean="0"/>
-              <a:t>3/30/2022</a:t>
+              <a:t>3/31/2022</a:t>
             </a:fld>
             <a:endParaRPr lang="en-US"/>
           </a:p>
@@ -8158,7 +7465,7 @@
           <a:p>
             <a:fld id="{B5E8533E-0F61-47D6-BCB3-8A2CCAC03F7C}" type="datetimeFigureOut">
               <a:rPr lang="en-US" smtClean="0"/>
-              <a:t>3/30/2022</a:t>
+              <a:t>3/31/2022</a:t>
             </a:fld>
             <a:endParaRPr lang="en-US"/>
           </a:p>
@@ -9689,10 +8996,10 @@
       </p:sp>
       <p:pic>
         <p:nvPicPr>
-          <p:cNvPr id="5" name="Graphic 6">
-            <a:extLst>
-              <a:ext uri="{FF2B5EF4-FFF2-40B4-BE49-F238E27FC236}">
-                <a16:creationId xmlns:a16="http://schemas.microsoft.com/office/drawing/2014/main" id="{FCDE3B37-5D31-5BC4-4741-55D3D6DD1979}"/>
+          <p:cNvPr id="2" name="Picture 2">
+            <a:extLst>
+              <a:ext uri="{FF2B5EF4-FFF2-40B4-BE49-F238E27FC236}">
+                <a16:creationId xmlns:a16="http://schemas.microsoft.com/office/drawing/2014/main" id="{CA6ABBB5-A5EC-31EF-0FA3-320B8B060442}"/>
               </a:ext>
             </a:extLst>
           </p:cNvPr>
@@ -9702,21 +9009,15 @@
           <p:nvPr/>
         </p:nvPicPr>
         <p:blipFill>
-          <a:blip r:embed="rId3">
-            <a:extLst>
-              <a:ext uri="{96DAC541-7B7A-43D3-8B79-37D633B846F1}">
-                <asvg:svgBlip xmlns:asvg="http://schemas.microsoft.com/office/drawing/2016/SVG/main" r:embed="rId4"/>
-              </a:ext>
-            </a:extLst>
-          </a:blip>
+          <a:blip r:embed="rId3"/>
           <a:stretch>
             <a:fillRect/>
           </a:stretch>
         </p:blipFill>
         <p:spPr>
           <a:xfrm>
-            <a:off x="1258229" y="269678"/>
-            <a:ext cx="8476785" cy="5463719"/>
+            <a:off x="1425498" y="520897"/>
+            <a:ext cx="9108687" cy="5667524"/>
           </a:xfrm>
           <a:prstGeom prst="rect">
             <a:avLst/>
@@ -9737,5028 +9038,6 @@
 </file>
 
 <file path=ppt/slides/slide3.xml><?xml version="1.0" encoding="utf-8"?>
-<p:sld xmlns:a="http://schemas.openxmlformats.org/drawingml/2006/main" xmlns:r="http://schemas.openxmlformats.org/officeDocument/2006/relationships" xmlns:p="http://schemas.openxmlformats.org/presentationml/2006/main">
-  <p:cSld>
-    <p:spTree>
-      <p:nvGrpSpPr>
-        <p:cNvPr id="1" name=""/>
-        <p:cNvGrpSpPr/>
-        <p:nvPr/>
-      </p:nvGrpSpPr>
-      <p:grpSpPr>
-        <a:xfrm>
-          <a:off x="0" y="0"/>
-          <a:ext cx="0" cy="0"/>
-          <a:chOff x="0" y="0"/>
-          <a:chExt cx="0" cy="0"/>
-        </a:xfrm>
-      </p:grpSpPr>
-      <p:sp>
-        <p:nvSpPr>
-          <p:cNvPr id="5" name="TextBox 4">
-            <a:extLst>
-              <a:ext uri="{FF2B5EF4-FFF2-40B4-BE49-F238E27FC236}">
-                <a16:creationId xmlns:a16="http://schemas.microsoft.com/office/drawing/2014/main" id="{152AA2DC-C12C-8A23-2CEE-2CF5E0ED0697}"/>
-              </a:ext>
-            </a:extLst>
-          </p:cNvPr>
-          <p:cNvSpPr txBox="1"/>
-          <p:nvPr/>
-        </p:nvSpPr>
-        <p:spPr>
-          <a:xfrm>
-            <a:off x="1970809" y="1104900"/>
-            <a:ext cx="898813" cy="369332"/>
-          </a:xfrm>
-          <a:prstGeom prst="rect">
-            <a:avLst/>
-          </a:prstGeom>
-          <a:noFill/>
-        </p:spPr>
-        <p:txBody>
-          <a:bodyPr rot="0" spcFirstLastPara="0" vertOverflow="overflow" horzOverflow="overflow" vert="horz" wrap="square" lIns="91440" tIns="45720" rIns="91440" bIns="45720" numCol="1" spcCol="0" rtlCol="0" fromWordArt="0" anchor="t" anchorCtr="0" forceAA="0" compatLnSpc="1">
-            <a:prstTxWarp prst="textNoShape">
-              <a:avLst/>
-            </a:prstTxWarp>
-            <a:spAutoFit/>
-          </a:bodyPr>
-          <a:lstStyle/>
-          <a:p>
-            <a:pPr algn="l"/>
-            <a:r>
-              <a:rPr lang="en-US">
-                <a:cs typeface="Calibri"/>
-              </a:rPr>
-              <a:t>USER</a:t>
-            </a:r>
-          </a:p>
-        </p:txBody>
-      </p:sp>
-      <p:sp>
-        <p:nvSpPr>
-          <p:cNvPr id="6" name="TextBox 5">
-            <a:extLst>
-              <a:ext uri="{FF2B5EF4-FFF2-40B4-BE49-F238E27FC236}">
-                <a16:creationId xmlns:a16="http://schemas.microsoft.com/office/drawing/2014/main" id="{090E4842-8D65-15F2-5575-17F46B4F2C2B}"/>
-              </a:ext>
-            </a:extLst>
-          </p:cNvPr>
-          <p:cNvSpPr txBox="1"/>
-          <p:nvPr/>
-        </p:nvSpPr>
-        <p:spPr>
-          <a:xfrm>
-            <a:off x="6092536" y="1104899"/>
-            <a:ext cx="2033153" cy="369332"/>
-          </a:xfrm>
-          <a:prstGeom prst="rect">
-            <a:avLst/>
-          </a:prstGeom>
-          <a:noFill/>
-        </p:spPr>
-        <p:txBody>
-          <a:bodyPr rot="0" spcFirstLastPara="0" vertOverflow="overflow" horzOverflow="overflow" vert="horz" wrap="square" lIns="91440" tIns="45720" rIns="91440" bIns="45720" numCol="1" spcCol="0" rtlCol="0" fromWordArt="0" anchor="t" anchorCtr="0" forceAA="0" compatLnSpc="1">
-            <a:prstTxWarp prst="textNoShape">
-              <a:avLst/>
-            </a:prstTxWarp>
-            <a:spAutoFit/>
-          </a:bodyPr>
-          <a:lstStyle/>
-          <a:p>
-            <a:r>
-              <a:rPr lang="en-US">
-                <a:cs typeface="Calibri"/>
-              </a:rPr>
-              <a:t>Book Ticket</a:t>
-            </a:r>
-          </a:p>
-        </p:txBody>
-      </p:sp>
-      <p:cxnSp>
-        <p:nvCxnSpPr>
-          <p:cNvPr id="9" name="Straight Arrow Connector 8">
-            <a:extLst>
-              <a:ext uri="{FF2B5EF4-FFF2-40B4-BE49-F238E27FC236}">
-                <a16:creationId xmlns:a16="http://schemas.microsoft.com/office/drawing/2014/main" id="{ED16D79F-58E9-4A76-181B-6E8FD0B2C202}"/>
-              </a:ext>
-            </a:extLst>
-          </p:cNvPr>
-          <p:cNvCxnSpPr/>
-          <p:nvPr/>
-        </p:nvCxnSpPr>
-        <p:spPr>
-          <a:xfrm flipV="1">
-            <a:off x="2651414" y="1297131"/>
-            <a:ext cx="3477490" cy="29442"/>
-          </a:xfrm>
-          <a:prstGeom prst="straightConnector1">
-            <a:avLst/>
-          </a:prstGeom>
-          <a:ln>
-            <a:headEnd type="triangle"/>
-            <a:tailEnd type="triangle"/>
-          </a:ln>
-        </p:spPr>
-        <p:style>
-          <a:lnRef idx="1">
-            <a:schemeClr val="accent1"/>
-          </a:lnRef>
-          <a:fillRef idx="0">
-            <a:schemeClr val="accent1"/>
-          </a:fillRef>
-          <a:effectRef idx="0">
-            <a:schemeClr val="accent1"/>
-          </a:effectRef>
-          <a:fontRef idx="minor">
-            <a:schemeClr val="tx1"/>
-          </a:fontRef>
-        </p:style>
-      </p:cxnSp>
-      <p:sp>
-        <p:nvSpPr>
-          <p:cNvPr id="10" name="TextBox 9">
-            <a:extLst>
-              <a:ext uri="{FF2B5EF4-FFF2-40B4-BE49-F238E27FC236}">
-                <a16:creationId xmlns:a16="http://schemas.microsoft.com/office/drawing/2014/main" id="{DAF56261-43B1-5416-634A-06D9D0EBB17F}"/>
-              </a:ext>
-            </a:extLst>
-          </p:cNvPr>
-          <p:cNvSpPr txBox="1"/>
-          <p:nvPr/>
-        </p:nvSpPr>
-        <p:spPr>
-          <a:xfrm rot="-10800000" flipV="1">
-            <a:off x="2620241" y="997982"/>
-            <a:ext cx="327313" cy="369332"/>
-          </a:xfrm>
-          <a:prstGeom prst="rect">
-            <a:avLst/>
-          </a:prstGeom>
-          <a:noFill/>
-        </p:spPr>
-        <p:txBody>
-          <a:bodyPr rot="0" spcFirstLastPara="0" vertOverflow="overflow" horzOverflow="overflow" vert="horz" wrap="square" lIns="91440" tIns="45720" rIns="91440" bIns="45720" numCol="1" spcCol="0" rtlCol="0" fromWordArt="0" anchor="t" anchorCtr="0" forceAA="0" compatLnSpc="1">
-            <a:prstTxWarp prst="textNoShape">
-              <a:avLst/>
-            </a:prstTxWarp>
-            <a:spAutoFit/>
-          </a:bodyPr>
-          <a:lstStyle/>
-          <a:p>
-            <a:pPr algn="l"/>
-            <a:r>
-              <a:rPr lang="en-US">
-                <a:cs typeface="Calibri"/>
-              </a:rPr>
-              <a:t>1</a:t>
-            </a:r>
-          </a:p>
-        </p:txBody>
-      </p:sp>
-      <p:sp>
-        <p:nvSpPr>
-          <p:cNvPr id="11" name="TextBox 10">
-            <a:extLst>
-              <a:ext uri="{FF2B5EF4-FFF2-40B4-BE49-F238E27FC236}">
-                <a16:creationId xmlns:a16="http://schemas.microsoft.com/office/drawing/2014/main" id="{AB216349-37AA-CAEF-91E9-84F154B89F2C}"/>
-              </a:ext>
-            </a:extLst>
-          </p:cNvPr>
-          <p:cNvSpPr txBox="1"/>
-          <p:nvPr/>
-        </p:nvSpPr>
-        <p:spPr>
-          <a:xfrm rot="-10800000" flipV="1">
-            <a:off x="5815445" y="963345"/>
-            <a:ext cx="327313" cy="369332"/>
-          </a:xfrm>
-          <a:prstGeom prst="rect">
-            <a:avLst/>
-          </a:prstGeom>
-          <a:noFill/>
-        </p:spPr>
-        <p:txBody>
-          <a:bodyPr rot="0" spcFirstLastPara="0" vertOverflow="overflow" horzOverflow="overflow" vert="horz" wrap="square" lIns="91440" tIns="45720" rIns="91440" bIns="45720" numCol="1" spcCol="0" rtlCol="0" fromWordArt="0" anchor="t" anchorCtr="0" forceAA="0" compatLnSpc="1">
-            <a:prstTxWarp prst="textNoShape">
-              <a:avLst/>
-            </a:prstTxWarp>
-            <a:spAutoFit/>
-          </a:bodyPr>
-          <a:lstStyle/>
-          <a:p>
-            <a:pPr algn="l"/>
-            <a:r>
-              <a:rPr lang="en-US">
-                <a:cs typeface="Calibri"/>
-              </a:rPr>
-              <a:t>1</a:t>
-            </a:r>
-          </a:p>
-        </p:txBody>
-      </p:sp>
-      <p:sp>
-        <p:nvSpPr>
-          <p:cNvPr id="12" name="TextBox 11">
-            <a:extLst>
-              <a:ext uri="{FF2B5EF4-FFF2-40B4-BE49-F238E27FC236}">
-                <a16:creationId xmlns:a16="http://schemas.microsoft.com/office/drawing/2014/main" id="{0F5D0E9A-A28A-7557-CE07-52F98018C997}"/>
-              </a:ext>
-            </a:extLst>
-          </p:cNvPr>
-          <p:cNvSpPr txBox="1"/>
-          <p:nvPr/>
-        </p:nvSpPr>
-        <p:spPr>
-          <a:xfrm>
-            <a:off x="1862571" y="494435"/>
-            <a:ext cx="6111585" cy="369332"/>
-          </a:xfrm>
-          <a:prstGeom prst="rect">
-            <a:avLst/>
-          </a:prstGeom>
-          <a:noFill/>
-        </p:spPr>
-        <p:txBody>
-          <a:bodyPr rot="0" spcFirstLastPara="0" vertOverflow="overflow" horzOverflow="overflow" vert="horz" wrap="square" lIns="91440" tIns="45720" rIns="91440" bIns="45720" numCol="1" spcCol="0" rtlCol="0" fromWordArt="0" anchor="t" anchorCtr="0" forceAA="0" compatLnSpc="1">
-            <a:prstTxWarp prst="textNoShape">
-              <a:avLst/>
-            </a:prstTxWarp>
-            <a:spAutoFit/>
-          </a:bodyPr>
-          <a:lstStyle/>
-          <a:p>
-            <a:pPr algn="l"/>
-            <a:endParaRPr lang="en-US">
-              <a:cs typeface="Calibri"/>
-            </a:endParaRPr>
-          </a:p>
-        </p:txBody>
-      </p:sp>
-      <p:sp>
-        <p:nvSpPr>
-          <p:cNvPr id="14" name="TextBox 13">
-            <a:extLst>
-              <a:ext uri="{FF2B5EF4-FFF2-40B4-BE49-F238E27FC236}">
-                <a16:creationId xmlns:a16="http://schemas.microsoft.com/office/drawing/2014/main" id="{0818B4BF-9AAC-F5E5-BBB7-CBB68C512ACB}"/>
-              </a:ext>
-            </a:extLst>
-          </p:cNvPr>
-          <p:cNvSpPr txBox="1"/>
-          <p:nvPr/>
-        </p:nvSpPr>
-        <p:spPr>
-          <a:xfrm>
-            <a:off x="1996786" y="1624445"/>
-            <a:ext cx="898813" cy="369332"/>
-          </a:xfrm>
-          <a:prstGeom prst="rect">
-            <a:avLst/>
-          </a:prstGeom>
-          <a:noFill/>
-        </p:spPr>
-        <p:txBody>
-          <a:bodyPr rot="0" spcFirstLastPara="0" vertOverflow="overflow" horzOverflow="overflow" vert="horz" wrap="square" lIns="91440" tIns="45720" rIns="91440" bIns="45720" numCol="1" spcCol="0" rtlCol="0" fromWordArt="0" anchor="t" anchorCtr="0" forceAA="0" compatLnSpc="1">
-            <a:prstTxWarp prst="textNoShape">
-              <a:avLst/>
-            </a:prstTxWarp>
-            <a:spAutoFit/>
-          </a:bodyPr>
-          <a:lstStyle/>
-          <a:p>
-            <a:pPr algn="l"/>
-            <a:r>
-              <a:rPr lang="en-US">
-                <a:cs typeface="Calibri"/>
-              </a:rPr>
-              <a:t>USER</a:t>
-            </a:r>
-          </a:p>
-        </p:txBody>
-      </p:sp>
-      <p:sp>
-        <p:nvSpPr>
-          <p:cNvPr id="15" name="TextBox 14">
-            <a:extLst>
-              <a:ext uri="{FF2B5EF4-FFF2-40B4-BE49-F238E27FC236}">
-                <a16:creationId xmlns:a16="http://schemas.microsoft.com/office/drawing/2014/main" id="{09D3B81A-3CE7-A8BD-8172-03F1E9885204}"/>
-              </a:ext>
-            </a:extLst>
-          </p:cNvPr>
-          <p:cNvSpPr txBox="1"/>
-          <p:nvPr/>
-        </p:nvSpPr>
-        <p:spPr>
-          <a:xfrm>
-            <a:off x="6118513" y="1624444"/>
-            <a:ext cx="2033153" cy="369332"/>
-          </a:xfrm>
-          <a:prstGeom prst="rect">
-            <a:avLst/>
-          </a:prstGeom>
-          <a:noFill/>
-        </p:spPr>
-        <p:txBody>
-          <a:bodyPr rot="0" spcFirstLastPara="0" vertOverflow="overflow" horzOverflow="overflow" vert="horz" wrap="square" lIns="91440" tIns="45720" rIns="91440" bIns="45720" numCol="1" spcCol="0" rtlCol="0" fromWordArt="0" anchor="t" anchorCtr="0" forceAA="0" compatLnSpc="1">
-            <a:prstTxWarp prst="textNoShape">
-              <a:avLst/>
-            </a:prstTxWarp>
-            <a:spAutoFit/>
-          </a:bodyPr>
-          <a:lstStyle/>
-          <a:p>
-            <a:r>
-              <a:rPr lang="en-US">
-                <a:cs typeface="Calibri"/>
-              </a:rPr>
-              <a:t>Passenger Details</a:t>
-            </a:r>
-          </a:p>
-        </p:txBody>
-      </p:sp>
-      <p:cxnSp>
-        <p:nvCxnSpPr>
-          <p:cNvPr id="16" name="Straight Arrow Connector 15">
-            <a:extLst>
-              <a:ext uri="{FF2B5EF4-FFF2-40B4-BE49-F238E27FC236}">
-                <a16:creationId xmlns:a16="http://schemas.microsoft.com/office/drawing/2014/main" id="{928878E2-3E91-FCB9-0B43-1F7A4DC77CB6}"/>
-              </a:ext>
-            </a:extLst>
-          </p:cNvPr>
-          <p:cNvCxnSpPr>
-            <a:cxnSpLocks/>
-          </p:cNvCxnSpPr>
-          <p:nvPr/>
-        </p:nvCxnSpPr>
-        <p:spPr>
-          <a:xfrm flipV="1">
-            <a:off x="2677391" y="1816676"/>
-            <a:ext cx="3477490" cy="29442"/>
-          </a:xfrm>
-          <a:prstGeom prst="straightConnector1">
-            <a:avLst/>
-          </a:prstGeom>
-          <a:ln>
-            <a:headEnd type="triangle"/>
-            <a:tailEnd type="triangle"/>
-          </a:ln>
-        </p:spPr>
-        <p:style>
-          <a:lnRef idx="1">
-            <a:schemeClr val="accent1"/>
-          </a:lnRef>
-          <a:fillRef idx="0">
-            <a:schemeClr val="accent1"/>
-          </a:fillRef>
-          <a:effectRef idx="0">
-            <a:schemeClr val="accent1"/>
-          </a:effectRef>
-          <a:fontRef idx="minor">
-            <a:schemeClr val="tx1"/>
-          </a:fontRef>
-        </p:style>
-      </p:cxnSp>
-      <p:sp>
-        <p:nvSpPr>
-          <p:cNvPr id="17" name="TextBox 16">
-            <a:extLst>
-              <a:ext uri="{FF2B5EF4-FFF2-40B4-BE49-F238E27FC236}">
-                <a16:creationId xmlns:a16="http://schemas.microsoft.com/office/drawing/2014/main" id="{8187A1F3-E9D4-4534-00CD-20775A363DDA}"/>
-              </a:ext>
-            </a:extLst>
-          </p:cNvPr>
-          <p:cNvSpPr txBox="1"/>
-          <p:nvPr/>
-        </p:nvSpPr>
-        <p:spPr>
-          <a:xfrm rot="-10800000" flipV="1">
-            <a:off x="2646218" y="1517527"/>
-            <a:ext cx="327313" cy="369332"/>
-          </a:xfrm>
-          <a:prstGeom prst="rect">
-            <a:avLst/>
-          </a:prstGeom>
-          <a:noFill/>
-        </p:spPr>
-        <p:txBody>
-          <a:bodyPr rot="0" spcFirstLastPara="0" vertOverflow="overflow" horzOverflow="overflow" vert="horz" wrap="square" lIns="91440" tIns="45720" rIns="91440" bIns="45720" numCol="1" spcCol="0" rtlCol="0" fromWordArt="0" anchor="t" anchorCtr="0" forceAA="0" compatLnSpc="1">
-            <a:prstTxWarp prst="textNoShape">
-              <a:avLst/>
-            </a:prstTxWarp>
-            <a:spAutoFit/>
-          </a:bodyPr>
-          <a:lstStyle/>
-          <a:p>
-            <a:pPr algn="l"/>
-            <a:r>
-              <a:rPr lang="en-US">
-                <a:cs typeface="Calibri"/>
-              </a:rPr>
-              <a:t>1</a:t>
-            </a:r>
-          </a:p>
-        </p:txBody>
-      </p:sp>
-      <p:sp>
-        <p:nvSpPr>
-          <p:cNvPr id="18" name="TextBox 17">
-            <a:extLst>
-              <a:ext uri="{FF2B5EF4-FFF2-40B4-BE49-F238E27FC236}">
-                <a16:creationId xmlns:a16="http://schemas.microsoft.com/office/drawing/2014/main" id="{1DFE6C8A-AC81-7CA9-A797-4810556BF79E}"/>
-              </a:ext>
-            </a:extLst>
-          </p:cNvPr>
-          <p:cNvSpPr txBox="1"/>
-          <p:nvPr/>
-        </p:nvSpPr>
-        <p:spPr>
-          <a:xfrm rot="-10800000" flipV="1">
-            <a:off x="5841422" y="1482890"/>
-            <a:ext cx="327313" cy="369332"/>
-          </a:xfrm>
-          <a:prstGeom prst="rect">
-            <a:avLst/>
-          </a:prstGeom>
-          <a:noFill/>
-        </p:spPr>
-        <p:txBody>
-          <a:bodyPr rot="0" spcFirstLastPara="0" vertOverflow="overflow" horzOverflow="overflow" vert="horz" wrap="square" lIns="91440" tIns="45720" rIns="91440" bIns="45720" numCol="1" spcCol="0" rtlCol="0" fromWordArt="0" anchor="t" anchorCtr="0" forceAA="0" compatLnSpc="1">
-            <a:prstTxWarp prst="textNoShape">
-              <a:avLst/>
-            </a:prstTxWarp>
-            <a:spAutoFit/>
-          </a:bodyPr>
-          <a:lstStyle/>
-          <a:p>
-            <a:pPr algn="l"/>
-            <a:r>
-              <a:rPr lang="en-US" dirty="0">
-                <a:cs typeface="Calibri"/>
-              </a:rPr>
-              <a:t>M</a:t>
-            </a:r>
-            <a:endParaRPr lang="en-US" dirty="0">
-              <a:ea typeface="Calibri"/>
-              <a:cs typeface="Calibri"/>
-            </a:endParaRPr>
-          </a:p>
-        </p:txBody>
-      </p:sp>
-      <p:sp>
-        <p:nvSpPr>
-          <p:cNvPr id="19" name="TextBox 18">
-            <a:extLst>
-              <a:ext uri="{FF2B5EF4-FFF2-40B4-BE49-F238E27FC236}">
-                <a16:creationId xmlns:a16="http://schemas.microsoft.com/office/drawing/2014/main" id="{811E30A6-6E8C-38E8-7634-96DD7C3DAC7F}"/>
-              </a:ext>
-            </a:extLst>
-          </p:cNvPr>
-          <p:cNvSpPr txBox="1"/>
-          <p:nvPr/>
-        </p:nvSpPr>
-        <p:spPr>
-          <a:xfrm>
-            <a:off x="2005445" y="2161309"/>
-            <a:ext cx="898813" cy="369332"/>
-          </a:xfrm>
-          <a:prstGeom prst="rect">
-            <a:avLst/>
-          </a:prstGeom>
-          <a:noFill/>
-        </p:spPr>
-        <p:txBody>
-          <a:bodyPr rot="0" spcFirstLastPara="0" vertOverflow="overflow" horzOverflow="overflow" vert="horz" wrap="square" lIns="91440" tIns="45720" rIns="91440" bIns="45720" numCol="1" spcCol="0" rtlCol="0" fromWordArt="0" anchor="t" anchorCtr="0" forceAA="0" compatLnSpc="1">
-            <a:prstTxWarp prst="textNoShape">
-              <a:avLst/>
-            </a:prstTxWarp>
-            <a:spAutoFit/>
-          </a:bodyPr>
-          <a:lstStyle/>
-          <a:p>
-            <a:pPr algn="l"/>
-            <a:r>
-              <a:rPr lang="en-US">
-                <a:cs typeface="Calibri"/>
-              </a:rPr>
-              <a:t>USER</a:t>
-            </a:r>
-          </a:p>
-        </p:txBody>
-      </p:sp>
-      <p:sp>
-        <p:nvSpPr>
-          <p:cNvPr id="20" name="TextBox 19">
-            <a:extLst>
-              <a:ext uri="{FF2B5EF4-FFF2-40B4-BE49-F238E27FC236}">
-                <a16:creationId xmlns:a16="http://schemas.microsoft.com/office/drawing/2014/main" id="{9D6F13DF-4933-79D5-4276-47FDD0773E78}"/>
-              </a:ext>
-            </a:extLst>
-          </p:cNvPr>
-          <p:cNvSpPr txBox="1"/>
-          <p:nvPr/>
-        </p:nvSpPr>
-        <p:spPr>
-          <a:xfrm>
-            <a:off x="6127172" y="2161308"/>
-            <a:ext cx="2033153" cy="369332"/>
-          </a:xfrm>
-          <a:prstGeom prst="rect">
-            <a:avLst/>
-          </a:prstGeom>
-          <a:noFill/>
-        </p:spPr>
-        <p:txBody>
-          <a:bodyPr rot="0" spcFirstLastPara="0" vertOverflow="overflow" horzOverflow="overflow" vert="horz" wrap="square" lIns="91440" tIns="45720" rIns="91440" bIns="45720" numCol="1" spcCol="0" rtlCol="0" fromWordArt="0" anchor="t" anchorCtr="0" forceAA="0" compatLnSpc="1">
-            <a:prstTxWarp prst="textNoShape">
-              <a:avLst/>
-            </a:prstTxWarp>
-            <a:spAutoFit/>
-          </a:bodyPr>
-          <a:lstStyle/>
-          <a:p>
-            <a:r>
-              <a:rPr lang="en-US" dirty="0">
-                <a:ea typeface="Calibri"/>
-                <a:cs typeface="Calibri"/>
-              </a:rPr>
-              <a:t>Payment</a:t>
-            </a:r>
-          </a:p>
-        </p:txBody>
-      </p:sp>
-      <p:cxnSp>
-        <p:nvCxnSpPr>
-          <p:cNvPr id="21" name="Straight Arrow Connector 20">
-            <a:extLst>
-              <a:ext uri="{FF2B5EF4-FFF2-40B4-BE49-F238E27FC236}">
-                <a16:creationId xmlns:a16="http://schemas.microsoft.com/office/drawing/2014/main" id="{7453AB76-9BE0-5BC7-9F93-2C7639F30742}"/>
-              </a:ext>
-            </a:extLst>
-          </p:cNvPr>
-          <p:cNvCxnSpPr>
-            <a:cxnSpLocks/>
-          </p:cNvCxnSpPr>
-          <p:nvPr/>
-        </p:nvCxnSpPr>
-        <p:spPr>
-          <a:xfrm flipV="1">
-            <a:off x="2686050" y="2353540"/>
-            <a:ext cx="3477490" cy="29442"/>
-          </a:xfrm>
-          <a:prstGeom prst="straightConnector1">
-            <a:avLst/>
-          </a:prstGeom>
-          <a:ln>
-            <a:headEnd type="triangle"/>
-            <a:tailEnd type="triangle"/>
-          </a:ln>
-        </p:spPr>
-        <p:style>
-          <a:lnRef idx="1">
-            <a:schemeClr val="accent1"/>
-          </a:lnRef>
-          <a:fillRef idx="0">
-            <a:schemeClr val="accent1"/>
-          </a:fillRef>
-          <a:effectRef idx="0">
-            <a:schemeClr val="accent1"/>
-          </a:effectRef>
-          <a:fontRef idx="minor">
-            <a:schemeClr val="tx1"/>
-          </a:fontRef>
-        </p:style>
-      </p:cxnSp>
-      <p:sp>
-        <p:nvSpPr>
-          <p:cNvPr id="22" name="TextBox 21">
-            <a:extLst>
-              <a:ext uri="{FF2B5EF4-FFF2-40B4-BE49-F238E27FC236}">
-                <a16:creationId xmlns:a16="http://schemas.microsoft.com/office/drawing/2014/main" id="{4FACCF1B-0D20-D184-AF81-678DC86D0DDE}"/>
-              </a:ext>
-            </a:extLst>
-          </p:cNvPr>
-          <p:cNvSpPr txBox="1"/>
-          <p:nvPr/>
-        </p:nvSpPr>
-        <p:spPr>
-          <a:xfrm rot="-10800000" flipV="1">
-            <a:off x="2654877" y="2054391"/>
-            <a:ext cx="327313" cy="369332"/>
-          </a:xfrm>
-          <a:prstGeom prst="rect">
-            <a:avLst/>
-          </a:prstGeom>
-          <a:noFill/>
-        </p:spPr>
-        <p:txBody>
-          <a:bodyPr rot="0" spcFirstLastPara="0" vertOverflow="overflow" horzOverflow="overflow" vert="horz" wrap="square" lIns="91440" tIns="45720" rIns="91440" bIns="45720" numCol="1" spcCol="0" rtlCol="0" fromWordArt="0" anchor="t" anchorCtr="0" forceAA="0" compatLnSpc="1">
-            <a:prstTxWarp prst="textNoShape">
-              <a:avLst/>
-            </a:prstTxWarp>
-            <a:spAutoFit/>
-          </a:bodyPr>
-          <a:lstStyle/>
-          <a:p>
-            <a:pPr algn="l"/>
-            <a:r>
-              <a:rPr lang="en-US">
-                <a:cs typeface="Calibri"/>
-              </a:rPr>
-              <a:t>1</a:t>
-            </a:r>
-          </a:p>
-        </p:txBody>
-      </p:sp>
-      <p:sp>
-        <p:nvSpPr>
-          <p:cNvPr id="23" name="TextBox 22">
-            <a:extLst>
-              <a:ext uri="{FF2B5EF4-FFF2-40B4-BE49-F238E27FC236}">
-                <a16:creationId xmlns:a16="http://schemas.microsoft.com/office/drawing/2014/main" id="{631ED799-0E37-73F2-2EB1-4DD9606314F2}"/>
-              </a:ext>
-            </a:extLst>
-          </p:cNvPr>
-          <p:cNvSpPr txBox="1"/>
-          <p:nvPr/>
-        </p:nvSpPr>
-        <p:spPr>
-          <a:xfrm rot="-10800000" flipV="1">
-            <a:off x="5850081" y="2019754"/>
-            <a:ext cx="327313" cy="369332"/>
-          </a:xfrm>
-          <a:prstGeom prst="rect">
-            <a:avLst/>
-          </a:prstGeom>
-          <a:noFill/>
-        </p:spPr>
-        <p:txBody>
-          <a:bodyPr rot="0" spcFirstLastPara="0" vertOverflow="overflow" horzOverflow="overflow" vert="horz" wrap="square" lIns="91440" tIns="45720" rIns="91440" bIns="45720" numCol="1" spcCol="0" rtlCol="0" fromWordArt="0" anchor="t" anchorCtr="0" forceAA="0" compatLnSpc="1">
-            <a:prstTxWarp prst="textNoShape">
-              <a:avLst/>
-            </a:prstTxWarp>
-            <a:spAutoFit/>
-          </a:bodyPr>
-          <a:lstStyle/>
-          <a:p>
-            <a:pPr algn="l"/>
-            <a:r>
-              <a:rPr lang="en-US">
-                <a:cs typeface="Calibri"/>
-              </a:rPr>
-              <a:t>1</a:t>
-            </a:r>
-          </a:p>
-        </p:txBody>
-      </p:sp>
-      <p:sp>
-        <p:nvSpPr>
-          <p:cNvPr id="24" name="TextBox 23">
-            <a:extLst>
-              <a:ext uri="{FF2B5EF4-FFF2-40B4-BE49-F238E27FC236}">
-                <a16:creationId xmlns:a16="http://schemas.microsoft.com/office/drawing/2014/main" id="{0CD4DED4-3033-C887-C0DE-74E7A57978A0}"/>
-              </a:ext>
-            </a:extLst>
-          </p:cNvPr>
-          <p:cNvSpPr txBox="1"/>
-          <p:nvPr/>
-        </p:nvSpPr>
-        <p:spPr>
-          <a:xfrm>
-            <a:off x="1979467" y="2715490"/>
-            <a:ext cx="898813" cy="369332"/>
-          </a:xfrm>
-          <a:prstGeom prst="rect">
-            <a:avLst/>
-          </a:prstGeom>
-          <a:noFill/>
-        </p:spPr>
-        <p:txBody>
-          <a:bodyPr rot="0" spcFirstLastPara="0" vertOverflow="overflow" horzOverflow="overflow" vert="horz" wrap="square" lIns="91440" tIns="45720" rIns="91440" bIns="45720" numCol="1" spcCol="0" rtlCol="0" fromWordArt="0" anchor="t" anchorCtr="0" forceAA="0" compatLnSpc="1">
-            <a:prstTxWarp prst="textNoShape">
-              <a:avLst/>
-            </a:prstTxWarp>
-            <a:spAutoFit/>
-          </a:bodyPr>
-          <a:lstStyle/>
-          <a:p>
-            <a:pPr algn="l"/>
-            <a:r>
-              <a:rPr lang="en-US">
-                <a:cs typeface="Calibri"/>
-              </a:rPr>
-              <a:t>USER</a:t>
-            </a:r>
-          </a:p>
-        </p:txBody>
-      </p:sp>
-      <p:sp>
-        <p:nvSpPr>
-          <p:cNvPr id="25" name="TextBox 24">
-            <a:extLst>
-              <a:ext uri="{FF2B5EF4-FFF2-40B4-BE49-F238E27FC236}">
-                <a16:creationId xmlns:a16="http://schemas.microsoft.com/office/drawing/2014/main" id="{261C5FD6-41FF-F1E7-A3A0-842D6D745FB6}"/>
-              </a:ext>
-            </a:extLst>
-          </p:cNvPr>
-          <p:cNvSpPr txBox="1"/>
-          <p:nvPr/>
-        </p:nvSpPr>
-        <p:spPr>
-          <a:xfrm>
-            <a:off x="6101194" y="2715489"/>
-            <a:ext cx="2033153" cy="369332"/>
-          </a:xfrm>
-          <a:prstGeom prst="rect">
-            <a:avLst/>
-          </a:prstGeom>
-          <a:noFill/>
-        </p:spPr>
-        <p:txBody>
-          <a:bodyPr rot="0" spcFirstLastPara="0" vertOverflow="overflow" horzOverflow="overflow" vert="horz" wrap="square" lIns="91440" tIns="45720" rIns="91440" bIns="45720" numCol="1" spcCol="0" rtlCol="0" fromWordArt="0" anchor="t" anchorCtr="0" forceAA="0" compatLnSpc="1">
-            <a:prstTxWarp prst="textNoShape">
-              <a:avLst/>
-            </a:prstTxWarp>
-            <a:spAutoFit/>
-          </a:bodyPr>
-          <a:lstStyle/>
-          <a:p>
-            <a:r>
-              <a:rPr lang="en-US" dirty="0">
-                <a:cs typeface="Calibri"/>
-              </a:rPr>
-              <a:t> Ticket Details</a:t>
-            </a:r>
-          </a:p>
-        </p:txBody>
-      </p:sp>
-      <p:cxnSp>
-        <p:nvCxnSpPr>
-          <p:cNvPr id="26" name="Straight Arrow Connector 25">
-            <a:extLst>
-              <a:ext uri="{FF2B5EF4-FFF2-40B4-BE49-F238E27FC236}">
-                <a16:creationId xmlns:a16="http://schemas.microsoft.com/office/drawing/2014/main" id="{AD735956-1C65-0942-D4D0-C5C437D8B696}"/>
-              </a:ext>
-            </a:extLst>
-          </p:cNvPr>
-          <p:cNvCxnSpPr>
-            <a:cxnSpLocks/>
-          </p:cNvCxnSpPr>
-          <p:nvPr/>
-        </p:nvCxnSpPr>
-        <p:spPr>
-          <a:xfrm flipV="1">
-            <a:off x="2660072" y="2907721"/>
-            <a:ext cx="3477490" cy="29442"/>
-          </a:xfrm>
-          <a:prstGeom prst="straightConnector1">
-            <a:avLst/>
-          </a:prstGeom>
-          <a:ln>
-            <a:headEnd type="triangle"/>
-            <a:tailEnd type="triangle"/>
-          </a:ln>
-        </p:spPr>
-        <p:style>
-          <a:lnRef idx="1">
-            <a:schemeClr val="accent1"/>
-          </a:lnRef>
-          <a:fillRef idx="0">
-            <a:schemeClr val="accent1"/>
-          </a:fillRef>
-          <a:effectRef idx="0">
-            <a:schemeClr val="accent1"/>
-          </a:effectRef>
-          <a:fontRef idx="minor">
-            <a:schemeClr val="tx1"/>
-          </a:fontRef>
-        </p:style>
-      </p:cxnSp>
-      <p:sp>
-        <p:nvSpPr>
-          <p:cNvPr id="27" name="TextBox 26">
-            <a:extLst>
-              <a:ext uri="{FF2B5EF4-FFF2-40B4-BE49-F238E27FC236}">
-                <a16:creationId xmlns:a16="http://schemas.microsoft.com/office/drawing/2014/main" id="{05BEF998-679A-3431-F37D-5E6E6FC6FC90}"/>
-              </a:ext>
-            </a:extLst>
-          </p:cNvPr>
-          <p:cNvSpPr txBox="1"/>
-          <p:nvPr/>
-        </p:nvSpPr>
-        <p:spPr>
-          <a:xfrm rot="-10800000" flipV="1">
-            <a:off x="2628899" y="2608572"/>
-            <a:ext cx="327313" cy="369332"/>
-          </a:xfrm>
-          <a:prstGeom prst="rect">
-            <a:avLst/>
-          </a:prstGeom>
-          <a:noFill/>
-        </p:spPr>
-        <p:txBody>
-          <a:bodyPr rot="0" spcFirstLastPara="0" vertOverflow="overflow" horzOverflow="overflow" vert="horz" wrap="square" lIns="91440" tIns="45720" rIns="91440" bIns="45720" numCol="1" spcCol="0" rtlCol="0" fromWordArt="0" anchor="t" anchorCtr="0" forceAA="0" compatLnSpc="1">
-            <a:prstTxWarp prst="textNoShape">
-              <a:avLst/>
-            </a:prstTxWarp>
-            <a:spAutoFit/>
-          </a:bodyPr>
-          <a:lstStyle/>
-          <a:p>
-            <a:pPr algn="l"/>
-            <a:r>
-              <a:rPr lang="en-US">
-                <a:cs typeface="Calibri"/>
-              </a:rPr>
-              <a:t>1</a:t>
-            </a:r>
-          </a:p>
-        </p:txBody>
-      </p:sp>
-      <p:sp>
-        <p:nvSpPr>
-          <p:cNvPr id="28" name="TextBox 27">
-            <a:extLst>
-              <a:ext uri="{FF2B5EF4-FFF2-40B4-BE49-F238E27FC236}">
-                <a16:creationId xmlns:a16="http://schemas.microsoft.com/office/drawing/2014/main" id="{BCA59D66-1E3E-5E71-A811-3A4419EC233F}"/>
-              </a:ext>
-            </a:extLst>
-          </p:cNvPr>
-          <p:cNvSpPr txBox="1"/>
-          <p:nvPr/>
-        </p:nvSpPr>
-        <p:spPr>
-          <a:xfrm rot="-10800000" flipV="1">
-            <a:off x="5824103" y="2573935"/>
-            <a:ext cx="327313" cy="369332"/>
-          </a:xfrm>
-          <a:prstGeom prst="rect">
-            <a:avLst/>
-          </a:prstGeom>
-          <a:noFill/>
-        </p:spPr>
-        <p:txBody>
-          <a:bodyPr rot="0" spcFirstLastPara="0" vertOverflow="overflow" horzOverflow="overflow" vert="horz" wrap="square" lIns="91440" tIns="45720" rIns="91440" bIns="45720" numCol="1" spcCol="0" rtlCol="0" fromWordArt="0" anchor="t" anchorCtr="0" forceAA="0" compatLnSpc="1">
-            <a:prstTxWarp prst="textNoShape">
-              <a:avLst/>
-            </a:prstTxWarp>
-            <a:spAutoFit/>
-          </a:bodyPr>
-          <a:lstStyle/>
-          <a:p>
-            <a:pPr algn="l"/>
-            <a:r>
-              <a:rPr lang="en-US">
-                <a:cs typeface="Calibri"/>
-              </a:rPr>
-              <a:t>1</a:t>
-            </a:r>
-          </a:p>
-        </p:txBody>
-      </p:sp>
-      <p:sp>
-        <p:nvSpPr>
-          <p:cNvPr id="34" name="TextBox 1">
-            <a:extLst>
-              <a:ext uri="{FF2B5EF4-FFF2-40B4-BE49-F238E27FC236}">
-                <a16:creationId xmlns:a16="http://schemas.microsoft.com/office/drawing/2014/main" id="{1A5EB195-A204-F645-47EC-23B4DF6C6C14}"/>
-              </a:ext>
-            </a:extLst>
-          </p:cNvPr>
-          <p:cNvSpPr txBox="1"/>
-          <p:nvPr/>
-        </p:nvSpPr>
-        <p:spPr>
-          <a:xfrm>
-            <a:off x="1970809" y="1104900"/>
-            <a:ext cx="898813" cy="369332"/>
-          </a:xfrm>
-          <a:prstGeom prst="rect">
-            <a:avLst/>
-          </a:prstGeom>
-          <a:noFill/>
-        </p:spPr>
-        <p:txBody>
-          <a:bodyPr rot="0" spcFirstLastPara="0" vert="horz" wrap="square" lIns="91440" tIns="45720" rIns="91440" bIns="45720" numCol="1" spcCol="0" rtlCol="0" fromWordArt="0" anchor="t" anchorCtr="0" forceAA="0" compatLnSpc="1">
-            <a:prstTxWarp prst="textNoShape">
-              <a:avLst/>
-            </a:prstTxWarp>
-            <a:spAutoFit/>
-          </a:bodyPr>
-          <a:lstStyle>
-            <a:defPPr>
-              <a:defRPr lang="en-US"/>
-            </a:defPPr>
-            <a:lvl1pPr marL="0" algn="l" defTabSz="914400" rtl="0" eaLnBrk="1" latinLnBrk="0" hangingPunct="1">
-              <a:defRPr sz="1800" kern="1200">
-                <a:solidFill>
-                  <a:schemeClr val="tx1"/>
-                </a:solidFill>
-                <a:latin typeface="+mn-lt"/>
-                <a:ea typeface="+mn-ea"/>
-                <a:cs typeface="+mn-cs"/>
-              </a:defRPr>
-            </a:lvl1pPr>
-            <a:lvl2pPr marL="457200" algn="l" defTabSz="914400" rtl="0" eaLnBrk="1" latinLnBrk="0" hangingPunct="1">
-              <a:defRPr sz="1800" kern="1200">
-                <a:solidFill>
-                  <a:schemeClr val="tx1"/>
-                </a:solidFill>
-                <a:latin typeface="+mn-lt"/>
-                <a:ea typeface="+mn-ea"/>
-                <a:cs typeface="+mn-cs"/>
-              </a:defRPr>
-            </a:lvl2pPr>
-            <a:lvl3pPr marL="914400" algn="l" defTabSz="914400" rtl="0" eaLnBrk="1" latinLnBrk="0" hangingPunct="1">
-              <a:defRPr sz="1800" kern="1200">
-                <a:solidFill>
-                  <a:schemeClr val="tx1"/>
-                </a:solidFill>
-                <a:latin typeface="+mn-lt"/>
-                <a:ea typeface="+mn-ea"/>
-                <a:cs typeface="+mn-cs"/>
-              </a:defRPr>
-            </a:lvl3pPr>
-            <a:lvl4pPr marL="1371600" algn="l" defTabSz="914400" rtl="0" eaLnBrk="1" latinLnBrk="0" hangingPunct="1">
-              <a:defRPr sz="1800" kern="1200">
-                <a:solidFill>
-                  <a:schemeClr val="tx1"/>
-                </a:solidFill>
-                <a:latin typeface="+mn-lt"/>
-                <a:ea typeface="+mn-ea"/>
-                <a:cs typeface="+mn-cs"/>
-              </a:defRPr>
-            </a:lvl4pPr>
-            <a:lvl5pPr marL="1828800" algn="l" defTabSz="914400" rtl="0" eaLnBrk="1" latinLnBrk="0" hangingPunct="1">
-              <a:defRPr sz="1800" kern="1200">
-                <a:solidFill>
-                  <a:schemeClr val="tx1"/>
-                </a:solidFill>
-                <a:latin typeface="+mn-lt"/>
-                <a:ea typeface="+mn-ea"/>
-                <a:cs typeface="+mn-cs"/>
-              </a:defRPr>
-            </a:lvl5pPr>
-            <a:lvl6pPr marL="2286000" algn="l" defTabSz="914400" rtl="0" eaLnBrk="1" latinLnBrk="0" hangingPunct="1">
-              <a:defRPr sz="1800" kern="1200">
-                <a:solidFill>
-                  <a:schemeClr val="tx1"/>
-                </a:solidFill>
-                <a:latin typeface="+mn-lt"/>
-                <a:ea typeface="+mn-ea"/>
-                <a:cs typeface="+mn-cs"/>
-              </a:defRPr>
-            </a:lvl6pPr>
-            <a:lvl7pPr marL="2743200" algn="l" defTabSz="914400" rtl="0" eaLnBrk="1" latinLnBrk="0" hangingPunct="1">
-              <a:defRPr sz="1800" kern="1200">
-                <a:solidFill>
-                  <a:schemeClr val="tx1"/>
-                </a:solidFill>
-                <a:latin typeface="+mn-lt"/>
-                <a:ea typeface="+mn-ea"/>
-                <a:cs typeface="+mn-cs"/>
-              </a:defRPr>
-            </a:lvl7pPr>
-            <a:lvl8pPr marL="3200400" algn="l" defTabSz="914400" rtl="0" eaLnBrk="1" latinLnBrk="0" hangingPunct="1">
-              <a:defRPr sz="1800" kern="1200">
-                <a:solidFill>
-                  <a:schemeClr val="tx1"/>
-                </a:solidFill>
-                <a:latin typeface="+mn-lt"/>
-                <a:ea typeface="+mn-ea"/>
-                <a:cs typeface="+mn-cs"/>
-              </a:defRPr>
-            </a:lvl8pPr>
-            <a:lvl9pPr marL="3657600" algn="l" defTabSz="914400" rtl="0" eaLnBrk="1" latinLnBrk="0" hangingPunct="1">
-              <a:defRPr sz="1800" kern="1200">
-                <a:solidFill>
-                  <a:schemeClr val="tx1"/>
-                </a:solidFill>
-                <a:latin typeface="+mn-lt"/>
-                <a:ea typeface="+mn-ea"/>
-                <a:cs typeface="+mn-cs"/>
-              </a:defRPr>
-            </a:lvl9pPr>
-          </a:lstStyle>
-          <a:p>
-            <a:pPr algn="l"/>
-            <a:r>
-              <a:rPr lang="en-US">
-                <a:cs typeface="Calibri"/>
-              </a:rPr>
-              <a:t>USER</a:t>
-            </a:r>
-          </a:p>
-        </p:txBody>
-      </p:sp>
-      <p:sp>
-        <p:nvSpPr>
-          <p:cNvPr id="35" name="TextBox 2">
-            <a:extLst>
-              <a:ext uri="{FF2B5EF4-FFF2-40B4-BE49-F238E27FC236}">
-                <a16:creationId xmlns:a16="http://schemas.microsoft.com/office/drawing/2014/main" id="{8A391B93-3158-C8F0-9A3E-ABE3536E767A}"/>
-              </a:ext>
-            </a:extLst>
-          </p:cNvPr>
-          <p:cNvSpPr txBox="1"/>
-          <p:nvPr/>
-        </p:nvSpPr>
-        <p:spPr>
-          <a:xfrm>
-            <a:off x="6092536" y="1104899"/>
-            <a:ext cx="2033153" cy="369332"/>
-          </a:xfrm>
-          <a:prstGeom prst="rect">
-            <a:avLst/>
-          </a:prstGeom>
-          <a:noFill/>
-        </p:spPr>
-        <p:txBody>
-          <a:bodyPr rot="0" spcFirstLastPara="0" vert="horz" wrap="square" lIns="91440" tIns="45720" rIns="91440" bIns="45720" numCol="1" spcCol="0" rtlCol="0" fromWordArt="0" anchor="t" anchorCtr="0" forceAA="0" compatLnSpc="1">
-            <a:prstTxWarp prst="textNoShape">
-              <a:avLst/>
-            </a:prstTxWarp>
-            <a:spAutoFit/>
-          </a:bodyPr>
-          <a:lstStyle>
-            <a:defPPr>
-              <a:defRPr lang="en-US"/>
-            </a:defPPr>
-            <a:lvl1pPr marL="0" algn="l" defTabSz="914400" rtl="0" eaLnBrk="1" latinLnBrk="0" hangingPunct="1">
-              <a:defRPr sz="1800" kern="1200">
-                <a:solidFill>
-                  <a:schemeClr val="tx1"/>
-                </a:solidFill>
-                <a:latin typeface="+mn-lt"/>
-                <a:ea typeface="+mn-ea"/>
-                <a:cs typeface="+mn-cs"/>
-              </a:defRPr>
-            </a:lvl1pPr>
-            <a:lvl2pPr marL="457200" algn="l" defTabSz="914400" rtl="0" eaLnBrk="1" latinLnBrk="0" hangingPunct="1">
-              <a:defRPr sz="1800" kern="1200">
-                <a:solidFill>
-                  <a:schemeClr val="tx1"/>
-                </a:solidFill>
-                <a:latin typeface="+mn-lt"/>
-                <a:ea typeface="+mn-ea"/>
-                <a:cs typeface="+mn-cs"/>
-              </a:defRPr>
-            </a:lvl2pPr>
-            <a:lvl3pPr marL="914400" algn="l" defTabSz="914400" rtl="0" eaLnBrk="1" latinLnBrk="0" hangingPunct="1">
-              <a:defRPr sz="1800" kern="1200">
-                <a:solidFill>
-                  <a:schemeClr val="tx1"/>
-                </a:solidFill>
-                <a:latin typeface="+mn-lt"/>
-                <a:ea typeface="+mn-ea"/>
-                <a:cs typeface="+mn-cs"/>
-              </a:defRPr>
-            </a:lvl3pPr>
-            <a:lvl4pPr marL="1371600" algn="l" defTabSz="914400" rtl="0" eaLnBrk="1" latinLnBrk="0" hangingPunct="1">
-              <a:defRPr sz="1800" kern="1200">
-                <a:solidFill>
-                  <a:schemeClr val="tx1"/>
-                </a:solidFill>
-                <a:latin typeface="+mn-lt"/>
-                <a:ea typeface="+mn-ea"/>
-                <a:cs typeface="+mn-cs"/>
-              </a:defRPr>
-            </a:lvl4pPr>
-            <a:lvl5pPr marL="1828800" algn="l" defTabSz="914400" rtl="0" eaLnBrk="1" latinLnBrk="0" hangingPunct="1">
-              <a:defRPr sz="1800" kern="1200">
-                <a:solidFill>
-                  <a:schemeClr val="tx1"/>
-                </a:solidFill>
-                <a:latin typeface="+mn-lt"/>
-                <a:ea typeface="+mn-ea"/>
-                <a:cs typeface="+mn-cs"/>
-              </a:defRPr>
-            </a:lvl5pPr>
-            <a:lvl6pPr marL="2286000" algn="l" defTabSz="914400" rtl="0" eaLnBrk="1" latinLnBrk="0" hangingPunct="1">
-              <a:defRPr sz="1800" kern="1200">
-                <a:solidFill>
-                  <a:schemeClr val="tx1"/>
-                </a:solidFill>
-                <a:latin typeface="+mn-lt"/>
-                <a:ea typeface="+mn-ea"/>
-                <a:cs typeface="+mn-cs"/>
-              </a:defRPr>
-            </a:lvl6pPr>
-            <a:lvl7pPr marL="2743200" algn="l" defTabSz="914400" rtl="0" eaLnBrk="1" latinLnBrk="0" hangingPunct="1">
-              <a:defRPr sz="1800" kern="1200">
-                <a:solidFill>
-                  <a:schemeClr val="tx1"/>
-                </a:solidFill>
-                <a:latin typeface="+mn-lt"/>
-                <a:ea typeface="+mn-ea"/>
-                <a:cs typeface="+mn-cs"/>
-              </a:defRPr>
-            </a:lvl7pPr>
-            <a:lvl8pPr marL="3200400" algn="l" defTabSz="914400" rtl="0" eaLnBrk="1" latinLnBrk="0" hangingPunct="1">
-              <a:defRPr sz="1800" kern="1200">
-                <a:solidFill>
-                  <a:schemeClr val="tx1"/>
-                </a:solidFill>
-                <a:latin typeface="+mn-lt"/>
-                <a:ea typeface="+mn-ea"/>
-                <a:cs typeface="+mn-cs"/>
-              </a:defRPr>
-            </a:lvl8pPr>
-            <a:lvl9pPr marL="3657600" algn="l" defTabSz="914400" rtl="0" eaLnBrk="1" latinLnBrk="0" hangingPunct="1">
-              <a:defRPr sz="1800" kern="1200">
-                <a:solidFill>
-                  <a:schemeClr val="tx1"/>
-                </a:solidFill>
-                <a:latin typeface="+mn-lt"/>
-                <a:ea typeface="+mn-ea"/>
-                <a:cs typeface="+mn-cs"/>
-              </a:defRPr>
-            </a:lvl9pPr>
-          </a:lstStyle>
-          <a:p>
-            <a:r>
-              <a:rPr lang="en-US">
-                <a:cs typeface="Calibri"/>
-              </a:rPr>
-              <a:t>Book Ticket</a:t>
-            </a:r>
-          </a:p>
-        </p:txBody>
-      </p:sp>
-      <p:cxnSp>
-        <p:nvCxnSpPr>
-          <p:cNvPr id="36" name="Straight Arrow Connector 35">
-            <a:extLst>
-              <a:ext uri="{FF2B5EF4-FFF2-40B4-BE49-F238E27FC236}">
-                <a16:creationId xmlns:a16="http://schemas.microsoft.com/office/drawing/2014/main" id="{475B889D-C1B0-D8B4-6558-A4B0DAD77236}"/>
-              </a:ext>
-            </a:extLst>
-          </p:cNvPr>
-          <p:cNvCxnSpPr/>
-          <p:nvPr/>
-        </p:nvCxnSpPr>
-        <p:spPr>
-          <a:xfrm flipV="1">
-            <a:off x="2651414" y="1297131"/>
-            <a:ext cx="3477490" cy="29442"/>
-          </a:xfrm>
-          <a:prstGeom prst="straightConnector1">
-            <a:avLst/>
-          </a:prstGeom>
-          <a:ln>
-            <a:headEnd type="triangle"/>
-            <a:tailEnd type="triangle"/>
-          </a:ln>
-        </p:spPr>
-        <p:style>
-          <a:lnRef idx="1">
-            <a:schemeClr val="accent1"/>
-          </a:lnRef>
-          <a:fillRef idx="0">
-            <a:schemeClr val="accent1"/>
-          </a:fillRef>
-          <a:effectRef idx="0">
-            <a:schemeClr val="accent1"/>
-          </a:effectRef>
-          <a:fontRef idx="minor">
-            <a:schemeClr val="tx1"/>
-          </a:fontRef>
-        </p:style>
-      </p:cxnSp>
-      <p:sp>
-        <p:nvSpPr>
-          <p:cNvPr id="37" name="TextBox 4">
-            <a:extLst>
-              <a:ext uri="{FF2B5EF4-FFF2-40B4-BE49-F238E27FC236}">
-                <a16:creationId xmlns:a16="http://schemas.microsoft.com/office/drawing/2014/main" id="{76073DFE-1979-89F1-17EF-8C002C113AB1}"/>
-              </a:ext>
-            </a:extLst>
-          </p:cNvPr>
-          <p:cNvSpPr txBox="1"/>
-          <p:nvPr/>
-        </p:nvSpPr>
-        <p:spPr>
-          <a:xfrm rot="-10800000" flipV="1">
-            <a:off x="2620241" y="997982"/>
-            <a:ext cx="327313" cy="369332"/>
-          </a:xfrm>
-          <a:prstGeom prst="rect">
-            <a:avLst/>
-          </a:prstGeom>
-          <a:noFill/>
-        </p:spPr>
-        <p:txBody>
-          <a:bodyPr rot="0" spcFirstLastPara="0" vert="horz" wrap="square" lIns="91440" tIns="45720" rIns="91440" bIns="45720" numCol="1" spcCol="0" rtlCol="0" fromWordArt="0" anchor="t" anchorCtr="0" forceAA="0" compatLnSpc="1">
-            <a:prstTxWarp prst="textNoShape">
-              <a:avLst/>
-            </a:prstTxWarp>
-            <a:spAutoFit/>
-          </a:bodyPr>
-          <a:lstStyle>
-            <a:defPPr>
-              <a:defRPr lang="en-US"/>
-            </a:defPPr>
-            <a:lvl1pPr marL="0" algn="l" defTabSz="914400" rtl="0" eaLnBrk="1" latinLnBrk="0" hangingPunct="1">
-              <a:defRPr sz="1800" kern="1200">
-                <a:solidFill>
-                  <a:schemeClr val="tx1"/>
-                </a:solidFill>
-                <a:latin typeface="+mn-lt"/>
-                <a:ea typeface="+mn-ea"/>
-                <a:cs typeface="+mn-cs"/>
-              </a:defRPr>
-            </a:lvl1pPr>
-            <a:lvl2pPr marL="457200" algn="l" defTabSz="914400" rtl="0" eaLnBrk="1" latinLnBrk="0" hangingPunct="1">
-              <a:defRPr sz="1800" kern="1200">
-                <a:solidFill>
-                  <a:schemeClr val="tx1"/>
-                </a:solidFill>
-                <a:latin typeface="+mn-lt"/>
-                <a:ea typeface="+mn-ea"/>
-                <a:cs typeface="+mn-cs"/>
-              </a:defRPr>
-            </a:lvl2pPr>
-            <a:lvl3pPr marL="914400" algn="l" defTabSz="914400" rtl="0" eaLnBrk="1" latinLnBrk="0" hangingPunct="1">
-              <a:defRPr sz="1800" kern="1200">
-                <a:solidFill>
-                  <a:schemeClr val="tx1"/>
-                </a:solidFill>
-                <a:latin typeface="+mn-lt"/>
-                <a:ea typeface="+mn-ea"/>
-                <a:cs typeface="+mn-cs"/>
-              </a:defRPr>
-            </a:lvl3pPr>
-            <a:lvl4pPr marL="1371600" algn="l" defTabSz="914400" rtl="0" eaLnBrk="1" latinLnBrk="0" hangingPunct="1">
-              <a:defRPr sz="1800" kern="1200">
-                <a:solidFill>
-                  <a:schemeClr val="tx1"/>
-                </a:solidFill>
-                <a:latin typeface="+mn-lt"/>
-                <a:ea typeface="+mn-ea"/>
-                <a:cs typeface="+mn-cs"/>
-              </a:defRPr>
-            </a:lvl4pPr>
-            <a:lvl5pPr marL="1828800" algn="l" defTabSz="914400" rtl="0" eaLnBrk="1" latinLnBrk="0" hangingPunct="1">
-              <a:defRPr sz="1800" kern="1200">
-                <a:solidFill>
-                  <a:schemeClr val="tx1"/>
-                </a:solidFill>
-                <a:latin typeface="+mn-lt"/>
-                <a:ea typeface="+mn-ea"/>
-                <a:cs typeface="+mn-cs"/>
-              </a:defRPr>
-            </a:lvl5pPr>
-            <a:lvl6pPr marL="2286000" algn="l" defTabSz="914400" rtl="0" eaLnBrk="1" latinLnBrk="0" hangingPunct="1">
-              <a:defRPr sz="1800" kern="1200">
-                <a:solidFill>
-                  <a:schemeClr val="tx1"/>
-                </a:solidFill>
-                <a:latin typeface="+mn-lt"/>
-                <a:ea typeface="+mn-ea"/>
-                <a:cs typeface="+mn-cs"/>
-              </a:defRPr>
-            </a:lvl6pPr>
-            <a:lvl7pPr marL="2743200" algn="l" defTabSz="914400" rtl="0" eaLnBrk="1" latinLnBrk="0" hangingPunct="1">
-              <a:defRPr sz="1800" kern="1200">
-                <a:solidFill>
-                  <a:schemeClr val="tx1"/>
-                </a:solidFill>
-                <a:latin typeface="+mn-lt"/>
-                <a:ea typeface="+mn-ea"/>
-                <a:cs typeface="+mn-cs"/>
-              </a:defRPr>
-            </a:lvl7pPr>
-            <a:lvl8pPr marL="3200400" algn="l" defTabSz="914400" rtl="0" eaLnBrk="1" latinLnBrk="0" hangingPunct="1">
-              <a:defRPr sz="1800" kern="1200">
-                <a:solidFill>
-                  <a:schemeClr val="tx1"/>
-                </a:solidFill>
-                <a:latin typeface="+mn-lt"/>
-                <a:ea typeface="+mn-ea"/>
-                <a:cs typeface="+mn-cs"/>
-              </a:defRPr>
-            </a:lvl8pPr>
-            <a:lvl9pPr marL="3657600" algn="l" defTabSz="914400" rtl="0" eaLnBrk="1" latinLnBrk="0" hangingPunct="1">
-              <a:defRPr sz="1800" kern="1200">
-                <a:solidFill>
-                  <a:schemeClr val="tx1"/>
-                </a:solidFill>
-                <a:latin typeface="+mn-lt"/>
-                <a:ea typeface="+mn-ea"/>
-                <a:cs typeface="+mn-cs"/>
-              </a:defRPr>
-            </a:lvl9pPr>
-          </a:lstStyle>
-          <a:p>
-            <a:pPr algn="l"/>
-            <a:r>
-              <a:rPr lang="en-US">
-                <a:cs typeface="Calibri"/>
-              </a:rPr>
-              <a:t>1</a:t>
-            </a:r>
-          </a:p>
-        </p:txBody>
-      </p:sp>
-      <p:sp>
-        <p:nvSpPr>
-          <p:cNvPr id="38" name="TextBox 5">
-            <a:extLst>
-              <a:ext uri="{FF2B5EF4-FFF2-40B4-BE49-F238E27FC236}">
-                <a16:creationId xmlns:a16="http://schemas.microsoft.com/office/drawing/2014/main" id="{DFE5FE7F-2116-B53D-9C6B-C93FC7F86B5E}"/>
-              </a:ext>
-            </a:extLst>
-          </p:cNvPr>
-          <p:cNvSpPr txBox="1"/>
-          <p:nvPr/>
-        </p:nvSpPr>
-        <p:spPr>
-          <a:xfrm rot="-10800000" flipV="1">
-            <a:off x="5815445" y="963345"/>
-            <a:ext cx="327313" cy="369332"/>
-          </a:xfrm>
-          <a:prstGeom prst="rect">
-            <a:avLst/>
-          </a:prstGeom>
-          <a:noFill/>
-        </p:spPr>
-        <p:txBody>
-          <a:bodyPr rot="0" spcFirstLastPara="0" vert="horz" wrap="square" lIns="91440" tIns="45720" rIns="91440" bIns="45720" numCol="1" spcCol="0" rtlCol="0" fromWordArt="0" anchor="t" anchorCtr="0" forceAA="0" compatLnSpc="1">
-            <a:prstTxWarp prst="textNoShape">
-              <a:avLst/>
-            </a:prstTxWarp>
-            <a:spAutoFit/>
-          </a:bodyPr>
-          <a:lstStyle>
-            <a:defPPr>
-              <a:defRPr lang="en-US"/>
-            </a:defPPr>
-            <a:lvl1pPr marL="0" algn="l" defTabSz="914400" rtl="0" eaLnBrk="1" latinLnBrk="0" hangingPunct="1">
-              <a:defRPr sz="1800" kern="1200">
-                <a:solidFill>
-                  <a:schemeClr val="tx1"/>
-                </a:solidFill>
-                <a:latin typeface="+mn-lt"/>
-                <a:ea typeface="+mn-ea"/>
-                <a:cs typeface="+mn-cs"/>
-              </a:defRPr>
-            </a:lvl1pPr>
-            <a:lvl2pPr marL="457200" algn="l" defTabSz="914400" rtl="0" eaLnBrk="1" latinLnBrk="0" hangingPunct="1">
-              <a:defRPr sz="1800" kern="1200">
-                <a:solidFill>
-                  <a:schemeClr val="tx1"/>
-                </a:solidFill>
-                <a:latin typeface="+mn-lt"/>
-                <a:ea typeface="+mn-ea"/>
-                <a:cs typeface="+mn-cs"/>
-              </a:defRPr>
-            </a:lvl2pPr>
-            <a:lvl3pPr marL="914400" algn="l" defTabSz="914400" rtl="0" eaLnBrk="1" latinLnBrk="0" hangingPunct="1">
-              <a:defRPr sz="1800" kern="1200">
-                <a:solidFill>
-                  <a:schemeClr val="tx1"/>
-                </a:solidFill>
-                <a:latin typeface="+mn-lt"/>
-                <a:ea typeface="+mn-ea"/>
-                <a:cs typeface="+mn-cs"/>
-              </a:defRPr>
-            </a:lvl3pPr>
-            <a:lvl4pPr marL="1371600" algn="l" defTabSz="914400" rtl="0" eaLnBrk="1" latinLnBrk="0" hangingPunct="1">
-              <a:defRPr sz="1800" kern="1200">
-                <a:solidFill>
-                  <a:schemeClr val="tx1"/>
-                </a:solidFill>
-                <a:latin typeface="+mn-lt"/>
-                <a:ea typeface="+mn-ea"/>
-                <a:cs typeface="+mn-cs"/>
-              </a:defRPr>
-            </a:lvl4pPr>
-            <a:lvl5pPr marL="1828800" algn="l" defTabSz="914400" rtl="0" eaLnBrk="1" latinLnBrk="0" hangingPunct="1">
-              <a:defRPr sz="1800" kern="1200">
-                <a:solidFill>
-                  <a:schemeClr val="tx1"/>
-                </a:solidFill>
-                <a:latin typeface="+mn-lt"/>
-                <a:ea typeface="+mn-ea"/>
-                <a:cs typeface="+mn-cs"/>
-              </a:defRPr>
-            </a:lvl5pPr>
-            <a:lvl6pPr marL="2286000" algn="l" defTabSz="914400" rtl="0" eaLnBrk="1" latinLnBrk="0" hangingPunct="1">
-              <a:defRPr sz="1800" kern="1200">
-                <a:solidFill>
-                  <a:schemeClr val="tx1"/>
-                </a:solidFill>
-                <a:latin typeface="+mn-lt"/>
-                <a:ea typeface="+mn-ea"/>
-                <a:cs typeface="+mn-cs"/>
-              </a:defRPr>
-            </a:lvl6pPr>
-            <a:lvl7pPr marL="2743200" algn="l" defTabSz="914400" rtl="0" eaLnBrk="1" latinLnBrk="0" hangingPunct="1">
-              <a:defRPr sz="1800" kern="1200">
-                <a:solidFill>
-                  <a:schemeClr val="tx1"/>
-                </a:solidFill>
-                <a:latin typeface="+mn-lt"/>
-                <a:ea typeface="+mn-ea"/>
-                <a:cs typeface="+mn-cs"/>
-              </a:defRPr>
-            </a:lvl7pPr>
-            <a:lvl8pPr marL="3200400" algn="l" defTabSz="914400" rtl="0" eaLnBrk="1" latinLnBrk="0" hangingPunct="1">
-              <a:defRPr sz="1800" kern="1200">
-                <a:solidFill>
-                  <a:schemeClr val="tx1"/>
-                </a:solidFill>
-                <a:latin typeface="+mn-lt"/>
-                <a:ea typeface="+mn-ea"/>
-                <a:cs typeface="+mn-cs"/>
-              </a:defRPr>
-            </a:lvl8pPr>
-            <a:lvl9pPr marL="3657600" algn="l" defTabSz="914400" rtl="0" eaLnBrk="1" latinLnBrk="0" hangingPunct="1">
-              <a:defRPr sz="1800" kern="1200">
-                <a:solidFill>
-                  <a:schemeClr val="tx1"/>
-                </a:solidFill>
-                <a:latin typeface="+mn-lt"/>
-                <a:ea typeface="+mn-ea"/>
-                <a:cs typeface="+mn-cs"/>
-              </a:defRPr>
-            </a:lvl9pPr>
-          </a:lstStyle>
-          <a:p>
-            <a:pPr algn="l"/>
-            <a:r>
-              <a:rPr lang="en-US">
-                <a:cs typeface="Calibri"/>
-              </a:rPr>
-              <a:t>1</a:t>
-            </a:r>
-          </a:p>
-        </p:txBody>
-      </p:sp>
-      <p:sp>
-        <p:nvSpPr>
-          <p:cNvPr id="39" name="TextBox 1">
-            <a:extLst>
-              <a:ext uri="{FF2B5EF4-FFF2-40B4-BE49-F238E27FC236}">
-                <a16:creationId xmlns:a16="http://schemas.microsoft.com/office/drawing/2014/main" id="{1A5EB195-A204-F645-47EC-23B4DF6C6C14}"/>
-              </a:ext>
-            </a:extLst>
-          </p:cNvPr>
-          <p:cNvSpPr txBox="1"/>
-          <p:nvPr/>
-        </p:nvSpPr>
-        <p:spPr>
-          <a:xfrm>
-            <a:off x="1472913" y="3325957"/>
-            <a:ext cx="1262494" cy="369332"/>
-          </a:xfrm>
-          <a:prstGeom prst="rect">
-            <a:avLst/>
-          </a:prstGeom>
-          <a:noFill/>
-        </p:spPr>
-        <p:txBody>
-          <a:bodyPr rot="0" spcFirstLastPara="0" vert="horz" wrap="square" lIns="91440" tIns="45720" rIns="91440" bIns="45720" numCol="1" spcCol="0" rtlCol="0" fromWordArt="0" anchor="t" anchorCtr="0" forceAA="0" compatLnSpc="1">
-            <a:prstTxWarp prst="textNoShape">
-              <a:avLst/>
-            </a:prstTxWarp>
-            <a:spAutoFit/>
-          </a:bodyPr>
-          <a:lstStyle>
-            <a:defPPr>
-              <a:defRPr lang="en-US"/>
-            </a:defPPr>
-            <a:lvl1pPr marL="0" algn="l" defTabSz="914400" rtl="0" eaLnBrk="1" latinLnBrk="0" hangingPunct="1">
-              <a:defRPr sz="1800" kern="1200">
-                <a:solidFill>
-                  <a:schemeClr val="tx1"/>
-                </a:solidFill>
-                <a:latin typeface="+mn-lt"/>
-                <a:ea typeface="+mn-ea"/>
-                <a:cs typeface="+mn-cs"/>
-              </a:defRPr>
-            </a:lvl1pPr>
-            <a:lvl2pPr marL="457200" algn="l" defTabSz="914400" rtl="0" eaLnBrk="1" latinLnBrk="0" hangingPunct="1">
-              <a:defRPr sz="1800" kern="1200">
-                <a:solidFill>
-                  <a:schemeClr val="tx1"/>
-                </a:solidFill>
-                <a:latin typeface="+mn-lt"/>
-                <a:ea typeface="+mn-ea"/>
-                <a:cs typeface="+mn-cs"/>
-              </a:defRPr>
-            </a:lvl2pPr>
-            <a:lvl3pPr marL="914400" algn="l" defTabSz="914400" rtl="0" eaLnBrk="1" latinLnBrk="0" hangingPunct="1">
-              <a:defRPr sz="1800" kern="1200">
-                <a:solidFill>
-                  <a:schemeClr val="tx1"/>
-                </a:solidFill>
-                <a:latin typeface="+mn-lt"/>
-                <a:ea typeface="+mn-ea"/>
-                <a:cs typeface="+mn-cs"/>
-              </a:defRPr>
-            </a:lvl3pPr>
-            <a:lvl4pPr marL="1371600" algn="l" defTabSz="914400" rtl="0" eaLnBrk="1" latinLnBrk="0" hangingPunct="1">
-              <a:defRPr sz="1800" kern="1200">
-                <a:solidFill>
-                  <a:schemeClr val="tx1"/>
-                </a:solidFill>
-                <a:latin typeface="+mn-lt"/>
-                <a:ea typeface="+mn-ea"/>
-                <a:cs typeface="+mn-cs"/>
-              </a:defRPr>
-            </a:lvl4pPr>
-            <a:lvl5pPr marL="1828800" algn="l" defTabSz="914400" rtl="0" eaLnBrk="1" latinLnBrk="0" hangingPunct="1">
-              <a:defRPr sz="1800" kern="1200">
-                <a:solidFill>
-                  <a:schemeClr val="tx1"/>
-                </a:solidFill>
-                <a:latin typeface="+mn-lt"/>
-                <a:ea typeface="+mn-ea"/>
-                <a:cs typeface="+mn-cs"/>
-              </a:defRPr>
-            </a:lvl5pPr>
-            <a:lvl6pPr marL="2286000" algn="l" defTabSz="914400" rtl="0" eaLnBrk="1" latinLnBrk="0" hangingPunct="1">
-              <a:defRPr sz="1800" kern="1200">
-                <a:solidFill>
-                  <a:schemeClr val="tx1"/>
-                </a:solidFill>
-                <a:latin typeface="+mn-lt"/>
-                <a:ea typeface="+mn-ea"/>
-                <a:cs typeface="+mn-cs"/>
-              </a:defRPr>
-            </a:lvl6pPr>
-            <a:lvl7pPr marL="2743200" algn="l" defTabSz="914400" rtl="0" eaLnBrk="1" latinLnBrk="0" hangingPunct="1">
-              <a:defRPr sz="1800" kern="1200">
-                <a:solidFill>
-                  <a:schemeClr val="tx1"/>
-                </a:solidFill>
-                <a:latin typeface="+mn-lt"/>
-                <a:ea typeface="+mn-ea"/>
-                <a:cs typeface="+mn-cs"/>
-              </a:defRPr>
-            </a:lvl7pPr>
-            <a:lvl8pPr marL="3200400" algn="l" defTabSz="914400" rtl="0" eaLnBrk="1" latinLnBrk="0" hangingPunct="1">
-              <a:defRPr sz="1800" kern="1200">
-                <a:solidFill>
-                  <a:schemeClr val="tx1"/>
-                </a:solidFill>
-                <a:latin typeface="+mn-lt"/>
-                <a:ea typeface="+mn-ea"/>
-                <a:cs typeface="+mn-cs"/>
-              </a:defRPr>
-            </a:lvl8pPr>
-            <a:lvl9pPr marL="3657600" algn="l" defTabSz="914400" rtl="0" eaLnBrk="1" latinLnBrk="0" hangingPunct="1">
-              <a:defRPr sz="1800" kern="1200">
-                <a:solidFill>
-                  <a:schemeClr val="tx1"/>
-                </a:solidFill>
-                <a:latin typeface="+mn-lt"/>
-                <a:ea typeface="+mn-ea"/>
-                <a:cs typeface="+mn-cs"/>
-              </a:defRPr>
-            </a:lvl9pPr>
-          </a:lstStyle>
-          <a:p>
-            <a:r>
-              <a:rPr lang="en-US">
-                <a:cs typeface="Calibri"/>
-              </a:rPr>
-              <a:t>Book Ticket</a:t>
-            </a:r>
-          </a:p>
-        </p:txBody>
-      </p:sp>
-      <p:sp>
-        <p:nvSpPr>
-          <p:cNvPr id="40" name="TextBox 2">
-            <a:extLst>
-              <a:ext uri="{FF2B5EF4-FFF2-40B4-BE49-F238E27FC236}">
-                <a16:creationId xmlns:a16="http://schemas.microsoft.com/office/drawing/2014/main" id="{8A391B93-3158-C8F0-9A3E-ABE3536E767A}"/>
-              </a:ext>
-            </a:extLst>
-          </p:cNvPr>
-          <p:cNvSpPr txBox="1"/>
-          <p:nvPr/>
-        </p:nvSpPr>
-        <p:spPr>
-          <a:xfrm>
-            <a:off x="6096866" y="3299979"/>
-            <a:ext cx="2033153" cy="369332"/>
-          </a:xfrm>
-          <a:prstGeom prst="rect">
-            <a:avLst/>
-          </a:prstGeom>
-          <a:noFill/>
-        </p:spPr>
-        <p:txBody>
-          <a:bodyPr rot="0" spcFirstLastPara="0" vert="horz" wrap="square" lIns="91440" tIns="45720" rIns="91440" bIns="45720" numCol="1" spcCol="0" rtlCol="0" fromWordArt="0" anchor="t" anchorCtr="0" forceAA="0" compatLnSpc="1">
-            <a:prstTxWarp prst="textNoShape">
-              <a:avLst/>
-            </a:prstTxWarp>
-            <a:spAutoFit/>
-          </a:bodyPr>
-          <a:lstStyle>
-            <a:defPPr>
-              <a:defRPr lang="en-US"/>
-            </a:defPPr>
-            <a:lvl1pPr marL="0" algn="l" defTabSz="914400" rtl="0" eaLnBrk="1" latinLnBrk="0" hangingPunct="1">
-              <a:defRPr sz="1800" kern="1200">
-                <a:solidFill>
-                  <a:schemeClr val="tx1"/>
-                </a:solidFill>
-                <a:latin typeface="+mn-lt"/>
-                <a:ea typeface="+mn-ea"/>
-                <a:cs typeface="+mn-cs"/>
-              </a:defRPr>
-            </a:lvl1pPr>
-            <a:lvl2pPr marL="457200" algn="l" defTabSz="914400" rtl="0" eaLnBrk="1" latinLnBrk="0" hangingPunct="1">
-              <a:defRPr sz="1800" kern="1200">
-                <a:solidFill>
-                  <a:schemeClr val="tx1"/>
-                </a:solidFill>
-                <a:latin typeface="+mn-lt"/>
-                <a:ea typeface="+mn-ea"/>
-                <a:cs typeface="+mn-cs"/>
-              </a:defRPr>
-            </a:lvl2pPr>
-            <a:lvl3pPr marL="914400" algn="l" defTabSz="914400" rtl="0" eaLnBrk="1" latinLnBrk="0" hangingPunct="1">
-              <a:defRPr sz="1800" kern="1200">
-                <a:solidFill>
-                  <a:schemeClr val="tx1"/>
-                </a:solidFill>
-                <a:latin typeface="+mn-lt"/>
-                <a:ea typeface="+mn-ea"/>
-                <a:cs typeface="+mn-cs"/>
-              </a:defRPr>
-            </a:lvl3pPr>
-            <a:lvl4pPr marL="1371600" algn="l" defTabSz="914400" rtl="0" eaLnBrk="1" latinLnBrk="0" hangingPunct="1">
-              <a:defRPr sz="1800" kern="1200">
-                <a:solidFill>
-                  <a:schemeClr val="tx1"/>
-                </a:solidFill>
-                <a:latin typeface="+mn-lt"/>
-                <a:ea typeface="+mn-ea"/>
-                <a:cs typeface="+mn-cs"/>
-              </a:defRPr>
-            </a:lvl4pPr>
-            <a:lvl5pPr marL="1828800" algn="l" defTabSz="914400" rtl="0" eaLnBrk="1" latinLnBrk="0" hangingPunct="1">
-              <a:defRPr sz="1800" kern="1200">
-                <a:solidFill>
-                  <a:schemeClr val="tx1"/>
-                </a:solidFill>
-                <a:latin typeface="+mn-lt"/>
-                <a:ea typeface="+mn-ea"/>
-                <a:cs typeface="+mn-cs"/>
-              </a:defRPr>
-            </a:lvl5pPr>
-            <a:lvl6pPr marL="2286000" algn="l" defTabSz="914400" rtl="0" eaLnBrk="1" latinLnBrk="0" hangingPunct="1">
-              <a:defRPr sz="1800" kern="1200">
-                <a:solidFill>
-                  <a:schemeClr val="tx1"/>
-                </a:solidFill>
-                <a:latin typeface="+mn-lt"/>
-                <a:ea typeface="+mn-ea"/>
-                <a:cs typeface="+mn-cs"/>
-              </a:defRPr>
-            </a:lvl6pPr>
-            <a:lvl7pPr marL="2743200" algn="l" defTabSz="914400" rtl="0" eaLnBrk="1" latinLnBrk="0" hangingPunct="1">
-              <a:defRPr sz="1800" kern="1200">
-                <a:solidFill>
-                  <a:schemeClr val="tx1"/>
-                </a:solidFill>
-                <a:latin typeface="+mn-lt"/>
-                <a:ea typeface="+mn-ea"/>
-                <a:cs typeface="+mn-cs"/>
-              </a:defRPr>
-            </a:lvl7pPr>
-            <a:lvl8pPr marL="3200400" algn="l" defTabSz="914400" rtl="0" eaLnBrk="1" latinLnBrk="0" hangingPunct="1">
-              <a:defRPr sz="1800" kern="1200">
-                <a:solidFill>
-                  <a:schemeClr val="tx1"/>
-                </a:solidFill>
-                <a:latin typeface="+mn-lt"/>
-                <a:ea typeface="+mn-ea"/>
-                <a:cs typeface="+mn-cs"/>
-              </a:defRPr>
-            </a:lvl8pPr>
-            <a:lvl9pPr marL="3657600" algn="l" defTabSz="914400" rtl="0" eaLnBrk="1" latinLnBrk="0" hangingPunct="1">
-              <a:defRPr sz="1800" kern="1200">
-                <a:solidFill>
-                  <a:schemeClr val="tx1"/>
-                </a:solidFill>
-                <a:latin typeface="+mn-lt"/>
-                <a:ea typeface="+mn-ea"/>
-                <a:cs typeface="+mn-cs"/>
-              </a:defRPr>
-            </a:lvl9pPr>
-          </a:lstStyle>
-          <a:p>
-            <a:r>
-              <a:rPr lang="en-US" dirty="0">
-                <a:cs typeface="Calibri"/>
-              </a:rPr>
-              <a:t>Train Details</a:t>
-            </a:r>
-          </a:p>
-        </p:txBody>
-      </p:sp>
-      <p:cxnSp>
-        <p:nvCxnSpPr>
-          <p:cNvPr id="41" name="Straight Arrow Connector 40">
-            <a:extLst>
-              <a:ext uri="{FF2B5EF4-FFF2-40B4-BE49-F238E27FC236}">
-                <a16:creationId xmlns:a16="http://schemas.microsoft.com/office/drawing/2014/main" id="{475B889D-C1B0-D8B4-6558-A4B0DAD77236}"/>
-              </a:ext>
-            </a:extLst>
-          </p:cNvPr>
-          <p:cNvCxnSpPr/>
-          <p:nvPr/>
-        </p:nvCxnSpPr>
-        <p:spPr>
-          <a:xfrm flipV="1">
-            <a:off x="2655744" y="3492211"/>
-            <a:ext cx="3477490" cy="29442"/>
-          </a:xfrm>
-          <a:prstGeom prst="straightConnector1">
-            <a:avLst/>
-          </a:prstGeom>
-          <a:ln>
-            <a:headEnd type="triangle"/>
-            <a:tailEnd type="triangle"/>
-          </a:ln>
-        </p:spPr>
-        <p:style>
-          <a:lnRef idx="1">
-            <a:schemeClr val="accent1"/>
-          </a:lnRef>
-          <a:fillRef idx="0">
-            <a:schemeClr val="accent1"/>
-          </a:fillRef>
-          <a:effectRef idx="0">
-            <a:schemeClr val="accent1"/>
-          </a:effectRef>
-          <a:fontRef idx="minor">
-            <a:schemeClr val="tx1"/>
-          </a:fontRef>
-        </p:style>
-      </p:cxnSp>
-      <p:sp>
-        <p:nvSpPr>
-          <p:cNvPr id="42" name="TextBox 4">
-            <a:extLst>
-              <a:ext uri="{FF2B5EF4-FFF2-40B4-BE49-F238E27FC236}">
-                <a16:creationId xmlns:a16="http://schemas.microsoft.com/office/drawing/2014/main" id="{76073DFE-1979-89F1-17EF-8C002C113AB1}"/>
-              </a:ext>
-            </a:extLst>
-          </p:cNvPr>
-          <p:cNvSpPr txBox="1"/>
-          <p:nvPr/>
-        </p:nvSpPr>
-        <p:spPr>
-          <a:xfrm rot="-10800000" flipV="1">
-            <a:off x="2624571" y="3193062"/>
-            <a:ext cx="327313" cy="369332"/>
-          </a:xfrm>
-          <a:prstGeom prst="rect">
-            <a:avLst/>
-          </a:prstGeom>
-          <a:noFill/>
-        </p:spPr>
-        <p:txBody>
-          <a:bodyPr rot="0" spcFirstLastPara="0" vert="horz" wrap="square" lIns="91440" tIns="45720" rIns="91440" bIns="45720" numCol="1" spcCol="0" rtlCol="0" fromWordArt="0" anchor="t" anchorCtr="0" forceAA="0" compatLnSpc="1">
-            <a:prstTxWarp prst="textNoShape">
-              <a:avLst/>
-            </a:prstTxWarp>
-            <a:spAutoFit/>
-          </a:bodyPr>
-          <a:lstStyle>
-            <a:defPPr>
-              <a:defRPr lang="en-US"/>
-            </a:defPPr>
-            <a:lvl1pPr marL="0" algn="l" defTabSz="914400" rtl="0" eaLnBrk="1" latinLnBrk="0" hangingPunct="1">
-              <a:defRPr sz="1800" kern="1200">
-                <a:solidFill>
-                  <a:schemeClr val="tx1"/>
-                </a:solidFill>
-                <a:latin typeface="+mn-lt"/>
-                <a:ea typeface="+mn-ea"/>
-                <a:cs typeface="+mn-cs"/>
-              </a:defRPr>
-            </a:lvl1pPr>
-            <a:lvl2pPr marL="457200" algn="l" defTabSz="914400" rtl="0" eaLnBrk="1" latinLnBrk="0" hangingPunct="1">
-              <a:defRPr sz="1800" kern="1200">
-                <a:solidFill>
-                  <a:schemeClr val="tx1"/>
-                </a:solidFill>
-                <a:latin typeface="+mn-lt"/>
-                <a:ea typeface="+mn-ea"/>
-                <a:cs typeface="+mn-cs"/>
-              </a:defRPr>
-            </a:lvl2pPr>
-            <a:lvl3pPr marL="914400" algn="l" defTabSz="914400" rtl="0" eaLnBrk="1" latinLnBrk="0" hangingPunct="1">
-              <a:defRPr sz="1800" kern="1200">
-                <a:solidFill>
-                  <a:schemeClr val="tx1"/>
-                </a:solidFill>
-                <a:latin typeface="+mn-lt"/>
-                <a:ea typeface="+mn-ea"/>
-                <a:cs typeface="+mn-cs"/>
-              </a:defRPr>
-            </a:lvl3pPr>
-            <a:lvl4pPr marL="1371600" algn="l" defTabSz="914400" rtl="0" eaLnBrk="1" latinLnBrk="0" hangingPunct="1">
-              <a:defRPr sz="1800" kern="1200">
-                <a:solidFill>
-                  <a:schemeClr val="tx1"/>
-                </a:solidFill>
-                <a:latin typeface="+mn-lt"/>
-                <a:ea typeface="+mn-ea"/>
-                <a:cs typeface="+mn-cs"/>
-              </a:defRPr>
-            </a:lvl4pPr>
-            <a:lvl5pPr marL="1828800" algn="l" defTabSz="914400" rtl="0" eaLnBrk="1" latinLnBrk="0" hangingPunct="1">
-              <a:defRPr sz="1800" kern="1200">
-                <a:solidFill>
-                  <a:schemeClr val="tx1"/>
-                </a:solidFill>
-                <a:latin typeface="+mn-lt"/>
-                <a:ea typeface="+mn-ea"/>
-                <a:cs typeface="+mn-cs"/>
-              </a:defRPr>
-            </a:lvl5pPr>
-            <a:lvl6pPr marL="2286000" algn="l" defTabSz="914400" rtl="0" eaLnBrk="1" latinLnBrk="0" hangingPunct="1">
-              <a:defRPr sz="1800" kern="1200">
-                <a:solidFill>
-                  <a:schemeClr val="tx1"/>
-                </a:solidFill>
-                <a:latin typeface="+mn-lt"/>
-                <a:ea typeface="+mn-ea"/>
-                <a:cs typeface="+mn-cs"/>
-              </a:defRPr>
-            </a:lvl6pPr>
-            <a:lvl7pPr marL="2743200" algn="l" defTabSz="914400" rtl="0" eaLnBrk="1" latinLnBrk="0" hangingPunct="1">
-              <a:defRPr sz="1800" kern="1200">
-                <a:solidFill>
-                  <a:schemeClr val="tx1"/>
-                </a:solidFill>
-                <a:latin typeface="+mn-lt"/>
-                <a:ea typeface="+mn-ea"/>
-                <a:cs typeface="+mn-cs"/>
-              </a:defRPr>
-            </a:lvl7pPr>
-            <a:lvl8pPr marL="3200400" algn="l" defTabSz="914400" rtl="0" eaLnBrk="1" latinLnBrk="0" hangingPunct="1">
-              <a:defRPr sz="1800" kern="1200">
-                <a:solidFill>
-                  <a:schemeClr val="tx1"/>
-                </a:solidFill>
-                <a:latin typeface="+mn-lt"/>
-                <a:ea typeface="+mn-ea"/>
-                <a:cs typeface="+mn-cs"/>
-              </a:defRPr>
-            </a:lvl8pPr>
-            <a:lvl9pPr marL="3657600" algn="l" defTabSz="914400" rtl="0" eaLnBrk="1" latinLnBrk="0" hangingPunct="1">
-              <a:defRPr sz="1800" kern="1200">
-                <a:solidFill>
-                  <a:schemeClr val="tx1"/>
-                </a:solidFill>
-                <a:latin typeface="+mn-lt"/>
-                <a:ea typeface="+mn-ea"/>
-                <a:cs typeface="+mn-cs"/>
-              </a:defRPr>
-            </a:lvl9pPr>
-          </a:lstStyle>
-          <a:p>
-            <a:pPr algn="l"/>
-            <a:r>
-              <a:rPr lang="en-US">
-                <a:cs typeface="Calibri"/>
-              </a:rPr>
-              <a:t>1</a:t>
-            </a:r>
-          </a:p>
-        </p:txBody>
-      </p:sp>
-      <p:sp>
-        <p:nvSpPr>
-          <p:cNvPr id="43" name="TextBox 5">
-            <a:extLst>
-              <a:ext uri="{FF2B5EF4-FFF2-40B4-BE49-F238E27FC236}">
-                <a16:creationId xmlns:a16="http://schemas.microsoft.com/office/drawing/2014/main" id="{DFE5FE7F-2116-B53D-9C6B-C93FC7F86B5E}"/>
-              </a:ext>
-            </a:extLst>
-          </p:cNvPr>
-          <p:cNvSpPr txBox="1"/>
-          <p:nvPr/>
-        </p:nvSpPr>
-        <p:spPr>
-          <a:xfrm rot="-10800000" flipV="1">
-            <a:off x="5819775" y="3158425"/>
-            <a:ext cx="327313" cy="369332"/>
-          </a:xfrm>
-          <a:prstGeom prst="rect">
-            <a:avLst/>
-          </a:prstGeom>
-          <a:noFill/>
-        </p:spPr>
-        <p:txBody>
-          <a:bodyPr rot="0" spcFirstLastPara="0" vert="horz" wrap="square" lIns="91440" tIns="45720" rIns="91440" bIns="45720" numCol="1" spcCol="0" rtlCol="0" fromWordArt="0" anchor="t" anchorCtr="0" forceAA="0" compatLnSpc="1">
-            <a:prstTxWarp prst="textNoShape">
-              <a:avLst/>
-            </a:prstTxWarp>
-            <a:spAutoFit/>
-          </a:bodyPr>
-          <a:lstStyle>
-            <a:defPPr>
-              <a:defRPr lang="en-US"/>
-            </a:defPPr>
-            <a:lvl1pPr marL="0" algn="l" defTabSz="914400" rtl="0" eaLnBrk="1" latinLnBrk="0" hangingPunct="1">
-              <a:defRPr sz="1800" kern="1200">
-                <a:solidFill>
-                  <a:schemeClr val="tx1"/>
-                </a:solidFill>
-                <a:latin typeface="+mn-lt"/>
-                <a:ea typeface="+mn-ea"/>
-                <a:cs typeface="+mn-cs"/>
-              </a:defRPr>
-            </a:lvl1pPr>
-            <a:lvl2pPr marL="457200" algn="l" defTabSz="914400" rtl="0" eaLnBrk="1" latinLnBrk="0" hangingPunct="1">
-              <a:defRPr sz="1800" kern="1200">
-                <a:solidFill>
-                  <a:schemeClr val="tx1"/>
-                </a:solidFill>
-                <a:latin typeface="+mn-lt"/>
-                <a:ea typeface="+mn-ea"/>
-                <a:cs typeface="+mn-cs"/>
-              </a:defRPr>
-            </a:lvl2pPr>
-            <a:lvl3pPr marL="914400" algn="l" defTabSz="914400" rtl="0" eaLnBrk="1" latinLnBrk="0" hangingPunct="1">
-              <a:defRPr sz="1800" kern="1200">
-                <a:solidFill>
-                  <a:schemeClr val="tx1"/>
-                </a:solidFill>
-                <a:latin typeface="+mn-lt"/>
-                <a:ea typeface="+mn-ea"/>
-                <a:cs typeface="+mn-cs"/>
-              </a:defRPr>
-            </a:lvl3pPr>
-            <a:lvl4pPr marL="1371600" algn="l" defTabSz="914400" rtl="0" eaLnBrk="1" latinLnBrk="0" hangingPunct="1">
-              <a:defRPr sz="1800" kern="1200">
-                <a:solidFill>
-                  <a:schemeClr val="tx1"/>
-                </a:solidFill>
-                <a:latin typeface="+mn-lt"/>
-                <a:ea typeface="+mn-ea"/>
-                <a:cs typeface="+mn-cs"/>
-              </a:defRPr>
-            </a:lvl4pPr>
-            <a:lvl5pPr marL="1828800" algn="l" defTabSz="914400" rtl="0" eaLnBrk="1" latinLnBrk="0" hangingPunct="1">
-              <a:defRPr sz="1800" kern="1200">
-                <a:solidFill>
-                  <a:schemeClr val="tx1"/>
-                </a:solidFill>
-                <a:latin typeface="+mn-lt"/>
-                <a:ea typeface="+mn-ea"/>
-                <a:cs typeface="+mn-cs"/>
-              </a:defRPr>
-            </a:lvl5pPr>
-            <a:lvl6pPr marL="2286000" algn="l" defTabSz="914400" rtl="0" eaLnBrk="1" latinLnBrk="0" hangingPunct="1">
-              <a:defRPr sz="1800" kern="1200">
-                <a:solidFill>
-                  <a:schemeClr val="tx1"/>
-                </a:solidFill>
-                <a:latin typeface="+mn-lt"/>
-                <a:ea typeface="+mn-ea"/>
-                <a:cs typeface="+mn-cs"/>
-              </a:defRPr>
-            </a:lvl6pPr>
-            <a:lvl7pPr marL="2743200" algn="l" defTabSz="914400" rtl="0" eaLnBrk="1" latinLnBrk="0" hangingPunct="1">
-              <a:defRPr sz="1800" kern="1200">
-                <a:solidFill>
-                  <a:schemeClr val="tx1"/>
-                </a:solidFill>
-                <a:latin typeface="+mn-lt"/>
-                <a:ea typeface="+mn-ea"/>
-                <a:cs typeface="+mn-cs"/>
-              </a:defRPr>
-            </a:lvl7pPr>
-            <a:lvl8pPr marL="3200400" algn="l" defTabSz="914400" rtl="0" eaLnBrk="1" latinLnBrk="0" hangingPunct="1">
-              <a:defRPr sz="1800" kern="1200">
-                <a:solidFill>
-                  <a:schemeClr val="tx1"/>
-                </a:solidFill>
-                <a:latin typeface="+mn-lt"/>
-                <a:ea typeface="+mn-ea"/>
-                <a:cs typeface="+mn-cs"/>
-              </a:defRPr>
-            </a:lvl8pPr>
-            <a:lvl9pPr marL="3657600" algn="l" defTabSz="914400" rtl="0" eaLnBrk="1" latinLnBrk="0" hangingPunct="1">
-              <a:defRPr sz="1800" kern="1200">
-                <a:solidFill>
-                  <a:schemeClr val="tx1"/>
-                </a:solidFill>
-                <a:latin typeface="+mn-lt"/>
-                <a:ea typeface="+mn-ea"/>
-                <a:cs typeface="+mn-cs"/>
-              </a:defRPr>
-            </a:lvl9pPr>
-          </a:lstStyle>
-          <a:p>
-            <a:pPr algn="l"/>
-            <a:r>
-              <a:rPr lang="en-US" dirty="0">
-                <a:ea typeface="Calibri"/>
-                <a:cs typeface="Calibri"/>
-              </a:rPr>
-              <a:t>M</a:t>
-            </a:r>
-          </a:p>
-        </p:txBody>
-      </p:sp>
-      <p:sp>
-        <p:nvSpPr>
-          <p:cNvPr id="44" name="TextBox 1">
-            <a:extLst>
-              <a:ext uri="{FF2B5EF4-FFF2-40B4-BE49-F238E27FC236}">
-                <a16:creationId xmlns:a16="http://schemas.microsoft.com/office/drawing/2014/main" id="{1A5EB195-A204-F645-47EC-23B4DF6C6C14}"/>
-              </a:ext>
-            </a:extLst>
-          </p:cNvPr>
-          <p:cNvSpPr txBox="1"/>
-          <p:nvPr/>
-        </p:nvSpPr>
-        <p:spPr>
-          <a:xfrm>
-            <a:off x="1477241" y="3997036"/>
-            <a:ext cx="1418358" cy="369332"/>
-          </a:xfrm>
-          <a:prstGeom prst="rect">
-            <a:avLst/>
-          </a:prstGeom>
-          <a:noFill/>
-        </p:spPr>
-        <p:txBody>
-          <a:bodyPr rot="0" spcFirstLastPara="0" vert="horz" wrap="square" lIns="91440" tIns="45720" rIns="91440" bIns="45720" numCol="1" spcCol="0" rtlCol="0" fromWordArt="0" anchor="t" anchorCtr="0" forceAA="0" compatLnSpc="1">
-            <a:prstTxWarp prst="textNoShape">
-              <a:avLst/>
-            </a:prstTxWarp>
-            <a:spAutoFit/>
-          </a:bodyPr>
-          <a:lstStyle>
-            <a:defPPr>
-              <a:defRPr lang="en-US"/>
-            </a:defPPr>
-            <a:lvl1pPr marL="0" algn="l" defTabSz="914400" rtl="0" eaLnBrk="1" latinLnBrk="0" hangingPunct="1">
-              <a:defRPr sz="1800" kern="1200">
-                <a:solidFill>
-                  <a:schemeClr val="tx1"/>
-                </a:solidFill>
-                <a:latin typeface="+mn-lt"/>
-                <a:ea typeface="+mn-ea"/>
-                <a:cs typeface="+mn-cs"/>
-              </a:defRPr>
-            </a:lvl1pPr>
-            <a:lvl2pPr marL="457200" algn="l" defTabSz="914400" rtl="0" eaLnBrk="1" latinLnBrk="0" hangingPunct="1">
-              <a:defRPr sz="1800" kern="1200">
-                <a:solidFill>
-                  <a:schemeClr val="tx1"/>
-                </a:solidFill>
-                <a:latin typeface="+mn-lt"/>
-                <a:ea typeface="+mn-ea"/>
-                <a:cs typeface="+mn-cs"/>
-              </a:defRPr>
-            </a:lvl2pPr>
-            <a:lvl3pPr marL="914400" algn="l" defTabSz="914400" rtl="0" eaLnBrk="1" latinLnBrk="0" hangingPunct="1">
-              <a:defRPr sz="1800" kern="1200">
-                <a:solidFill>
-                  <a:schemeClr val="tx1"/>
-                </a:solidFill>
-                <a:latin typeface="+mn-lt"/>
-                <a:ea typeface="+mn-ea"/>
-                <a:cs typeface="+mn-cs"/>
-              </a:defRPr>
-            </a:lvl3pPr>
-            <a:lvl4pPr marL="1371600" algn="l" defTabSz="914400" rtl="0" eaLnBrk="1" latinLnBrk="0" hangingPunct="1">
-              <a:defRPr sz="1800" kern="1200">
-                <a:solidFill>
-                  <a:schemeClr val="tx1"/>
-                </a:solidFill>
-                <a:latin typeface="+mn-lt"/>
-                <a:ea typeface="+mn-ea"/>
-                <a:cs typeface="+mn-cs"/>
-              </a:defRPr>
-            </a:lvl4pPr>
-            <a:lvl5pPr marL="1828800" algn="l" defTabSz="914400" rtl="0" eaLnBrk="1" latinLnBrk="0" hangingPunct="1">
-              <a:defRPr sz="1800" kern="1200">
-                <a:solidFill>
-                  <a:schemeClr val="tx1"/>
-                </a:solidFill>
-                <a:latin typeface="+mn-lt"/>
-                <a:ea typeface="+mn-ea"/>
-                <a:cs typeface="+mn-cs"/>
-              </a:defRPr>
-            </a:lvl5pPr>
-            <a:lvl6pPr marL="2286000" algn="l" defTabSz="914400" rtl="0" eaLnBrk="1" latinLnBrk="0" hangingPunct="1">
-              <a:defRPr sz="1800" kern="1200">
-                <a:solidFill>
-                  <a:schemeClr val="tx1"/>
-                </a:solidFill>
-                <a:latin typeface="+mn-lt"/>
-                <a:ea typeface="+mn-ea"/>
-                <a:cs typeface="+mn-cs"/>
-              </a:defRPr>
-            </a:lvl6pPr>
-            <a:lvl7pPr marL="2743200" algn="l" defTabSz="914400" rtl="0" eaLnBrk="1" latinLnBrk="0" hangingPunct="1">
-              <a:defRPr sz="1800" kern="1200">
-                <a:solidFill>
-                  <a:schemeClr val="tx1"/>
-                </a:solidFill>
-                <a:latin typeface="+mn-lt"/>
-                <a:ea typeface="+mn-ea"/>
-                <a:cs typeface="+mn-cs"/>
-              </a:defRPr>
-            </a:lvl7pPr>
-            <a:lvl8pPr marL="3200400" algn="l" defTabSz="914400" rtl="0" eaLnBrk="1" latinLnBrk="0" hangingPunct="1">
-              <a:defRPr sz="1800" kern="1200">
-                <a:solidFill>
-                  <a:schemeClr val="tx1"/>
-                </a:solidFill>
-                <a:latin typeface="+mn-lt"/>
-                <a:ea typeface="+mn-ea"/>
-                <a:cs typeface="+mn-cs"/>
-              </a:defRPr>
-            </a:lvl8pPr>
-            <a:lvl9pPr marL="3657600" algn="l" defTabSz="914400" rtl="0" eaLnBrk="1" latinLnBrk="0" hangingPunct="1">
-              <a:defRPr sz="1800" kern="1200">
-                <a:solidFill>
-                  <a:schemeClr val="tx1"/>
-                </a:solidFill>
-                <a:latin typeface="+mn-lt"/>
-                <a:ea typeface="+mn-ea"/>
-                <a:cs typeface="+mn-cs"/>
-              </a:defRPr>
-            </a:lvl9pPr>
-          </a:lstStyle>
-          <a:p>
-            <a:r>
-              <a:rPr lang="en-US">
-                <a:ea typeface="+mn-lt"/>
-                <a:cs typeface="+mn-lt"/>
-              </a:rPr>
-              <a:t>Book Ticket</a:t>
-            </a:r>
-            <a:endParaRPr lang="en-US"/>
-          </a:p>
-        </p:txBody>
-      </p:sp>
-      <p:sp>
-        <p:nvSpPr>
-          <p:cNvPr id="45" name="TextBox 2">
-            <a:extLst>
-              <a:ext uri="{FF2B5EF4-FFF2-40B4-BE49-F238E27FC236}">
-                <a16:creationId xmlns:a16="http://schemas.microsoft.com/office/drawing/2014/main" id="{8A391B93-3158-C8F0-9A3E-ABE3536E767A}"/>
-              </a:ext>
-            </a:extLst>
-          </p:cNvPr>
-          <p:cNvSpPr txBox="1"/>
-          <p:nvPr/>
-        </p:nvSpPr>
-        <p:spPr>
-          <a:xfrm>
-            <a:off x="6109854" y="3997035"/>
-            <a:ext cx="2033153" cy="369332"/>
-          </a:xfrm>
-          <a:prstGeom prst="rect">
-            <a:avLst/>
-          </a:prstGeom>
-          <a:noFill/>
-        </p:spPr>
-        <p:txBody>
-          <a:bodyPr rot="0" spcFirstLastPara="0" vert="horz" wrap="square" lIns="91440" tIns="45720" rIns="91440" bIns="45720" numCol="1" spcCol="0" rtlCol="0" fromWordArt="0" anchor="t" anchorCtr="0" forceAA="0" compatLnSpc="1">
-            <a:prstTxWarp prst="textNoShape">
-              <a:avLst/>
-            </a:prstTxWarp>
-            <a:spAutoFit/>
-          </a:bodyPr>
-          <a:lstStyle>
-            <a:defPPr>
-              <a:defRPr lang="en-US"/>
-            </a:defPPr>
-            <a:lvl1pPr marL="0" algn="l" defTabSz="914400" rtl="0" eaLnBrk="1" latinLnBrk="0" hangingPunct="1">
-              <a:defRPr sz="1800" kern="1200">
-                <a:solidFill>
-                  <a:schemeClr val="tx1"/>
-                </a:solidFill>
-                <a:latin typeface="+mn-lt"/>
-                <a:ea typeface="+mn-ea"/>
-                <a:cs typeface="+mn-cs"/>
-              </a:defRPr>
-            </a:lvl1pPr>
-            <a:lvl2pPr marL="457200" algn="l" defTabSz="914400" rtl="0" eaLnBrk="1" latinLnBrk="0" hangingPunct="1">
-              <a:defRPr sz="1800" kern="1200">
-                <a:solidFill>
-                  <a:schemeClr val="tx1"/>
-                </a:solidFill>
-                <a:latin typeface="+mn-lt"/>
-                <a:ea typeface="+mn-ea"/>
-                <a:cs typeface="+mn-cs"/>
-              </a:defRPr>
-            </a:lvl2pPr>
-            <a:lvl3pPr marL="914400" algn="l" defTabSz="914400" rtl="0" eaLnBrk="1" latinLnBrk="0" hangingPunct="1">
-              <a:defRPr sz="1800" kern="1200">
-                <a:solidFill>
-                  <a:schemeClr val="tx1"/>
-                </a:solidFill>
-                <a:latin typeface="+mn-lt"/>
-                <a:ea typeface="+mn-ea"/>
-                <a:cs typeface="+mn-cs"/>
-              </a:defRPr>
-            </a:lvl3pPr>
-            <a:lvl4pPr marL="1371600" algn="l" defTabSz="914400" rtl="0" eaLnBrk="1" latinLnBrk="0" hangingPunct="1">
-              <a:defRPr sz="1800" kern="1200">
-                <a:solidFill>
-                  <a:schemeClr val="tx1"/>
-                </a:solidFill>
-                <a:latin typeface="+mn-lt"/>
-                <a:ea typeface="+mn-ea"/>
-                <a:cs typeface="+mn-cs"/>
-              </a:defRPr>
-            </a:lvl4pPr>
-            <a:lvl5pPr marL="1828800" algn="l" defTabSz="914400" rtl="0" eaLnBrk="1" latinLnBrk="0" hangingPunct="1">
-              <a:defRPr sz="1800" kern="1200">
-                <a:solidFill>
-                  <a:schemeClr val="tx1"/>
-                </a:solidFill>
-                <a:latin typeface="+mn-lt"/>
-                <a:ea typeface="+mn-ea"/>
-                <a:cs typeface="+mn-cs"/>
-              </a:defRPr>
-            </a:lvl5pPr>
-            <a:lvl6pPr marL="2286000" algn="l" defTabSz="914400" rtl="0" eaLnBrk="1" latinLnBrk="0" hangingPunct="1">
-              <a:defRPr sz="1800" kern="1200">
-                <a:solidFill>
-                  <a:schemeClr val="tx1"/>
-                </a:solidFill>
-                <a:latin typeface="+mn-lt"/>
-                <a:ea typeface="+mn-ea"/>
-                <a:cs typeface="+mn-cs"/>
-              </a:defRPr>
-            </a:lvl6pPr>
-            <a:lvl7pPr marL="2743200" algn="l" defTabSz="914400" rtl="0" eaLnBrk="1" latinLnBrk="0" hangingPunct="1">
-              <a:defRPr sz="1800" kern="1200">
-                <a:solidFill>
-                  <a:schemeClr val="tx1"/>
-                </a:solidFill>
-                <a:latin typeface="+mn-lt"/>
-                <a:ea typeface="+mn-ea"/>
-                <a:cs typeface="+mn-cs"/>
-              </a:defRPr>
-            </a:lvl7pPr>
-            <a:lvl8pPr marL="3200400" algn="l" defTabSz="914400" rtl="0" eaLnBrk="1" latinLnBrk="0" hangingPunct="1">
-              <a:defRPr sz="1800" kern="1200">
-                <a:solidFill>
-                  <a:schemeClr val="tx1"/>
-                </a:solidFill>
-                <a:latin typeface="+mn-lt"/>
-                <a:ea typeface="+mn-ea"/>
-                <a:cs typeface="+mn-cs"/>
-              </a:defRPr>
-            </a:lvl8pPr>
-            <a:lvl9pPr marL="3657600" algn="l" defTabSz="914400" rtl="0" eaLnBrk="1" latinLnBrk="0" hangingPunct="1">
-              <a:defRPr sz="1800" kern="1200">
-                <a:solidFill>
-                  <a:schemeClr val="tx1"/>
-                </a:solidFill>
-                <a:latin typeface="+mn-lt"/>
-                <a:ea typeface="+mn-ea"/>
-                <a:cs typeface="+mn-cs"/>
-              </a:defRPr>
-            </a:lvl9pPr>
-          </a:lstStyle>
-          <a:p>
-            <a:r>
-              <a:rPr lang="en-US" dirty="0">
-                <a:ea typeface="+mn-lt"/>
-                <a:cs typeface="+mn-lt"/>
-              </a:rPr>
-              <a:t>Passenger Details</a:t>
-            </a:r>
-            <a:endParaRPr lang="en-US" dirty="0"/>
-          </a:p>
-        </p:txBody>
-      </p:sp>
-      <p:cxnSp>
-        <p:nvCxnSpPr>
-          <p:cNvPr id="46" name="Straight Arrow Connector 45">
-            <a:extLst>
-              <a:ext uri="{FF2B5EF4-FFF2-40B4-BE49-F238E27FC236}">
-                <a16:creationId xmlns:a16="http://schemas.microsoft.com/office/drawing/2014/main" id="{475B889D-C1B0-D8B4-6558-A4B0DAD77236}"/>
-              </a:ext>
-            </a:extLst>
-          </p:cNvPr>
-          <p:cNvCxnSpPr/>
-          <p:nvPr/>
-        </p:nvCxnSpPr>
-        <p:spPr>
-          <a:xfrm flipV="1">
-            <a:off x="2668732" y="4189267"/>
-            <a:ext cx="3477490" cy="29442"/>
-          </a:xfrm>
-          <a:prstGeom prst="straightConnector1">
-            <a:avLst/>
-          </a:prstGeom>
-          <a:ln>
-            <a:headEnd type="triangle"/>
-            <a:tailEnd type="triangle"/>
-          </a:ln>
-        </p:spPr>
-        <p:style>
-          <a:lnRef idx="1">
-            <a:schemeClr val="accent1"/>
-          </a:lnRef>
-          <a:fillRef idx="0">
-            <a:schemeClr val="accent1"/>
-          </a:fillRef>
-          <a:effectRef idx="0">
-            <a:schemeClr val="accent1"/>
-          </a:effectRef>
-          <a:fontRef idx="minor">
-            <a:schemeClr val="tx1"/>
-          </a:fontRef>
-        </p:style>
-      </p:cxnSp>
-      <p:sp>
-        <p:nvSpPr>
-          <p:cNvPr id="47" name="TextBox 4">
-            <a:extLst>
-              <a:ext uri="{FF2B5EF4-FFF2-40B4-BE49-F238E27FC236}">
-                <a16:creationId xmlns:a16="http://schemas.microsoft.com/office/drawing/2014/main" id="{76073DFE-1979-89F1-17EF-8C002C113AB1}"/>
-              </a:ext>
-            </a:extLst>
-          </p:cNvPr>
-          <p:cNvSpPr txBox="1"/>
-          <p:nvPr/>
-        </p:nvSpPr>
-        <p:spPr>
-          <a:xfrm rot="-10800000" flipV="1">
-            <a:off x="2637559" y="3890118"/>
-            <a:ext cx="327313" cy="369332"/>
-          </a:xfrm>
-          <a:prstGeom prst="rect">
-            <a:avLst/>
-          </a:prstGeom>
-          <a:noFill/>
-        </p:spPr>
-        <p:txBody>
-          <a:bodyPr rot="0" spcFirstLastPara="0" vert="horz" wrap="square" lIns="91440" tIns="45720" rIns="91440" bIns="45720" numCol="1" spcCol="0" rtlCol="0" fromWordArt="0" anchor="t" anchorCtr="0" forceAA="0" compatLnSpc="1">
-            <a:prstTxWarp prst="textNoShape">
-              <a:avLst/>
-            </a:prstTxWarp>
-            <a:spAutoFit/>
-          </a:bodyPr>
-          <a:lstStyle>
-            <a:defPPr>
-              <a:defRPr lang="en-US"/>
-            </a:defPPr>
-            <a:lvl1pPr marL="0" algn="l" defTabSz="914400" rtl="0" eaLnBrk="1" latinLnBrk="0" hangingPunct="1">
-              <a:defRPr sz="1800" kern="1200">
-                <a:solidFill>
-                  <a:schemeClr val="tx1"/>
-                </a:solidFill>
-                <a:latin typeface="+mn-lt"/>
-                <a:ea typeface="+mn-ea"/>
-                <a:cs typeface="+mn-cs"/>
-              </a:defRPr>
-            </a:lvl1pPr>
-            <a:lvl2pPr marL="457200" algn="l" defTabSz="914400" rtl="0" eaLnBrk="1" latinLnBrk="0" hangingPunct="1">
-              <a:defRPr sz="1800" kern="1200">
-                <a:solidFill>
-                  <a:schemeClr val="tx1"/>
-                </a:solidFill>
-                <a:latin typeface="+mn-lt"/>
-                <a:ea typeface="+mn-ea"/>
-                <a:cs typeface="+mn-cs"/>
-              </a:defRPr>
-            </a:lvl2pPr>
-            <a:lvl3pPr marL="914400" algn="l" defTabSz="914400" rtl="0" eaLnBrk="1" latinLnBrk="0" hangingPunct="1">
-              <a:defRPr sz="1800" kern="1200">
-                <a:solidFill>
-                  <a:schemeClr val="tx1"/>
-                </a:solidFill>
-                <a:latin typeface="+mn-lt"/>
-                <a:ea typeface="+mn-ea"/>
-                <a:cs typeface="+mn-cs"/>
-              </a:defRPr>
-            </a:lvl3pPr>
-            <a:lvl4pPr marL="1371600" algn="l" defTabSz="914400" rtl="0" eaLnBrk="1" latinLnBrk="0" hangingPunct="1">
-              <a:defRPr sz="1800" kern="1200">
-                <a:solidFill>
-                  <a:schemeClr val="tx1"/>
-                </a:solidFill>
-                <a:latin typeface="+mn-lt"/>
-                <a:ea typeface="+mn-ea"/>
-                <a:cs typeface="+mn-cs"/>
-              </a:defRPr>
-            </a:lvl4pPr>
-            <a:lvl5pPr marL="1828800" algn="l" defTabSz="914400" rtl="0" eaLnBrk="1" latinLnBrk="0" hangingPunct="1">
-              <a:defRPr sz="1800" kern="1200">
-                <a:solidFill>
-                  <a:schemeClr val="tx1"/>
-                </a:solidFill>
-                <a:latin typeface="+mn-lt"/>
-                <a:ea typeface="+mn-ea"/>
-                <a:cs typeface="+mn-cs"/>
-              </a:defRPr>
-            </a:lvl5pPr>
-            <a:lvl6pPr marL="2286000" algn="l" defTabSz="914400" rtl="0" eaLnBrk="1" latinLnBrk="0" hangingPunct="1">
-              <a:defRPr sz="1800" kern="1200">
-                <a:solidFill>
-                  <a:schemeClr val="tx1"/>
-                </a:solidFill>
-                <a:latin typeface="+mn-lt"/>
-                <a:ea typeface="+mn-ea"/>
-                <a:cs typeface="+mn-cs"/>
-              </a:defRPr>
-            </a:lvl6pPr>
-            <a:lvl7pPr marL="2743200" algn="l" defTabSz="914400" rtl="0" eaLnBrk="1" latinLnBrk="0" hangingPunct="1">
-              <a:defRPr sz="1800" kern="1200">
-                <a:solidFill>
-                  <a:schemeClr val="tx1"/>
-                </a:solidFill>
-                <a:latin typeface="+mn-lt"/>
-                <a:ea typeface="+mn-ea"/>
-                <a:cs typeface="+mn-cs"/>
-              </a:defRPr>
-            </a:lvl7pPr>
-            <a:lvl8pPr marL="3200400" algn="l" defTabSz="914400" rtl="0" eaLnBrk="1" latinLnBrk="0" hangingPunct="1">
-              <a:defRPr sz="1800" kern="1200">
-                <a:solidFill>
-                  <a:schemeClr val="tx1"/>
-                </a:solidFill>
-                <a:latin typeface="+mn-lt"/>
-                <a:ea typeface="+mn-ea"/>
-                <a:cs typeface="+mn-cs"/>
-              </a:defRPr>
-            </a:lvl8pPr>
-            <a:lvl9pPr marL="3657600" algn="l" defTabSz="914400" rtl="0" eaLnBrk="1" latinLnBrk="0" hangingPunct="1">
-              <a:defRPr sz="1800" kern="1200">
-                <a:solidFill>
-                  <a:schemeClr val="tx1"/>
-                </a:solidFill>
-                <a:latin typeface="+mn-lt"/>
-                <a:ea typeface="+mn-ea"/>
-                <a:cs typeface="+mn-cs"/>
-              </a:defRPr>
-            </a:lvl9pPr>
-          </a:lstStyle>
-          <a:p>
-            <a:pPr algn="l"/>
-            <a:r>
-              <a:rPr lang="en-US">
-                <a:cs typeface="Calibri"/>
-              </a:rPr>
-              <a:t>1</a:t>
-            </a:r>
-          </a:p>
-        </p:txBody>
-      </p:sp>
-      <p:sp>
-        <p:nvSpPr>
-          <p:cNvPr id="48" name="TextBox 5">
-            <a:extLst>
-              <a:ext uri="{FF2B5EF4-FFF2-40B4-BE49-F238E27FC236}">
-                <a16:creationId xmlns:a16="http://schemas.microsoft.com/office/drawing/2014/main" id="{DFE5FE7F-2116-B53D-9C6B-C93FC7F86B5E}"/>
-              </a:ext>
-            </a:extLst>
-          </p:cNvPr>
-          <p:cNvSpPr txBox="1"/>
-          <p:nvPr/>
-        </p:nvSpPr>
-        <p:spPr>
-          <a:xfrm rot="-10800000" flipV="1">
-            <a:off x="5832763" y="3855481"/>
-            <a:ext cx="327313" cy="369332"/>
-          </a:xfrm>
-          <a:prstGeom prst="rect">
-            <a:avLst/>
-          </a:prstGeom>
-          <a:noFill/>
-        </p:spPr>
-        <p:txBody>
-          <a:bodyPr rot="0" spcFirstLastPara="0" vert="horz" wrap="square" lIns="91440" tIns="45720" rIns="91440" bIns="45720" numCol="1" spcCol="0" rtlCol="0" fromWordArt="0" anchor="t" anchorCtr="0" forceAA="0" compatLnSpc="1">
-            <a:prstTxWarp prst="textNoShape">
-              <a:avLst/>
-            </a:prstTxWarp>
-            <a:spAutoFit/>
-          </a:bodyPr>
-          <a:lstStyle>
-            <a:defPPr>
-              <a:defRPr lang="en-US"/>
-            </a:defPPr>
-            <a:lvl1pPr marL="0" algn="l" defTabSz="914400" rtl="0" eaLnBrk="1" latinLnBrk="0" hangingPunct="1">
-              <a:defRPr sz="1800" kern="1200">
-                <a:solidFill>
-                  <a:schemeClr val="tx1"/>
-                </a:solidFill>
-                <a:latin typeface="+mn-lt"/>
-                <a:ea typeface="+mn-ea"/>
-                <a:cs typeface="+mn-cs"/>
-              </a:defRPr>
-            </a:lvl1pPr>
-            <a:lvl2pPr marL="457200" algn="l" defTabSz="914400" rtl="0" eaLnBrk="1" latinLnBrk="0" hangingPunct="1">
-              <a:defRPr sz="1800" kern="1200">
-                <a:solidFill>
-                  <a:schemeClr val="tx1"/>
-                </a:solidFill>
-                <a:latin typeface="+mn-lt"/>
-                <a:ea typeface="+mn-ea"/>
-                <a:cs typeface="+mn-cs"/>
-              </a:defRPr>
-            </a:lvl2pPr>
-            <a:lvl3pPr marL="914400" algn="l" defTabSz="914400" rtl="0" eaLnBrk="1" latinLnBrk="0" hangingPunct="1">
-              <a:defRPr sz="1800" kern="1200">
-                <a:solidFill>
-                  <a:schemeClr val="tx1"/>
-                </a:solidFill>
-                <a:latin typeface="+mn-lt"/>
-                <a:ea typeface="+mn-ea"/>
-                <a:cs typeface="+mn-cs"/>
-              </a:defRPr>
-            </a:lvl3pPr>
-            <a:lvl4pPr marL="1371600" algn="l" defTabSz="914400" rtl="0" eaLnBrk="1" latinLnBrk="0" hangingPunct="1">
-              <a:defRPr sz="1800" kern="1200">
-                <a:solidFill>
-                  <a:schemeClr val="tx1"/>
-                </a:solidFill>
-                <a:latin typeface="+mn-lt"/>
-                <a:ea typeface="+mn-ea"/>
-                <a:cs typeface="+mn-cs"/>
-              </a:defRPr>
-            </a:lvl4pPr>
-            <a:lvl5pPr marL="1828800" algn="l" defTabSz="914400" rtl="0" eaLnBrk="1" latinLnBrk="0" hangingPunct="1">
-              <a:defRPr sz="1800" kern="1200">
-                <a:solidFill>
-                  <a:schemeClr val="tx1"/>
-                </a:solidFill>
-                <a:latin typeface="+mn-lt"/>
-                <a:ea typeface="+mn-ea"/>
-                <a:cs typeface="+mn-cs"/>
-              </a:defRPr>
-            </a:lvl5pPr>
-            <a:lvl6pPr marL="2286000" algn="l" defTabSz="914400" rtl="0" eaLnBrk="1" latinLnBrk="0" hangingPunct="1">
-              <a:defRPr sz="1800" kern="1200">
-                <a:solidFill>
-                  <a:schemeClr val="tx1"/>
-                </a:solidFill>
-                <a:latin typeface="+mn-lt"/>
-                <a:ea typeface="+mn-ea"/>
-                <a:cs typeface="+mn-cs"/>
-              </a:defRPr>
-            </a:lvl6pPr>
-            <a:lvl7pPr marL="2743200" algn="l" defTabSz="914400" rtl="0" eaLnBrk="1" latinLnBrk="0" hangingPunct="1">
-              <a:defRPr sz="1800" kern="1200">
-                <a:solidFill>
-                  <a:schemeClr val="tx1"/>
-                </a:solidFill>
-                <a:latin typeface="+mn-lt"/>
-                <a:ea typeface="+mn-ea"/>
-                <a:cs typeface="+mn-cs"/>
-              </a:defRPr>
-            </a:lvl7pPr>
-            <a:lvl8pPr marL="3200400" algn="l" defTabSz="914400" rtl="0" eaLnBrk="1" latinLnBrk="0" hangingPunct="1">
-              <a:defRPr sz="1800" kern="1200">
-                <a:solidFill>
-                  <a:schemeClr val="tx1"/>
-                </a:solidFill>
-                <a:latin typeface="+mn-lt"/>
-                <a:ea typeface="+mn-ea"/>
-                <a:cs typeface="+mn-cs"/>
-              </a:defRPr>
-            </a:lvl8pPr>
-            <a:lvl9pPr marL="3657600" algn="l" defTabSz="914400" rtl="0" eaLnBrk="1" latinLnBrk="0" hangingPunct="1">
-              <a:defRPr sz="1800" kern="1200">
-                <a:solidFill>
-                  <a:schemeClr val="tx1"/>
-                </a:solidFill>
-                <a:latin typeface="+mn-lt"/>
-                <a:ea typeface="+mn-ea"/>
-                <a:cs typeface="+mn-cs"/>
-              </a:defRPr>
-            </a:lvl9pPr>
-          </a:lstStyle>
-          <a:p>
-            <a:pPr algn="l"/>
-            <a:r>
-              <a:rPr lang="en-US" dirty="0">
-                <a:cs typeface="Calibri"/>
-              </a:rPr>
-              <a:t>M</a:t>
-            </a:r>
-            <a:endParaRPr lang="en-US" dirty="0">
-              <a:ea typeface="Calibri"/>
-              <a:cs typeface="Calibri"/>
-            </a:endParaRPr>
-          </a:p>
-        </p:txBody>
-      </p:sp>
-    </p:spTree>
-    <p:extLst>
-      <p:ext uri="{BB962C8B-B14F-4D97-AF65-F5344CB8AC3E}">
-        <p14:creationId xmlns:p14="http://schemas.microsoft.com/office/powerpoint/2010/main" val="848482602"/>
-      </p:ext>
-    </p:extLst>
-  </p:cSld>
-  <p:clrMapOvr>
-    <a:masterClrMapping/>
-  </p:clrMapOvr>
-</p:sld>
-</file>
-
-<file path=ppt/slides/slide4.xml><?xml version="1.0" encoding="utf-8"?>
-<p:sld xmlns:a="http://schemas.openxmlformats.org/drawingml/2006/main" xmlns:r="http://schemas.openxmlformats.org/officeDocument/2006/relationships" xmlns:p="http://schemas.openxmlformats.org/presentationml/2006/main">
-  <p:cSld>
-    <p:spTree>
-      <p:nvGrpSpPr>
-        <p:cNvPr id="1" name=""/>
-        <p:cNvGrpSpPr/>
-        <p:nvPr/>
-      </p:nvGrpSpPr>
-      <p:grpSpPr>
-        <a:xfrm>
-          <a:off x="0" y="0"/>
-          <a:ext cx="0" cy="0"/>
-          <a:chOff x="0" y="0"/>
-          <a:chExt cx="0" cy="0"/>
-        </a:xfrm>
-      </p:grpSpPr>
-      <p:sp>
-        <p:nvSpPr>
-          <p:cNvPr id="5" name="TextBox 4">
-            <a:extLst>
-              <a:ext uri="{FF2B5EF4-FFF2-40B4-BE49-F238E27FC236}">
-                <a16:creationId xmlns:a16="http://schemas.microsoft.com/office/drawing/2014/main" id="{152AA2DC-C12C-8A23-2CEE-2CF5E0ED0697}"/>
-              </a:ext>
-            </a:extLst>
-          </p:cNvPr>
-          <p:cNvSpPr txBox="1"/>
-          <p:nvPr/>
-        </p:nvSpPr>
-        <p:spPr>
-          <a:xfrm>
-            <a:off x="1459922" y="1104900"/>
-            <a:ext cx="1513608" cy="646331"/>
-          </a:xfrm>
-          <a:prstGeom prst="rect">
-            <a:avLst/>
-          </a:prstGeom>
-          <a:noFill/>
-        </p:spPr>
-        <p:txBody>
-          <a:bodyPr rot="0" spcFirstLastPara="0" vertOverflow="overflow" horzOverflow="overflow" vert="horz" wrap="square" lIns="91440" tIns="45720" rIns="91440" bIns="45720" numCol="1" spcCol="0" rtlCol="0" fromWordArt="0" anchor="t" anchorCtr="0" forceAA="0" compatLnSpc="1">
-            <a:prstTxWarp prst="textNoShape">
-              <a:avLst/>
-            </a:prstTxWarp>
-            <a:spAutoFit/>
-          </a:bodyPr>
-          <a:lstStyle/>
-          <a:p>
-            <a:r>
-              <a:rPr lang="en-US" dirty="0">
-                <a:ea typeface="Calibri"/>
-                <a:cs typeface="Calibri"/>
-              </a:rPr>
-              <a:t>Book Ticket</a:t>
-            </a:r>
-            <a:endParaRPr lang="en-US" dirty="0">
-              <a:ea typeface="+mn-lt"/>
-              <a:cs typeface="+mn-lt"/>
-            </a:endParaRPr>
-          </a:p>
-          <a:p>
-            <a:pPr algn="l"/>
-            <a:endParaRPr lang="en-US" dirty="0">
-              <a:ea typeface="Calibri"/>
-              <a:cs typeface="Calibri"/>
-            </a:endParaRPr>
-          </a:p>
-        </p:txBody>
-      </p:sp>
-      <p:sp>
-        <p:nvSpPr>
-          <p:cNvPr id="6" name="TextBox 5">
-            <a:extLst>
-              <a:ext uri="{FF2B5EF4-FFF2-40B4-BE49-F238E27FC236}">
-                <a16:creationId xmlns:a16="http://schemas.microsoft.com/office/drawing/2014/main" id="{090E4842-8D65-15F2-5575-17F46B4F2C2B}"/>
-              </a:ext>
-            </a:extLst>
-          </p:cNvPr>
-          <p:cNvSpPr txBox="1"/>
-          <p:nvPr/>
-        </p:nvSpPr>
-        <p:spPr>
-          <a:xfrm>
-            <a:off x="6092536" y="1104899"/>
-            <a:ext cx="2033153" cy="369332"/>
-          </a:xfrm>
-          <a:prstGeom prst="rect">
-            <a:avLst/>
-          </a:prstGeom>
-          <a:noFill/>
-        </p:spPr>
-        <p:txBody>
-          <a:bodyPr rot="0" spcFirstLastPara="0" vertOverflow="overflow" horzOverflow="overflow" vert="horz" wrap="square" lIns="91440" tIns="45720" rIns="91440" bIns="45720" numCol="1" spcCol="0" rtlCol="0" fromWordArt="0" anchor="t" anchorCtr="0" forceAA="0" compatLnSpc="1">
-            <a:prstTxWarp prst="textNoShape">
-              <a:avLst/>
-            </a:prstTxWarp>
-            <a:spAutoFit/>
-          </a:bodyPr>
-          <a:lstStyle/>
-          <a:p>
-            <a:r>
-              <a:rPr lang="en-US" dirty="0">
-                <a:ea typeface="Calibri"/>
-                <a:cs typeface="Calibri"/>
-              </a:rPr>
-              <a:t>Ticket Details</a:t>
-            </a:r>
-          </a:p>
-        </p:txBody>
-      </p:sp>
-      <p:cxnSp>
-        <p:nvCxnSpPr>
-          <p:cNvPr id="9" name="Straight Arrow Connector 8">
-            <a:extLst>
-              <a:ext uri="{FF2B5EF4-FFF2-40B4-BE49-F238E27FC236}">
-                <a16:creationId xmlns:a16="http://schemas.microsoft.com/office/drawing/2014/main" id="{ED16D79F-58E9-4A76-181B-6E8FD0B2C202}"/>
-              </a:ext>
-            </a:extLst>
-          </p:cNvPr>
-          <p:cNvCxnSpPr/>
-          <p:nvPr/>
-        </p:nvCxnSpPr>
-        <p:spPr>
-          <a:xfrm flipV="1">
-            <a:off x="2651414" y="1297131"/>
-            <a:ext cx="3477490" cy="29442"/>
-          </a:xfrm>
-          <a:prstGeom prst="straightConnector1">
-            <a:avLst/>
-          </a:prstGeom>
-          <a:ln>
-            <a:headEnd type="triangle"/>
-            <a:tailEnd type="triangle"/>
-          </a:ln>
-        </p:spPr>
-        <p:style>
-          <a:lnRef idx="1">
-            <a:schemeClr val="accent1"/>
-          </a:lnRef>
-          <a:fillRef idx="0">
-            <a:schemeClr val="accent1"/>
-          </a:fillRef>
-          <a:effectRef idx="0">
-            <a:schemeClr val="accent1"/>
-          </a:effectRef>
-          <a:fontRef idx="minor">
-            <a:schemeClr val="tx1"/>
-          </a:fontRef>
-        </p:style>
-      </p:cxnSp>
-      <p:sp>
-        <p:nvSpPr>
-          <p:cNvPr id="10" name="TextBox 9">
-            <a:extLst>
-              <a:ext uri="{FF2B5EF4-FFF2-40B4-BE49-F238E27FC236}">
-                <a16:creationId xmlns:a16="http://schemas.microsoft.com/office/drawing/2014/main" id="{DAF56261-43B1-5416-634A-06D9D0EBB17F}"/>
-              </a:ext>
-            </a:extLst>
-          </p:cNvPr>
-          <p:cNvSpPr txBox="1"/>
-          <p:nvPr/>
-        </p:nvSpPr>
-        <p:spPr>
-          <a:xfrm rot="-10800000" flipV="1">
-            <a:off x="2620241" y="997982"/>
-            <a:ext cx="327313" cy="369332"/>
-          </a:xfrm>
-          <a:prstGeom prst="rect">
-            <a:avLst/>
-          </a:prstGeom>
-          <a:noFill/>
-        </p:spPr>
-        <p:txBody>
-          <a:bodyPr rot="0" spcFirstLastPara="0" vertOverflow="overflow" horzOverflow="overflow" vert="horz" wrap="square" lIns="91440" tIns="45720" rIns="91440" bIns="45720" numCol="1" spcCol="0" rtlCol="0" fromWordArt="0" anchor="t" anchorCtr="0" forceAA="0" compatLnSpc="1">
-            <a:prstTxWarp prst="textNoShape">
-              <a:avLst/>
-            </a:prstTxWarp>
-            <a:spAutoFit/>
-          </a:bodyPr>
-          <a:lstStyle/>
-          <a:p>
-            <a:pPr algn="l"/>
-            <a:r>
-              <a:rPr lang="en-US">
-                <a:cs typeface="Calibri"/>
-              </a:rPr>
-              <a:t>1</a:t>
-            </a:r>
-          </a:p>
-        </p:txBody>
-      </p:sp>
-      <p:sp>
-        <p:nvSpPr>
-          <p:cNvPr id="11" name="TextBox 10">
-            <a:extLst>
-              <a:ext uri="{FF2B5EF4-FFF2-40B4-BE49-F238E27FC236}">
-                <a16:creationId xmlns:a16="http://schemas.microsoft.com/office/drawing/2014/main" id="{AB216349-37AA-CAEF-91E9-84F154B89F2C}"/>
-              </a:ext>
-            </a:extLst>
-          </p:cNvPr>
-          <p:cNvSpPr txBox="1"/>
-          <p:nvPr/>
-        </p:nvSpPr>
-        <p:spPr>
-          <a:xfrm rot="-10800000" flipV="1">
-            <a:off x="5815445" y="963345"/>
-            <a:ext cx="327313" cy="369332"/>
-          </a:xfrm>
-          <a:prstGeom prst="rect">
-            <a:avLst/>
-          </a:prstGeom>
-          <a:noFill/>
-        </p:spPr>
-        <p:txBody>
-          <a:bodyPr rot="0" spcFirstLastPara="0" vertOverflow="overflow" horzOverflow="overflow" vert="horz" wrap="square" lIns="91440" tIns="45720" rIns="91440" bIns="45720" numCol="1" spcCol="0" rtlCol="0" fromWordArt="0" anchor="t" anchorCtr="0" forceAA="0" compatLnSpc="1">
-            <a:prstTxWarp prst="textNoShape">
-              <a:avLst/>
-            </a:prstTxWarp>
-            <a:spAutoFit/>
-          </a:bodyPr>
-          <a:lstStyle/>
-          <a:p>
-            <a:pPr algn="l"/>
-            <a:r>
-              <a:rPr lang="en-US">
-                <a:cs typeface="Calibri"/>
-              </a:rPr>
-              <a:t>1</a:t>
-            </a:r>
-          </a:p>
-        </p:txBody>
-      </p:sp>
-      <p:sp>
-        <p:nvSpPr>
-          <p:cNvPr id="12" name="TextBox 11">
-            <a:extLst>
-              <a:ext uri="{FF2B5EF4-FFF2-40B4-BE49-F238E27FC236}">
-                <a16:creationId xmlns:a16="http://schemas.microsoft.com/office/drawing/2014/main" id="{0F5D0E9A-A28A-7557-CE07-52F98018C997}"/>
-              </a:ext>
-            </a:extLst>
-          </p:cNvPr>
-          <p:cNvSpPr txBox="1"/>
-          <p:nvPr/>
-        </p:nvSpPr>
-        <p:spPr>
-          <a:xfrm>
-            <a:off x="1862571" y="494435"/>
-            <a:ext cx="6111585" cy="369332"/>
-          </a:xfrm>
-          <a:prstGeom prst="rect">
-            <a:avLst/>
-          </a:prstGeom>
-          <a:noFill/>
-        </p:spPr>
-        <p:txBody>
-          <a:bodyPr rot="0" spcFirstLastPara="0" vertOverflow="overflow" horzOverflow="overflow" vert="horz" wrap="square" lIns="91440" tIns="45720" rIns="91440" bIns="45720" numCol="1" spcCol="0" rtlCol="0" fromWordArt="0" anchor="t" anchorCtr="0" forceAA="0" compatLnSpc="1">
-            <a:prstTxWarp prst="textNoShape">
-              <a:avLst/>
-            </a:prstTxWarp>
-            <a:spAutoFit/>
-          </a:bodyPr>
-          <a:lstStyle/>
-          <a:p>
-            <a:pPr algn="l"/>
-            <a:endParaRPr lang="en-US">
-              <a:cs typeface="Calibri"/>
-            </a:endParaRPr>
-          </a:p>
-        </p:txBody>
-      </p:sp>
-      <p:sp>
-        <p:nvSpPr>
-          <p:cNvPr id="14" name="TextBox 13">
-            <a:extLst>
-              <a:ext uri="{FF2B5EF4-FFF2-40B4-BE49-F238E27FC236}">
-                <a16:creationId xmlns:a16="http://schemas.microsoft.com/office/drawing/2014/main" id="{0818B4BF-9AAC-F5E5-BBB7-CBB68C512ACB}"/>
-              </a:ext>
-            </a:extLst>
-          </p:cNvPr>
-          <p:cNvSpPr txBox="1"/>
-          <p:nvPr/>
-        </p:nvSpPr>
-        <p:spPr>
-          <a:xfrm>
-            <a:off x="1390650" y="1624445"/>
-            <a:ext cx="1513608" cy="369332"/>
-          </a:xfrm>
-          <a:prstGeom prst="rect">
-            <a:avLst/>
-          </a:prstGeom>
-          <a:noFill/>
-        </p:spPr>
-        <p:txBody>
-          <a:bodyPr rot="0" spcFirstLastPara="0" vertOverflow="overflow" horzOverflow="overflow" vert="horz" wrap="square" lIns="91440" tIns="45720" rIns="91440" bIns="45720" numCol="1" spcCol="0" rtlCol="0" fromWordArt="0" anchor="t" anchorCtr="0" forceAA="0" compatLnSpc="1">
-            <a:prstTxWarp prst="textNoShape">
-              <a:avLst/>
-            </a:prstTxWarp>
-            <a:spAutoFit/>
-          </a:bodyPr>
-          <a:lstStyle/>
-          <a:p>
-            <a:r>
-              <a:rPr lang="en-US" dirty="0">
-                <a:cs typeface="Calibri"/>
-              </a:rPr>
-              <a:t>Train Details</a:t>
-            </a:r>
-            <a:endParaRPr lang="en-US" dirty="0">
-              <a:ea typeface="Calibri"/>
-              <a:cs typeface="Calibri"/>
-            </a:endParaRPr>
-          </a:p>
-        </p:txBody>
-      </p:sp>
-      <p:sp>
-        <p:nvSpPr>
-          <p:cNvPr id="15" name="TextBox 14">
-            <a:extLst>
-              <a:ext uri="{FF2B5EF4-FFF2-40B4-BE49-F238E27FC236}">
-                <a16:creationId xmlns:a16="http://schemas.microsoft.com/office/drawing/2014/main" id="{09D3B81A-3CE7-A8BD-8172-03F1E9885204}"/>
-              </a:ext>
-            </a:extLst>
-          </p:cNvPr>
-          <p:cNvSpPr txBox="1"/>
-          <p:nvPr/>
-        </p:nvSpPr>
-        <p:spPr>
-          <a:xfrm>
-            <a:off x="6118513" y="1624444"/>
-            <a:ext cx="2033153" cy="369332"/>
-          </a:xfrm>
-          <a:prstGeom prst="rect">
-            <a:avLst/>
-          </a:prstGeom>
-          <a:noFill/>
-        </p:spPr>
-        <p:txBody>
-          <a:bodyPr rot="0" spcFirstLastPara="0" vertOverflow="overflow" horzOverflow="overflow" vert="horz" wrap="square" lIns="91440" tIns="45720" rIns="91440" bIns="45720" numCol="1" spcCol="0" rtlCol="0" fromWordArt="0" anchor="t" anchorCtr="0" forceAA="0" compatLnSpc="1">
-            <a:prstTxWarp prst="textNoShape">
-              <a:avLst/>
-            </a:prstTxWarp>
-            <a:spAutoFit/>
-          </a:bodyPr>
-          <a:lstStyle/>
-          <a:p>
-            <a:r>
-              <a:rPr lang="en-US" dirty="0">
-                <a:ea typeface="Calibri"/>
-                <a:cs typeface="Calibri"/>
-              </a:rPr>
-              <a:t>Passenger Details</a:t>
-            </a:r>
-          </a:p>
-        </p:txBody>
-      </p:sp>
-      <p:cxnSp>
-        <p:nvCxnSpPr>
-          <p:cNvPr id="16" name="Straight Arrow Connector 15">
-            <a:extLst>
-              <a:ext uri="{FF2B5EF4-FFF2-40B4-BE49-F238E27FC236}">
-                <a16:creationId xmlns:a16="http://schemas.microsoft.com/office/drawing/2014/main" id="{928878E2-3E91-FCB9-0B43-1F7A4DC77CB6}"/>
-              </a:ext>
-            </a:extLst>
-          </p:cNvPr>
-          <p:cNvCxnSpPr>
-            <a:cxnSpLocks/>
-          </p:cNvCxnSpPr>
-          <p:nvPr/>
-        </p:nvCxnSpPr>
-        <p:spPr>
-          <a:xfrm flipV="1">
-            <a:off x="2677391" y="1816676"/>
-            <a:ext cx="3477490" cy="29442"/>
-          </a:xfrm>
-          <a:prstGeom prst="straightConnector1">
-            <a:avLst/>
-          </a:prstGeom>
-          <a:ln>
-            <a:headEnd type="triangle"/>
-            <a:tailEnd type="triangle"/>
-          </a:ln>
-        </p:spPr>
-        <p:style>
-          <a:lnRef idx="1">
-            <a:schemeClr val="accent1"/>
-          </a:lnRef>
-          <a:fillRef idx="0">
-            <a:schemeClr val="accent1"/>
-          </a:fillRef>
-          <a:effectRef idx="0">
-            <a:schemeClr val="accent1"/>
-          </a:effectRef>
-          <a:fontRef idx="minor">
-            <a:schemeClr val="tx1"/>
-          </a:fontRef>
-        </p:style>
-      </p:cxnSp>
-      <p:sp>
-        <p:nvSpPr>
-          <p:cNvPr id="17" name="TextBox 16">
-            <a:extLst>
-              <a:ext uri="{FF2B5EF4-FFF2-40B4-BE49-F238E27FC236}">
-                <a16:creationId xmlns:a16="http://schemas.microsoft.com/office/drawing/2014/main" id="{8187A1F3-E9D4-4534-00CD-20775A363DDA}"/>
-              </a:ext>
-            </a:extLst>
-          </p:cNvPr>
-          <p:cNvSpPr txBox="1"/>
-          <p:nvPr/>
-        </p:nvSpPr>
-        <p:spPr>
-          <a:xfrm rot="-10800000" flipV="1">
-            <a:off x="2646218" y="1517527"/>
-            <a:ext cx="327313" cy="369332"/>
-          </a:xfrm>
-          <a:prstGeom prst="rect">
-            <a:avLst/>
-          </a:prstGeom>
-          <a:noFill/>
-        </p:spPr>
-        <p:txBody>
-          <a:bodyPr rot="0" spcFirstLastPara="0" vertOverflow="overflow" horzOverflow="overflow" vert="horz" wrap="square" lIns="91440" tIns="45720" rIns="91440" bIns="45720" numCol="1" spcCol="0" rtlCol="0" fromWordArt="0" anchor="t" anchorCtr="0" forceAA="0" compatLnSpc="1">
-            <a:prstTxWarp prst="textNoShape">
-              <a:avLst/>
-            </a:prstTxWarp>
-            <a:spAutoFit/>
-          </a:bodyPr>
-          <a:lstStyle/>
-          <a:p>
-            <a:pPr algn="l"/>
-            <a:r>
-              <a:rPr lang="en-US">
-                <a:cs typeface="Calibri"/>
-              </a:rPr>
-              <a:t>1</a:t>
-            </a:r>
-          </a:p>
-        </p:txBody>
-      </p:sp>
-      <p:sp>
-        <p:nvSpPr>
-          <p:cNvPr id="18" name="TextBox 17">
-            <a:extLst>
-              <a:ext uri="{FF2B5EF4-FFF2-40B4-BE49-F238E27FC236}">
-                <a16:creationId xmlns:a16="http://schemas.microsoft.com/office/drawing/2014/main" id="{1DFE6C8A-AC81-7CA9-A797-4810556BF79E}"/>
-              </a:ext>
-            </a:extLst>
-          </p:cNvPr>
-          <p:cNvSpPr txBox="1"/>
-          <p:nvPr/>
-        </p:nvSpPr>
-        <p:spPr>
-          <a:xfrm rot="-10800000" flipV="1">
-            <a:off x="5841422" y="1482890"/>
-            <a:ext cx="327313" cy="369332"/>
-          </a:xfrm>
-          <a:prstGeom prst="rect">
-            <a:avLst/>
-          </a:prstGeom>
-          <a:noFill/>
-        </p:spPr>
-        <p:txBody>
-          <a:bodyPr rot="0" spcFirstLastPara="0" vertOverflow="overflow" horzOverflow="overflow" vert="horz" wrap="square" lIns="91440" tIns="45720" rIns="91440" bIns="45720" numCol="1" spcCol="0" rtlCol="0" fromWordArt="0" anchor="t" anchorCtr="0" forceAA="0" compatLnSpc="1">
-            <a:prstTxWarp prst="textNoShape">
-              <a:avLst/>
-            </a:prstTxWarp>
-            <a:spAutoFit/>
-          </a:bodyPr>
-          <a:lstStyle/>
-          <a:p>
-            <a:pPr algn="l"/>
-            <a:r>
-              <a:rPr lang="en-US" dirty="0">
-                <a:ea typeface="Calibri"/>
-                <a:cs typeface="Calibri"/>
-              </a:rPr>
-              <a:t>M</a:t>
-            </a:r>
-          </a:p>
-        </p:txBody>
-      </p:sp>
-      <p:sp>
-        <p:nvSpPr>
-          <p:cNvPr id="19" name="TextBox 18">
-            <a:extLst>
-              <a:ext uri="{FF2B5EF4-FFF2-40B4-BE49-F238E27FC236}">
-                <a16:creationId xmlns:a16="http://schemas.microsoft.com/office/drawing/2014/main" id="{811E30A6-6E8C-38E8-7634-96DD7C3DAC7F}"/>
-              </a:ext>
-            </a:extLst>
-          </p:cNvPr>
-          <p:cNvSpPr txBox="1"/>
-          <p:nvPr/>
-        </p:nvSpPr>
-        <p:spPr>
-          <a:xfrm>
-            <a:off x="1425286" y="2161309"/>
-            <a:ext cx="1461654" cy="646331"/>
-          </a:xfrm>
-          <a:prstGeom prst="rect">
-            <a:avLst/>
-          </a:prstGeom>
-          <a:noFill/>
-        </p:spPr>
-        <p:txBody>
-          <a:bodyPr rot="0" spcFirstLastPara="0" vertOverflow="overflow" horzOverflow="overflow" vert="horz" wrap="square" lIns="91440" tIns="45720" rIns="91440" bIns="45720" numCol="1" spcCol="0" rtlCol="0" fromWordArt="0" anchor="t" anchorCtr="0" forceAA="0" compatLnSpc="1">
-            <a:prstTxWarp prst="textNoShape">
-              <a:avLst/>
-            </a:prstTxWarp>
-            <a:spAutoFit/>
-          </a:bodyPr>
-          <a:lstStyle/>
-          <a:p>
-            <a:r>
-              <a:rPr lang="en-US" dirty="0">
-                <a:ea typeface="+mn-lt"/>
-                <a:cs typeface="+mn-lt"/>
-              </a:rPr>
-              <a:t>Train Details</a:t>
-            </a:r>
-          </a:p>
-          <a:p>
-            <a:pPr algn="l"/>
-            <a:endParaRPr lang="en-US" dirty="0">
-              <a:ea typeface="Calibri"/>
-              <a:cs typeface="Calibri"/>
-            </a:endParaRPr>
-          </a:p>
-        </p:txBody>
-      </p:sp>
-      <p:sp>
-        <p:nvSpPr>
-          <p:cNvPr id="20" name="TextBox 19">
-            <a:extLst>
-              <a:ext uri="{FF2B5EF4-FFF2-40B4-BE49-F238E27FC236}">
-                <a16:creationId xmlns:a16="http://schemas.microsoft.com/office/drawing/2014/main" id="{9D6F13DF-4933-79D5-4276-47FDD0773E78}"/>
-              </a:ext>
-            </a:extLst>
-          </p:cNvPr>
-          <p:cNvSpPr txBox="1"/>
-          <p:nvPr/>
-        </p:nvSpPr>
-        <p:spPr>
-          <a:xfrm>
-            <a:off x="6127172" y="2161308"/>
-            <a:ext cx="2033153" cy="369332"/>
-          </a:xfrm>
-          <a:prstGeom prst="rect">
-            <a:avLst/>
-          </a:prstGeom>
-          <a:noFill/>
-        </p:spPr>
-        <p:txBody>
-          <a:bodyPr rot="0" spcFirstLastPara="0" vertOverflow="overflow" horzOverflow="overflow" vert="horz" wrap="square" lIns="91440" tIns="45720" rIns="91440" bIns="45720" numCol="1" spcCol="0" rtlCol="0" fromWordArt="0" anchor="t" anchorCtr="0" forceAA="0" compatLnSpc="1">
-            <a:prstTxWarp prst="textNoShape">
-              <a:avLst/>
-            </a:prstTxWarp>
-            <a:spAutoFit/>
-          </a:bodyPr>
-          <a:lstStyle/>
-          <a:p>
-            <a:r>
-              <a:rPr lang="en-US" dirty="0">
-                <a:ea typeface="Calibri"/>
-                <a:cs typeface="Calibri"/>
-              </a:rPr>
-              <a:t>Payment</a:t>
-            </a:r>
-          </a:p>
-        </p:txBody>
-      </p:sp>
-      <p:cxnSp>
-        <p:nvCxnSpPr>
-          <p:cNvPr id="21" name="Straight Arrow Connector 20">
-            <a:extLst>
-              <a:ext uri="{FF2B5EF4-FFF2-40B4-BE49-F238E27FC236}">
-                <a16:creationId xmlns:a16="http://schemas.microsoft.com/office/drawing/2014/main" id="{7453AB76-9BE0-5BC7-9F93-2C7639F30742}"/>
-              </a:ext>
-            </a:extLst>
-          </p:cNvPr>
-          <p:cNvCxnSpPr>
-            <a:cxnSpLocks/>
-          </p:cNvCxnSpPr>
-          <p:nvPr/>
-        </p:nvCxnSpPr>
-        <p:spPr>
-          <a:xfrm flipV="1">
-            <a:off x="2686050" y="2353540"/>
-            <a:ext cx="3477490" cy="29442"/>
-          </a:xfrm>
-          <a:prstGeom prst="straightConnector1">
-            <a:avLst/>
-          </a:prstGeom>
-          <a:ln>
-            <a:headEnd type="triangle"/>
-            <a:tailEnd type="triangle"/>
-          </a:ln>
-        </p:spPr>
-        <p:style>
-          <a:lnRef idx="1">
-            <a:schemeClr val="accent1"/>
-          </a:lnRef>
-          <a:fillRef idx="0">
-            <a:schemeClr val="accent1"/>
-          </a:fillRef>
-          <a:effectRef idx="0">
-            <a:schemeClr val="accent1"/>
-          </a:effectRef>
-          <a:fontRef idx="minor">
-            <a:schemeClr val="tx1"/>
-          </a:fontRef>
-        </p:style>
-      </p:cxnSp>
-      <p:sp>
-        <p:nvSpPr>
-          <p:cNvPr id="22" name="TextBox 21">
-            <a:extLst>
-              <a:ext uri="{FF2B5EF4-FFF2-40B4-BE49-F238E27FC236}">
-                <a16:creationId xmlns:a16="http://schemas.microsoft.com/office/drawing/2014/main" id="{4FACCF1B-0D20-D184-AF81-678DC86D0DDE}"/>
-              </a:ext>
-            </a:extLst>
-          </p:cNvPr>
-          <p:cNvSpPr txBox="1"/>
-          <p:nvPr/>
-        </p:nvSpPr>
-        <p:spPr>
-          <a:xfrm rot="-10800000" flipV="1">
-            <a:off x="2654877" y="2054391"/>
-            <a:ext cx="327313" cy="369332"/>
-          </a:xfrm>
-          <a:prstGeom prst="rect">
-            <a:avLst/>
-          </a:prstGeom>
-          <a:noFill/>
-        </p:spPr>
-        <p:txBody>
-          <a:bodyPr rot="0" spcFirstLastPara="0" vertOverflow="overflow" horzOverflow="overflow" vert="horz" wrap="square" lIns="91440" tIns="45720" rIns="91440" bIns="45720" numCol="1" spcCol="0" rtlCol="0" fromWordArt="0" anchor="t" anchorCtr="0" forceAA="0" compatLnSpc="1">
-            <a:prstTxWarp prst="textNoShape">
-              <a:avLst/>
-            </a:prstTxWarp>
-            <a:spAutoFit/>
-          </a:bodyPr>
-          <a:lstStyle/>
-          <a:p>
-            <a:pPr algn="l"/>
-            <a:r>
-              <a:rPr lang="en-US">
-                <a:cs typeface="Calibri"/>
-              </a:rPr>
-              <a:t>1</a:t>
-            </a:r>
-          </a:p>
-        </p:txBody>
-      </p:sp>
-      <p:sp>
-        <p:nvSpPr>
-          <p:cNvPr id="23" name="TextBox 22">
-            <a:extLst>
-              <a:ext uri="{FF2B5EF4-FFF2-40B4-BE49-F238E27FC236}">
-                <a16:creationId xmlns:a16="http://schemas.microsoft.com/office/drawing/2014/main" id="{631ED799-0E37-73F2-2EB1-4DD9606314F2}"/>
-              </a:ext>
-            </a:extLst>
-          </p:cNvPr>
-          <p:cNvSpPr txBox="1"/>
-          <p:nvPr/>
-        </p:nvSpPr>
-        <p:spPr>
-          <a:xfrm rot="-10800000" flipV="1">
-            <a:off x="5850081" y="2019754"/>
-            <a:ext cx="327313" cy="369332"/>
-          </a:xfrm>
-          <a:prstGeom prst="rect">
-            <a:avLst/>
-          </a:prstGeom>
-          <a:noFill/>
-        </p:spPr>
-        <p:txBody>
-          <a:bodyPr rot="0" spcFirstLastPara="0" vertOverflow="overflow" horzOverflow="overflow" vert="horz" wrap="square" lIns="91440" tIns="45720" rIns="91440" bIns="45720" numCol="1" spcCol="0" rtlCol="0" fromWordArt="0" anchor="t" anchorCtr="0" forceAA="0" compatLnSpc="1">
-            <a:prstTxWarp prst="textNoShape">
-              <a:avLst/>
-            </a:prstTxWarp>
-            <a:spAutoFit/>
-          </a:bodyPr>
-          <a:lstStyle/>
-          <a:p>
-            <a:pPr algn="l"/>
-            <a:r>
-              <a:rPr lang="en-US">
-                <a:cs typeface="Calibri"/>
-              </a:rPr>
-              <a:t>1</a:t>
-            </a:r>
-          </a:p>
-        </p:txBody>
-      </p:sp>
-      <p:sp>
-        <p:nvSpPr>
-          <p:cNvPr id="24" name="TextBox 23">
-            <a:extLst>
-              <a:ext uri="{FF2B5EF4-FFF2-40B4-BE49-F238E27FC236}">
-                <a16:creationId xmlns:a16="http://schemas.microsoft.com/office/drawing/2014/main" id="{0CD4DED4-3033-C887-C0DE-74E7A57978A0}"/>
-              </a:ext>
-            </a:extLst>
-          </p:cNvPr>
-          <p:cNvSpPr txBox="1"/>
-          <p:nvPr/>
-        </p:nvSpPr>
-        <p:spPr>
-          <a:xfrm>
-            <a:off x="1390649" y="2715490"/>
-            <a:ext cx="1401039" cy="646331"/>
-          </a:xfrm>
-          <a:prstGeom prst="rect">
-            <a:avLst/>
-          </a:prstGeom>
-          <a:noFill/>
-        </p:spPr>
-        <p:txBody>
-          <a:bodyPr rot="0" spcFirstLastPara="0" vertOverflow="overflow" horzOverflow="overflow" vert="horz" wrap="square" lIns="91440" tIns="45720" rIns="91440" bIns="45720" numCol="1" spcCol="0" rtlCol="0" fromWordArt="0" anchor="t" anchorCtr="0" forceAA="0" compatLnSpc="1">
-            <a:prstTxWarp prst="textNoShape">
-              <a:avLst/>
-            </a:prstTxWarp>
-            <a:spAutoFit/>
-          </a:bodyPr>
-          <a:lstStyle/>
-          <a:p>
-            <a:r>
-              <a:rPr lang="en-US" dirty="0">
-                <a:ea typeface="+mn-lt"/>
-                <a:cs typeface="+mn-lt"/>
-              </a:rPr>
-              <a:t>Train Details</a:t>
-            </a:r>
-          </a:p>
-          <a:p>
-            <a:pPr algn="l"/>
-            <a:endParaRPr lang="en-US" dirty="0">
-              <a:ea typeface="Calibri"/>
-              <a:cs typeface="Calibri"/>
-            </a:endParaRPr>
-          </a:p>
-        </p:txBody>
-      </p:sp>
-      <p:sp>
-        <p:nvSpPr>
-          <p:cNvPr id="25" name="TextBox 24">
-            <a:extLst>
-              <a:ext uri="{FF2B5EF4-FFF2-40B4-BE49-F238E27FC236}">
-                <a16:creationId xmlns:a16="http://schemas.microsoft.com/office/drawing/2014/main" id="{261C5FD6-41FF-F1E7-A3A0-842D6D745FB6}"/>
-              </a:ext>
-            </a:extLst>
-          </p:cNvPr>
-          <p:cNvSpPr txBox="1"/>
-          <p:nvPr/>
-        </p:nvSpPr>
-        <p:spPr>
-          <a:xfrm>
-            <a:off x="6101194" y="2715489"/>
-            <a:ext cx="2033153" cy="369332"/>
-          </a:xfrm>
-          <a:prstGeom prst="rect">
-            <a:avLst/>
-          </a:prstGeom>
-          <a:noFill/>
-        </p:spPr>
-        <p:txBody>
-          <a:bodyPr rot="0" spcFirstLastPara="0" vertOverflow="overflow" horzOverflow="overflow" vert="horz" wrap="square" lIns="91440" tIns="45720" rIns="91440" bIns="45720" numCol="1" spcCol="0" rtlCol="0" fromWordArt="0" anchor="t" anchorCtr="0" forceAA="0" compatLnSpc="1">
-            <a:prstTxWarp prst="textNoShape">
-              <a:avLst/>
-            </a:prstTxWarp>
-            <a:spAutoFit/>
-          </a:bodyPr>
-          <a:lstStyle/>
-          <a:p>
-            <a:r>
-              <a:rPr lang="en-US" dirty="0">
-                <a:cs typeface="Calibri"/>
-              </a:rPr>
-              <a:t> Ticket Details</a:t>
-            </a:r>
-          </a:p>
-        </p:txBody>
-      </p:sp>
-      <p:cxnSp>
-        <p:nvCxnSpPr>
-          <p:cNvPr id="26" name="Straight Arrow Connector 25">
-            <a:extLst>
-              <a:ext uri="{FF2B5EF4-FFF2-40B4-BE49-F238E27FC236}">
-                <a16:creationId xmlns:a16="http://schemas.microsoft.com/office/drawing/2014/main" id="{AD735956-1C65-0942-D4D0-C5C437D8B696}"/>
-              </a:ext>
-            </a:extLst>
-          </p:cNvPr>
-          <p:cNvCxnSpPr>
-            <a:cxnSpLocks/>
-          </p:cNvCxnSpPr>
-          <p:nvPr/>
-        </p:nvCxnSpPr>
-        <p:spPr>
-          <a:xfrm flipV="1">
-            <a:off x="2660072" y="2907721"/>
-            <a:ext cx="3477490" cy="29442"/>
-          </a:xfrm>
-          <a:prstGeom prst="straightConnector1">
-            <a:avLst/>
-          </a:prstGeom>
-          <a:ln>
-            <a:headEnd type="triangle"/>
-            <a:tailEnd type="triangle"/>
-          </a:ln>
-        </p:spPr>
-        <p:style>
-          <a:lnRef idx="1">
-            <a:schemeClr val="accent1"/>
-          </a:lnRef>
-          <a:fillRef idx="0">
-            <a:schemeClr val="accent1"/>
-          </a:fillRef>
-          <a:effectRef idx="0">
-            <a:schemeClr val="accent1"/>
-          </a:effectRef>
-          <a:fontRef idx="minor">
-            <a:schemeClr val="tx1"/>
-          </a:fontRef>
-        </p:style>
-      </p:cxnSp>
-      <p:sp>
-        <p:nvSpPr>
-          <p:cNvPr id="27" name="TextBox 26">
-            <a:extLst>
-              <a:ext uri="{FF2B5EF4-FFF2-40B4-BE49-F238E27FC236}">
-                <a16:creationId xmlns:a16="http://schemas.microsoft.com/office/drawing/2014/main" id="{05BEF998-679A-3431-F37D-5E6E6FC6FC90}"/>
-              </a:ext>
-            </a:extLst>
-          </p:cNvPr>
-          <p:cNvSpPr txBox="1"/>
-          <p:nvPr/>
-        </p:nvSpPr>
-        <p:spPr>
-          <a:xfrm rot="-10800000" flipV="1">
-            <a:off x="2628899" y="2608572"/>
-            <a:ext cx="327313" cy="369332"/>
-          </a:xfrm>
-          <a:prstGeom prst="rect">
-            <a:avLst/>
-          </a:prstGeom>
-          <a:noFill/>
-        </p:spPr>
-        <p:txBody>
-          <a:bodyPr rot="0" spcFirstLastPara="0" vertOverflow="overflow" horzOverflow="overflow" vert="horz" wrap="square" lIns="91440" tIns="45720" rIns="91440" bIns="45720" numCol="1" spcCol="0" rtlCol="0" fromWordArt="0" anchor="t" anchorCtr="0" forceAA="0" compatLnSpc="1">
-            <a:prstTxWarp prst="textNoShape">
-              <a:avLst/>
-            </a:prstTxWarp>
-            <a:spAutoFit/>
-          </a:bodyPr>
-          <a:lstStyle/>
-          <a:p>
-            <a:pPr algn="l"/>
-            <a:r>
-              <a:rPr lang="en-US">
-                <a:cs typeface="Calibri"/>
-              </a:rPr>
-              <a:t>1</a:t>
-            </a:r>
-          </a:p>
-        </p:txBody>
-      </p:sp>
-      <p:sp>
-        <p:nvSpPr>
-          <p:cNvPr id="28" name="TextBox 27">
-            <a:extLst>
-              <a:ext uri="{FF2B5EF4-FFF2-40B4-BE49-F238E27FC236}">
-                <a16:creationId xmlns:a16="http://schemas.microsoft.com/office/drawing/2014/main" id="{BCA59D66-1E3E-5E71-A811-3A4419EC233F}"/>
-              </a:ext>
-            </a:extLst>
-          </p:cNvPr>
-          <p:cNvSpPr txBox="1"/>
-          <p:nvPr/>
-        </p:nvSpPr>
-        <p:spPr>
-          <a:xfrm rot="-10800000" flipV="1">
-            <a:off x="5824103" y="2573935"/>
-            <a:ext cx="327313" cy="369332"/>
-          </a:xfrm>
-          <a:prstGeom prst="rect">
-            <a:avLst/>
-          </a:prstGeom>
-          <a:noFill/>
-        </p:spPr>
-        <p:txBody>
-          <a:bodyPr rot="0" spcFirstLastPara="0" vertOverflow="overflow" horzOverflow="overflow" vert="horz" wrap="square" lIns="91440" tIns="45720" rIns="91440" bIns="45720" numCol="1" spcCol="0" rtlCol="0" fromWordArt="0" anchor="t" anchorCtr="0" forceAA="0" compatLnSpc="1">
-            <a:prstTxWarp prst="textNoShape">
-              <a:avLst/>
-            </a:prstTxWarp>
-            <a:spAutoFit/>
-          </a:bodyPr>
-          <a:lstStyle/>
-          <a:p>
-            <a:pPr algn="l"/>
-            <a:r>
-              <a:rPr lang="en-US">
-                <a:cs typeface="Calibri"/>
-              </a:rPr>
-              <a:t>1</a:t>
-            </a:r>
-          </a:p>
-        </p:txBody>
-      </p:sp>
-      <p:cxnSp>
-        <p:nvCxnSpPr>
-          <p:cNvPr id="36" name="Straight Arrow Connector 35">
-            <a:extLst>
-              <a:ext uri="{FF2B5EF4-FFF2-40B4-BE49-F238E27FC236}">
-                <a16:creationId xmlns:a16="http://schemas.microsoft.com/office/drawing/2014/main" id="{475B889D-C1B0-D8B4-6558-A4B0DAD77236}"/>
-              </a:ext>
-            </a:extLst>
-          </p:cNvPr>
-          <p:cNvCxnSpPr/>
-          <p:nvPr/>
-        </p:nvCxnSpPr>
-        <p:spPr>
-          <a:xfrm flipV="1">
-            <a:off x="2651414" y="1297131"/>
-            <a:ext cx="3477490" cy="29442"/>
-          </a:xfrm>
-          <a:prstGeom prst="straightConnector1">
-            <a:avLst/>
-          </a:prstGeom>
-          <a:ln>
-            <a:headEnd type="triangle"/>
-            <a:tailEnd type="triangle"/>
-          </a:ln>
-        </p:spPr>
-        <p:style>
-          <a:lnRef idx="1">
-            <a:schemeClr val="accent1"/>
-          </a:lnRef>
-          <a:fillRef idx="0">
-            <a:schemeClr val="accent1"/>
-          </a:fillRef>
-          <a:effectRef idx="0">
-            <a:schemeClr val="accent1"/>
-          </a:effectRef>
-          <a:fontRef idx="minor">
-            <a:schemeClr val="tx1"/>
-          </a:fontRef>
-        </p:style>
-      </p:cxnSp>
-      <p:sp>
-        <p:nvSpPr>
-          <p:cNvPr id="37" name="TextBox 4">
-            <a:extLst>
-              <a:ext uri="{FF2B5EF4-FFF2-40B4-BE49-F238E27FC236}">
-                <a16:creationId xmlns:a16="http://schemas.microsoft.com/office/drawing/2014/main" id="{76073DFE-1979-89F1-17EF-8C002C113AB1}"/>
-              </a:ext>
-            </a:extLst>
-          </p:cNvPr>
-          <p:cNvSpPr txBox="1"/>
-          <p:nvPr/>
-        </p:nvSpPr>
-        <p:spPr>
-          <a:xfrm rot="-10800000" flipV="1">
-            <a:off x="2620241" y="997982"/>
-            <a:ext cx="327313" cy="369332"/>
-          </a:xfrm>
-          <a:prstGeom prst="rect">
-            <a:avLst/>
-          </a:prstGeom>
-          <a:noFill/>
-        </p:spPr>
-        <p:txBody>
-          <a:bodyPr rot="0" spcFirstLastPara="0" vert="horz" wrap="square" lIns="91440" tIns="45720" rIns="91440" bIns="45720" numCol="1" spcCol="0" rtlCol="0" fromWordArt="0" anchor="t" anchorCtr="0" forceAA="0" compatLnSpc="1">
-            <a:prstTxWarp prst="textNoShape">
-              <a:avLst/>
-            </a:prstTxWarp>
-            <a:spAutoFit/>
-          </a:bodyPr>
-          <a:lstStyle>
-            <a:defPPr>
-              <a:defRPr lang="en-US"/>
-            </a:defPPr>
-            <a:lvl1pPr marL="0" algn="l" defTabSz="914400" rtl="0" eaLnBrk="1" latinLnBrk="0" hangingPunct="1">
-              <a:defRPr sz="1800" kern="1200">
-                <a:solidFill>
-                  <a:schemeClr val="tx1"/>
-                </a:solidFill>
-                <a:latin typeface="+mn-lt"/>
-                <a:ea typeface="+mn-ea"/>
-                <a:cs typeface="+mn-cs"/>
-              </a:defRPr>
-            </a:lvl1pPr>
-            <a:lvl2pPr marL="457200" algn="l" defTabSz="914400" rtl="0" eaLnBrk="1" latinLnBrk="0" hangingPunct="1">
-              <a:defRPr sz="1800" kern="1200">
-                <a:solidFill>
-                  <a:schemeClr val="tx1"/>
-                </a:solidFill>
-                <a:latin typeface="+mn-lt"/>
-                <a:ea typeface="+mn-ea"/>
-                <a:cs typeface="+mn-cs"/>
-              </a:defRPr>
-            </a:lvl2pPr>
-            <a:lvl3pPr marL="914400" algn="l" defTabSz="914400" rtl="0" eaLnBrk="1" latinLnBrk="0" hangingPunct="1">
-              <a:defRPr sz="1800" kern="1200">
-                <a:solidFill>
-                  <a:schemeClr val="tx1"/>
-                </a:solidFill>
-                <a:latin typeface="+mn-lt"/>
-                <a:ea typeface="+mn-ea"/>
-                <a:cs typeface="+mn-cs"/>
-              </a:defRPr>
-            </a:lvl3pPr>
-            <a:lvl4pPr marL="1371600" algn="l" defTabSz="914400" rtl="0" eaLnBrk="1" latinLnBrk="0" hangingPunct="1">
-              <a:defRPr sz="1800" kern="1200">
-                <a:solidFill>
-                  <a:schemeClr val="tx1"/>
-                </a:solidFill>
-                <a:latin typeface="+mn-lt"/>
-                <a:ea typeface="+mn-ea"/>
-                <a:cs typeface="+mn-cs"/>
-              </a:defRPr>
-            </a:lvl4pPr>
-            <a:lvl5pPr marL="1828800" algn="l" defTabSz="914400" rtl="0" eaLnBrk="1" latinLnBrk="0" hangingPunct="1">
-              <a:defRPr sz="1800" kern="1200">
-                <a:solidFill>
-                  <a:schemeClr val="tx1"/>
-                </a:solidFill>
-                <a:latin typeface="+mn-lt"/>
-                <a:ea typeface="+mn-ea"/>
-                <a:cs typeface="+mn-cs"/>
-              </a:defRPr>
-            </a:lvl5pPr>
-            <a:lvl6pPr marL="2286000" algn="l" defTabSz="914400" rtl="0" eaLnBrk="1" latinLnBrk="0" hangingPunct="1">
-              <a:defRPr sz="1800" kern="1200">
-                <a:solidFill>
-                  <a:schemeClr val="tx1"/>
-                </a:solidFill>
-                <a:latin typeface="+mn-lt"/>
-                <a:ea typeface="+mn-ea"/>
-                <a:cs typeface="+mn-cs"/>
-              </a:defRPr>
-            </a:lvl6pPr>
-            <a:lvl7pPr marL="2743200" algn="l" defTabSz="914400" rtl="0" eaLnBrk="1" latinLnBrk="0" hangingPunct="1">
-              <a:defRPr sz="1800" kern="1200">
-                <a:solidFill>
-                  <a:schemeClr val="tx1"/>
-                </a:solidFill>
-                <a:latin typeface="+mn-lt"/>
-                <a:ea typeface="+mn-ea"/>
-                <a:cs typeface="+mn-cs"/>
-              </a:defRPr>
-            </a:lvl7pPr>
-            <a:lvl8pPr marL="3200400" algn="l" defTabSz="914400" rtl="0" eaLnBrk="1" latinLnBrk="0" hangingPunct="1">
-              <a:defRPr sz="1800" kern="1200">
-                <a:solidFill>
-                  <a:schemeClr val="tx1"/>
-                </a:solidFill>
-                <a:latin typeface="+mn-lt"/>
-                <a:ea typeface="+mn-ea"/>
-                <a:cs typeface="+mn-cs"/>
-              </a:defRPr>
-            </a:lvl8pPr>
-            <a:lvl9pPr marL="3657600" algn="l" defTabSz="914400" rtl="0" eaLnBrk="1" latinLnBrk="0" hangingPunct="1">
-              <a:defRPr sz="1800" kern="1200">
-                <a:solidFill>
-                  <a:schemeClr val="tx1"/>
-                </a:solidFill>
-                <a:latin typeface="+mn-lt"/>
-                <a:ea typeface="+mn-ea"/>
-                <a:cs typeface="+mn-cs"/>
-              </a:defRPr>
-            </a:lvl9pPr>
-          </a:lstStyle>
-          <a:p>
-            <a:pPr algn="l"/>
-            <a:r>
-              <a:rPr lang="en-US">
-                <a:cs typeface="Calibri"/>
-              </a:rPr>
-              <a:t>1</a:t>
-            </a:r>
-          </a:p>
-        </p:txBody>
-      </p:sp>
-      <p:sp>
-        <p:nvSpPr>
-          <p:cNvPr id="38" name="TextBox 5">
-            <a:extLst>
-              <a:ext uri="{FF2B5EF4-FFF2-40B4-BE49-F238E27FC236}">
-                <a16:creationId xmlns:a16="http://schemas.microsoft.com/office/drawing/2014/main" id="{DFE5FE7F-2116-B53D-9C6B-C93FC7F86B5E}"/>
-              </a:ext>
-            </a:extLst>
-          </p:cNvPr>
-          <p:cNvSpPr txBox="1"/>
-          <p:nvPr/>
-        </p:nvSpPr>
-        <p:spPr>
-          <a:xfrm rot="-10800000" flipV="1">
-            <a:off x="5815445" y="963345"/>
-            <a:ext cx="327313" cy="369332"/>
-          </a:xfrm>
-          <a:prstGeom prst="rect">
-            <a:avLst/>
-          </a:prstGeom>
-          <a:noFill/>
-        </p:spPr>
-        <p:txBody>
-          <a:bodyPr rot="0" spcFirstLastPara="0" vert="horz" wrap="square" lIns="91440" tIns="45720" rIns="91440" bIns="45720" numCol="1" spcCol="0" rtlCol="0" fromWordArt="0" anchor="t" anchorCtr="0" forceAA="0" compatLnSpc="1">
-            <a:prstTxWarp prst="textNoShape">
-              <a:avLst/>
-            </a:prstTxWarp>
-            <a:spAutoFit/>
-          </a:bodyPr>
-          <a:lstStyle>
-            <a:defPPr>
-              <a:defRPr lang="en-US"/>
-            </a:defPPr>
-            <a:lvl1pPr marL="0" algn="l" defTabSz="914400" rtl="0" eaLnBrk="1" latinLnBrk="0" hangingPunct="1">
-              <a:defRPr sz="1800" kern="1200">
-                <a:solidFill>
-                  <a:schemeClr val="tx1"/>
-                </a:solidFill>
-                <a:latin typeface="+mn-lt"/>
-                <a:ea typeface="+mn-ea"/>
-                <a:cs typeface="+mn-cs"/>
-              </a:defRPr>
-            </a:lvl1pPr>
-            <a:lvl2pPr marL="457200" algn="l" defTabSz="914400" rtl="0" eaLnBrk="1" latinLnBrk="0" hangingPunct="1">
-              <a:defRPr sz="1800" kern="1200">
-                <a:solidFill>
-                  <a:schemeClr val="tx1"/>
-                </a:solidFill>
-                <a:latin typeface="+mn-lt"/>
-                <a:ea typeface="+mn-ea"/>
-                <a:cs typeface="+mn-cs"/>
-              </a:defRPr>
-            </a:lvl2pPr>
-            <a:lvl3pPr marL="914400" algn="l" defTabSz="914400" rtl="0" eaLnBrk="1" latinLnBrk="0" hangingPunct="1">
-              <a:defRPr sz="1800" kern="1200">
-                <a:solidFill>
-                  <a:schemeClr val="tx1"/>
-                </a:solidFill>
-                <a:latin typeface="+mn-lt"/>
-                <a:ea typeface="+mn-ea"/>
-                <a:cs typeface="+mn-cs"/>
-              </a:defRPr>
-            </a:lvl3pPr>
-            <a:lvl4pPr marL="1371600" algn="l" defTabSz="914400" rtl="0" eaLnBrk="1" latinLnBrk="0" hangingPunct="1">
-              <a:defRPr sz="1800" kern="1200">
-                <a:solidFill>
-                  <a:schemeClr val="tx1"/>
-                </a:solidFill>
-                <a:latin typeface="+mn-lt"/>
-                <a:ea typeface="+mn-ea"/>
-                <a:cs typeface="+mn-cs"/>
-              </a:defRPr>
-            </a:lvl4pPr>
-            <a:lvl5pPr marL="1828800" algn="l" defTabSz="914400" rtl="0" eaLnBrk="1" latinLnBrk="0" hangingPunct="1">
-              <a:defRPr sz="1800" kern="1200">
-                <a:solidFill>
-                  <a:schemeClr val="tx1"/>
-                </a:solidFill>
-                <a:latin typeface="+mn-lt"/>
-                <a:ea typeface="+mn-ea"/>
-                <a:cs typeface="+mn-cs"/>
-              </a:defRPr>
-            </a:lvl5pPr>
-            <a:lvl6pPr marL="2286000" algn="l" defTabSz="914400" rtl="0" eaLnBrk="1" latinLnBrk="0" hangingPunct="1">
-              <a:defRPr sz="1800" kern="1200">
-                <a:solidFill>
-                  <a:schemeClr val="tx1"/>
-                </a:solidFill>
-                <a:latin typeface="+mn-lt"/>
-                <a:ea typeface="+mn-ea"/>
-                <a:cs typeface="+mn-cs"/>
-              </a:defRPr>
-            </a:lvl6pPr>
-            <a:lvl7pPr marL="2743200" algn="l" defTabSz="914400" rtl="0" eaLnBrk="1" latinLnBrk="0" hangingPunct="1">
-              <a:defRPr sz="1800" kern="1200">
-                <a:solidFill>
-                  <a:schemeClr val="tx1"/>
-                </a:solidFill>
-                <a:latin typeface="+mn-lt"/>
-                <a:ea typeface="+mn-ea"/>
-                <a:cs typeface="+mn-cs"/>
-              </a:defRPr>
-            </a:lvl7pPr>
-            <a:lvl8pPr marL="3200400" algn="l" defTabSz="914400" rtl="0" eaLnBrk="1" latinLnBrk="0" hangingPunct="1">
-              <a:defRPr sz="1800" kern="1200">
-                <a:solidFill>
-                  <a:schemeClr val="tx1"/>
-                </a:solidFill>
-                <a:latin typeface="+mn-lt"/>
-                <a:ea typeface="+mn-ea"/>
-                <a:cs typeface="+mn-cs"/>
-              </a:defRPr>
-            </a:lvl8pPr>
-            <a:lvl9pPr marL="3657600" algn="l" defTabSz="914400" rtl="0" eaLnBrk="1" latinLnBrk="0" hangingPunct="1">
-              <a:defRPr sz="1800" kern="1200">
-                <a:solidFill>
-                  <a:schemeClr val="tx1"/>
-                </a:solidFill>
-                <a:latin typeface="+mn-lt"/>
-                <a:ea typeface="+mn-ea"/>
-                <a:cs typeface="+mn-cs"/>
-              </a:defRPr>
-            </a:lvl9pPr>
-          </a:lstStyle>
-          <a:p>
-            <a:pPr algn="l"/>
-            <a:r>
-              <a:rPr lang="en-US">
-                <a:cs typeface="Calibri"/>
-              </a:rPr>
-              <a:t>1</a:t>
-            </a:r>
-          </a:p>
-        </p:txBody>
-      </p:sp>
-      <p:sp>
-        <p:nvSpPr>
-          <p:cNvPr id="39" name="TextBox 1">
-            <a:extLst>
-              <a:ext uri="{FF2B5EF4-FFF2-40B4-BE49-F238E27FC236}">
-                <a16:creationId xmlns:a16="http://schemas.microsoft.com/office/drawing/2014/main" id="{1A5EB195-A204-F645-47EC-23B4DF6C6C14}"/>
-              </a:ext>
-            </a:extLst>
-          </p:cNvPr>
-          <p:cNvSpPr txBox="1"/>
-          <p:nvPr/>
-        </p:nvSpPr>
-        <p:spPr>
-          <a:xfrm>
-            <a:off x="927389" y="3299980"/>
-            <a:ext cx="1946563" cy="369332"/>
-          </a:xfrm>
-          <a:prstGeom prst="rect">
-            <a:avLst/>
-          </a:prstGeom>
-          <a:noFill/>
-        </p:spPr>
-        <p:txBody>
-          <a:bodyPr rot="0" spcFirstLastPara="0" vert="horz" wrap="square" lIns="91440" tIns="45720" rIns="91440" bIns="45720" numCol="1" spcCol="0" rtlCol="0" fromWordArt="0" anchor="t" anchorCtr="0" forceAA="0" compatLnSpc="1">
-            <a:prstTxWarp prst="textNoShape">
-              <a:avLst/>
-            </a:prstTxWarp>
-            <a:spAutoFit/>
-          </a:bodyPr>
-          <a:lstStyle>
-            <a:defPPr>
-              <a:defRPr lang="en-US"/>
-            </a:defPPr>
-            <a:lvl1pPr marL="0" algn="l" defTabSz="914400" rtl="0" eaLnBrk="1" latinLnBrk="0" hangingPunct="1">
-              <a:defRPr sz="1800" kern="1200">
-                <a:solidFill>
-                  <a:schemeClr val="tx1"/>
-                </a:solidFill>
-                <a:latin typeface="+mn-lt"/>
-                <a:ea typeface="+mn-ea"/>
-                <a:cs typeface="+mn-cs"/>
-              </a:defRPr>
-            </a:lvl1pPr>
-            <a:lvl2pPr marL="457200" algn="l" defTabSz="914400" rtl="0" eaLnBrk="1" latinLnBrk="0" hangingPunct="1">
-              <a:defRPr sz="1800" kern="1200">
-                <a:solidFill>
-                  <a:schemeClr val="tx1"/>
-                </a:solidFill>
-                <a:latin typeface="+mn-lt"/>
-                <a:ea typeface="+mn-ea"/>
-                <a:cs typeface="+mn-cs"/>
-              </a:defRPr>
-            </a:lvl2pPr>
-            <a:lvl3pPr marL="914400" algn="l" defTabSz="914400" rtl="0" eaLnBrk="1" latinLnBrk="0" hangingPunct="1">
-              <a:defRPr sz="1800" kern="1200">
-                <a:solidFill>
-                  <a:schemeClr val="tx1"/>
-                </a:solidFill>
-                <a:latin typeface="+mn-lt"/>
-                <a:ea typeface="+mn-ea"/>
-                <a:cs typeface="+mn-cs"/>
-              </a:defRPr>
-            </a:lvl3pPr>
-            <a:lvl4pPr marL="1371600" algn="l" defTabSz="914400" rtl="0" eaLnBrk="1" latinLnBrk="0" hangingPunct="1">
-              <a:defRPr sz="1800" kern="1200">
-                <a:solidFill>
-                  <a:schemeClr val="tx1"/>
-                </a:solidFill>
-                <a:latin typeface="+mn-lt"/>
-                <a:ea typeface="+mn-ea"/>
-                <a:cs typeface="+mn-cs"/>
-              </a:defRPr>
-            </a:lvl4pPr>
-            <a:lvl5pPr marL="1828800" algn="l" defTabSz="914400" rtl="0" eaLnBrk="1" latinLnBrk="0" hangingPunct="1">
-              <a:defRPr sz="1800" kern="1200">
-                <a:solidFill>
-                  <a:schemeClr val="tx1"/>
-                </a:solidFill>
-                <a:latin typeface="+mn-lt"/>
-                <a:ea typeface="+mn-ea"/>
-                <a:cs typeface="+mn-cs"/>
-              </a:defRPr>
-            </a:lvl5pPr>
-            <a:lvl6pPr marL="2286000" algn="l" defTabSz="914400" rtl="0" eaLnBrk="1" latinLnBrk="0" hangingPunct="1">
-              <a:defRPr sz="1800" kern="1200">
-                <a:solidFill>
-                  <a:schemeClr val="tx1"/>
-                </a:solidFill>
-                <a:latin typeface="+mn-lt"/>
-                <a:ea typeface="+mn-ea"/>
-                <a:cs typeface="+mn-cs"/>
-              </a:defRPr>
-            </a:lvl6pPr>
-            <a:lvl7pPr marL="2743200" algn="l" defTabSz="914400" rtl="0" eaLnBrk="1" latinLnBrk="0" hangingPunct="1">
-              <a:defRPr sz="1800" kern="1200">
-                <a:solidFill>
-                  <a:schemeClr val="tx1"/>
-                </a:solidFill>
-                <a:latin typeface="+mn-lt"/>
-                <a:ea typeface="+mn-ea"/>
-                <a:cs typeface="+mn-cs"/>
-              </a:defRPr>
-            </a:lvl7pPr>
-            <a:lvl8pPr marL="3200400" algn="l" defTabSz="914400" rtl="0" eaLnBrk="1" latinLnBrk="0" hangingPunct="1">
-              <a:defRPr sz="1800" kern="1200">
-                <a:solidFill>
-                  <a:schemeClr val="tx1"/>
-                </a:solidFill>
-                <a:latin typeface="+mn-lt"/>
-                <a:ea typeface="+mn-ea"/>
-                <a:cs typeface="+mn-cs"/>
-              </a:defRPr>
-            </a:lvl8pPr>
-            <a:lvl9pPr marL="3657600" algn="l" defTabSz="914400" rtl="0" eaLnBrk="1" latinLnBrk="0" hangingPunct="1">
-              <a:defRPr sz="1800" kern="1200">
-                <a:solidFill>
-                  <a:schemeClr val="tx1"/>
-                </a:solidFill>
-                <a:latin typeface="+mn-lt"/>
-                <a:ea typeface="+mn-ea"/>
-                <a:cs typeface="+mn-cs"/>
-              </a:defRPr>
-            </a:lvl9pPr>
-          </a:lstStyle>
-          <a:p>
-            <a:r>
-              <a:rPr lang="en-US" dirty="0">
-                <a:ea typeface="Calibri"/>
-                <a:cs typeface="Calibri"/>
-              </a:rPr>
-              <a:t>Passenger Details</a:t>
-            </a:r>
-          </a:p>
-        </p:txBody>
-      </p:sp>
-      <p:sp>
-        <p:nvSpPr>
-          <p:cNvPr id="40" name="TextBox 2">
-            <a:extLst>
-              <a:ext uri="{FF2B5EF4-FFF2-40B4-BE49-F238E27FC236}">
-                <a16:creationId xmlns:a16="http://schemas.microsoft.com/office/drawing/2014/main" id="{8A391B93-3158-C8F0-9A3E-ABE3536E767A}"/>
-              </a:ext>
-            </a:extLst>
-          </p:cNvPr>
-          <p:cNvSpPr txBox="1"/>
-          <p:nvPr/>
-        </p:nvSpPr>
-        <p:spPr>
-          <a:xfrm>
-            <a:off x="6096866" y="3299979"/>
-            <a:ext cx="2033153" cy="369332"/>
-          </a:xfrm>
-          <a:prstGeom prst="rect">
-            <a:avLst/>
-          </a:prstGeom>
-          <a:noFill/>
-        </p:spPr>
-        <p:txBody>
-          <a:bodyPr rot="0" spcFirstLastPara="0" vert="horz" wrap="square" lIns="91440" tIns="45720" rIns="91440" bIns="45720" numCol="1" spcCol="0" rtlCol="0" fromWordArt="0" anchor="t" anchorCtr="0" forceAA="0" compatLnSpc="1">
-            <a:prstTxWarp prst="textNoShape">
-              <a:avLst/>
-            </a:prstTxWarp>
-            <a:spAutoFit/>
-          </a:bodyPr>
-          <a:lstStyle>
-            <a:defPPr>
-              <a:defRPr lang="en-US"/>
-            </a:defPPr>
-            <a:lvl1pPr marL="0" algn="l" defTabSz="914400" rtl="0" eaLnBrk="1" latinLnBrk="0" hangingPunct="1">
-              <a:defRPr sz="1800" kern="1200">
-                <a:solidFill>
-                  <a:schemeClr val="tx1"/>
-                </a:solidFill>
-                <a:latin typeface="+mn-lt"/>
-                <a:ea typeface="+mn-ea"/>
-                <a:cs typeface="+mn-cs"/>
-              </a:defRPr>
-            </a:lvl1pPr>
-            <a:lvl2pPr marL="457200" algn="l" defTabSz="914400" rtl="0" eaLnBrk="1" latinLnBrk="0" hangingPunct="1">
-              <a:defRPr sz="1800" kern="1200">
-                <a:solidFill>
-                  <a:schemeClr val="tx1"/>
-                </a:solidFill>
-                <a:latin typeface="+mn-lt"/>
-                <a:ea typeface="+mn-ea"/>
-                <a:cs typeface="+mn-cs"/>
-              </a:defRPr>
-            </a:lvl2pPr>
-            <a:lvl3pPr marL="914400" algn="l" defTabSz="914400" rtl="0" eaLnBrk="1" latinLnBrk="0" hangingPunct="1">
-              <a:defRPr sz="1800" kern="1200">
-                <a:solidFill>
-                  <a:schemeClr val="tx1"/>
-                </a:solidFill>
-                <a:latin typeface="+mn-lt"/>
-                <a:ea typeface="+mn-ea"/>
-                <a:cs typeface="+mn-cs"/>
-              </a:defRPr>
-            </a:lvl3pPr>
-            <a:lvl4pPr marL="1371600" algn="l" defTabSz="914400" rtl="0" eaLnBrk="1" latinLnBrk="0" hangingPunct="1">
-              <a:defRPr sz="1800" kern="1200">
-                <a:solidFill>
-                  <a:schemeClr val="tx1"/>
-                </a:solidFill>
-                <a:latin typeface="+mn-lt"/>
-                <a:ea typeface="+mn-ea"/>
-                <a:cs typeface="+mn-cs"/>
-              </a:defRPr>
-            </a:lvl4pPr>
-            <a:lvl5pPr marL="1828800" algn="l" defTabSz="914400" rtl="0" eaLnBrk="1" latinLnBrk="0" hangingPunct="1">
-              <a:defRPr sz="1800" kern="1200">
-                <a:solidFill>
-                  <a:schemeClr val="tx1"/>
-                </a:solidFill>
-                <a:latin typeface="+mn-lt"/>
-                <a:ea typeface="+mn-ea"/>
-                <a:cs typeface="+mn-cs"/>
-              </a:defRPr>
-            </a:lvl5pPr>
-            <a:lvl6pPr marL="2286000" algn="l" defTabSz="914400" rtl="0" eaLnBrk="1" latinLnBrk="0" hangingPunct="1">
-              <a:defRPr sz="1800" kern="1200">
-                <a:solidFill>
-                  <a:schemeClr val="tx1"/>
-                </a:solidFill>
-                <a:latin typeface="+mn-lt"/>
-                <a:ea typeface="+mn-ea"/>
-                <a:cs typeface="+mn-cs"/>
-              </a:defRPr>
-            </a:lvl6pPr>
-            <a:lvl7pPr marL="2743200" algn="l" defTabSz="914400" rtl="0" eaLnBrk="1" latinLnBrk="0" hangingPunct="1">
-              <a:defRPr sz="1800" kern="1200">
-                <a:solidFill>
-                  <a:schemeClr val="tx1"/>
-                </a:solidFill>
-                <a:latin typeface="+mn-lt"/>
-                <a:ea typeface="+mn-ea"/>
-                <a:cs typeface="+mn-cs"/>
-              </a:defRPr>
-            </a:lvl7pPr>
-            <a:lvl8pPr marL="3200400" algn="l" defTabSz="914400" rtl="0" eaLnBrk="1" latinLnBrk="0" hangingPunct="1">
-              <a:defRPr sz="1800" kern="1200">
-                <a:solidFill>
-                  <a:schemeClr val="tx1"/>
-                </a:solidFill>
-                <a:latin typeface="+mn-lt"/>
-                <a:ea typeface="+mn-ea"/>
-                <a:cs typeface="+mn-cs"/>
-              </a:defRPr>
-            </a:lvl8pPr>
-            <a:lvl9pPr marL="3657600" algn="l" defTabSz="914400" rtl="0" eaLnBrk="1" latinLnBrk="0" hangingPunct="1">
-              <a:defRPr sz="1800" kern="1200">
-                <a:solidFill>
-                  <a:schemeClr val="tx1"/>
-                </a:solidFill>
-                <a:latin typeface="+mn-lt"/>
-                <a:ea typeface="+mn-ea"/>
-                <a:cs typeface="+mn-cs"/>
-              </a:defRPr>
-            </a:lvl9pPr>
-          </a:lstStyle>
-          <a:p>
-            <a:r>
-              <a:rPr lang="en-US" dirty="0">
-                <a:cs typeface="Calibri"/>
-              </a:rPr>
-              <a:t> Ticket Details</a:t>
-            </a:r>
-          </a:p>
-        </p:txBody>
-      </p:sp>
-      <p:cxnSp>
-        <p:nvCxnSpPr>
-          <p:cNvPr id="41" name="Straight Arrow Connector 40">
-            <a:extLst>
-              <a:ext uri="{FF2B5EF4-FFF2-40B4-BE49-F238E27FC236}">
-                <a16:creationId xmlns:a16="http://schemas.microsoft.com/office/drawing/2014/main" id="{475B889D-C1B0-D8B4-6558-A4B0DAD77236}"/>
-              </a:ext>
-            </a:extLst>
-          </p:cNvPr>
-          <p:cNvCxnSpPr/>
-          <p:nvPr/>
-        </p:nvCxnSpPr>
-        <p:spPr>
-          <a:xfrm flipV="1">
-            <a:off x="2655744" y="3492211"/>
-            <a:ext cx="3477490" cy="29442"/>
-          </a:xfrm>
-          <a:prstGeom prst="straightConnector1">
-            <a:avLst/>
-          </a:prstGeom>
-          <a:ln>
-            <a:headEnd type="triangle"/>
-            <a:tailEnd type="triangle"/>
-          </a:ln>
-        </p:spPr>
-        <p:style>
-          <a:lnRef idx="1">
-            <a:schemeClr val="accent1"/>
-          </a:lnRef>
-          <a:fillRef idx="0">
-            <a:schemeClr val="accent1"/>
-          </a:fillRef>
-          <a:effectRef idx="0">
-            <a:schemeClr val="accent1"/>
-          </a:effectRef>
-          <a:fontRef idx="minor">
-            <a:schemeClr val="tx1"/>
-          </a:fontRef>
-        </p:style>
-      </p:cxnSp>
-      <p:sp>
-        <p:nvSpPr>
-          <p:cNvPr id="42" name="TextBox 4">
-            <a:extLst>
-              <a:ext uri="{FF2B5EF4-FFF2-40B4-BE49-F238E27FC236}">
-                <a16:creationId xmlns:a16="http://schemas.microsoft.com/office/drawing/2014/main" id="{76073DFE-1979-89F1-17EF-8C002C113AB1}"/>
-              </a:ext>
-            </a:extLst>
-          </p:cNvPr>
-          <p:cNvSpPr txBox="1"/>
-          <p:nvPr/>
-        </p:nvSpPr>
-        <p:spPr>
-          <a:xfrm rot="-10800000" flipV="1">
-            <a:off x="2624571" y="3193062"/>
-            <a:ext cx="327313" cy="369332"/>
-          </a:xfrm>
-          <a:prstGeom prst="rect">
-            <a:avLst/>
-          </a:prstGeom>
-          <a:noFill/>
-        </p:spPr>
-        <p:txBody>
-          <a:bodyPr rot="0" spcFirstLastPara="0" vert="horz" wrap="square" lIns="91440" tIns="45720" rIns="91440" bIns="45720" numCol="1" spcCol="0" rtlCol="0" fromWordArt="0" anchor="t" anchorCtr="0" forceAA="0" compatLnSpc="1">
-            <a:prstTxWarp prst="textNoShape">
-              <a:avLst/>
-            </a:prstTxWarp>
-            <a:spAutoFit/>
-          </a:bodyPr>
-          <a:lstStyle>
-            <a:defPPr>
-              <a:defRPr lang="en-US"/>
-            </a:defPPr>
-            <a:lvl1pPr marL="0" algn="l" defTabSz="914400" rtl="0" eaLnBrk="1" latinLnBrk="0" hangingPunct="1">
-              <a:defRPr sz="1800" kern="1200">
-                <a:solidFill>
-                  <a:schemeClr val="tx1"/>
-                </a:solidFill>
-                <a:latin typeface="+mn-lt"/>
-                <a:ea typeface="+mn-ea"/>
-                <a:cs typeface="+mn-cs"/>
-              </a:defRPr>
-            </a:lvl1pPr>
-            <a:lvl2pPr marL="457200" algn="l" defTabSz="914400" rtl="0" eaLnBrk="1" latinLnBrk="0" hangingPunct="1">
-              <a:defRPr sz="1800" kern="1200">
-                <a:solidFill>
-                  <a:schemeClr val="tx1"/>
-                </a:solidFill>
-                <a:latin typeface="+mn-lt"/>
-                <a:ea typeface="+mn-ea"/>
-                <a:cs typeface="+mn-cs"/>
-              </a:defRPr>
-            </a:lvl2pPr>
-            <a:lvl3pPr marL="914400" algn="l" defTabSz="914400" rtl="0" eaLnBrk="1" latinLnBrk="0" hangingPunct="1">
-              <a:defRPr sz="1800" kern="1200">
-                <a:solidFill>
-                  <a:schemeClr val="tx1"/>
-                </a:solidFill>
-                <a:latin typeface="+mn-lt"/>
-                <a:ea typeface="+mn-ea"/>
-                <a:cs typeface="+mn-cs"/>
-              </a:defRPr>
-            </a:lvl3pPr>
-            <a:lvl4pPr marL="1371600" algn="l" defTabSz="914400" rtl="0" eaLnBrk="1" latinLnBrk="0" hangingPunct="1">
-              <a:defRPr sz="1800" kern="1200">
-                <a:solidFill>
-                  <a:schemeClr val="tx1"/>
-                </a:solidFill>
-                <a:latin typeface="+mn-lt"/>
-                <a:ea typeface="+mn-ea"/>
-                <a:cs typeface="+mn-cs"/>
-              </a:defRPr>
-            </a:lvl4pPr>
-            <a:lvl5pPr marL="1828800" algn="l" defTabSz="914400" rtl="0" eaLnBrk="1" latinLnBrk="0" hangingPunct="1">
-              <a:defRPr sz="1800" kern="1200">
-                <a:solidFill>
-                  <a:schemeClr val="tx1"/>
-                </a:solidFill>
-                <a:latin typeface="+mn-lt"/>
-                <a:ea typeface="+mn-ea"/>
-                <a:cs typeface="+mn-cs"/>
-              </a:defRPr>
-            </a:lvl5pPr>
-            <a:lvl6pPr marL="2286000" algn="l" defTabSz="914400" rtl="0" eaLnBrk="1" latinLnBrk="0" hangingPunct="1">
-              <a:defRPr sz="1800" kern="1200">
-                <a:solidFill>
-                  <a:schemeClr val="tx1"/>
-                </a:solidFill>
-                <a:latin typeface="+mn-lt"/>
-                <a:ea typeface="+mn-ea"/>
-                <a:cs typeface="+mn-cs"/>
-              </a:defRPr>
-            </a:lvl6pPr>
-            <a:lvl7pPr marL="2743200" algn="l" defTabSz="914400" rtl="0" eaLnBrk="1" latinLnBrk="0" hangingPunct="1">
-              <a:defRPr sz="1800" kern="1200">
-                <a:solidFill>
-                  <a:schemeClr val="tx1"/>
-                </a:solidFill>
-                <a:latin typeface="+mn-lt"/>
-                <a:ea typeface="+mn-ea"/>
-                <a:cs typeface="+mn-cs"/>
-              </a:defRPr>
-            </a:lvl7pPr>
-            <a:lvl8pPr marL="3200400" algn="l" defTabSz="914400" rtl="0" eaLnBrk="1" latinLnBrk="0" hangingPunct="1">
-              <a:defRPr sz="1800" kern="1200">
-                <a:solidFill>
-                  <a:schemeClr val="tx1"/>
-                </a:solidFill>
-                <a:latin typeface="+mn-lt"/>
-                <a:ea typeface="+mn-ea"/>
-                <a:cs typeface="+mn-cs"/>
-              </a:defRPr>
-            </a:lvl8pPr>
-            <a:lvl9pPr marL="3657600" algn="l" defTabSz="914400" rtl="0" eaLnBrk="1" latinLnBrk="0" hangingPunct="1">
-              <a:defRPr sz="1800" kern="1200">
-                <a:solidFill>
-                  <a:schemeClr val="tx1"/>
-                </a:solidFill>
-                <a:latin typeface="+mn-lt"/>
-                <a:ea typeface="+mn-ea"/>
-                <a:cs typeface="+mn-cs"/>
-              </a:defRPr>
-            </a:lvl9pPr>
-          </a:lstStyle>
-          <a:p>
-            <a:pPr algn="l"/>
-            <a:r>
-              <a:rPr lang="en-US" dirty="0">
-                <a:ea typeface="Calibri"/>
-                <a:cs typeface="Calibri"/>
-              </a:rPr>
-              <a:t>M</a:t>
-            </a:r>
-          </a:p>
-        </p:txBody>
-      </p:sp>
-      <p:sp>
-        <p:nvSpPr>
-          <p:cNvPr id="43" name="TextBox 5">
-            <a:extLst>
-              <a:ext uri="{FF2B5EF4-FFF2-40B4-BE49-F238E27FC236}">
-                <a16:creationId xmlns:a16="http://schemas.microsoft.com/office/drawing/2014/main" id="{DFE5FE7F-2116-B53D-9C6B-C93FC7F86B5E}"/>
-              </a:ext>
-            </a:extLst>
-          </p:cNvPr>
-          <p:cNvSpPr txBox="1"/>
-          <p:nvPr/>
-        </p:nvSpPr>
-        <p:spPr>
-          <a:xfrm rot="-10800000" flipV="1">
-            <a:off x="5819775" y="3158425"/>
-            <a:ext cx="327313" cy="369332"/>
-          </a:xfrm>
-          <a:prstGeom prst="rect">
-            <a:avLst/>
-          </a:prstGeom>
-          <a:noFill/>
-        </p:spPr>
-        <p:txBody>
-          <a:bodyPr rot="0" spcFirstLastPara="0" vert="horz" wrap="square" lIns="91440" tIns="45720" rIns="91440" bIns="45720" numCol="1" spcCol="0" rtlCol="0" fromWordArt="0" anchor="t" anchorCtr="0" forceAA="0" compatLnSpc="1">
-            <a:prstTxWarp prst="textNoShape">
-              <a:avLst/>
-            </a:prstTxWarp>
-            <a:spAutoFit/>
-          </a:bodyPr>
-          <a:lstStyle>
-            <a:defPPr>
-              <a:defRPr lang="en-US"/>
-            </a:defPPr>
-            <a:lvl1pPr marL="0" algn="l" defTabSz="914400" rtl="0" eaLnBrk="1" latinLnBrk="0" hangingPunct="1">
-              <a:defRPr sz="1800" kern="1200">
-                <a:solidFill>
-                  <a:schemeClr val="tx1"/>
-                </a:solidFill>
-                <a:latin typeface="+mn-lt"/>
-                <a:ea typeface="+mn-ea"/>
-                <a:cs typeface="+mn-cs"/>
-              </a:defRPr>
-            </a:lvl1pPr>
-            <a:lvl2pPr marL="457200" algn="l" defTabSz="914400" rtl="0" eaLnBrk="1" latinLnBrk="0" hangingPunct="1">
-              <a:defRPr sz="1800" kern="1200">
-                <a:solidFill>
-                  <a:schemeClr val="tx1"/>
-                </a:solidFill>
-                <a:latin typeface="+mn-lt"/>
-                <a:ea typeface="+mn-ea"/>
-                <a:cs typeface="+mn-cs"/>
-              </a:defRPr>
-            </a:lvl2pPr>
-            <a:lvl3pPr marL="914400" algn="l" defTabSz="914400" rtl="0" eaLnBrk="1" latinLnBrk="0" hangingPunct="1">
-              <a:defRPr sz="1800" kern="1200">
-                <a:solidFill>
-                  <a:schemeClr val="tx1"/>
-                </a:solidFill>
-                <a:latin typeface="+mn-lt"/>
-                <a:ea typeface="+mn-ea"/>
-                <a:cs typeface="+mn-cs"/>
-              </a:defRPr>
-            </a:lvl3pPr>
-            <a:lvl4pPr marL="1371600" algn="l" defTabSz="914400" rtl="0" eaLnBrk="1" latinLnBrk="0" hangingPunct="1">
-              <a:defRPr sz="1800" kern="1200">
-                <a:solidFill>
-                  <a:schemeClr val="tx1"/>
-                </a:solidFill>
-                <a:latin typeface="+mn-lt"/>
-                <a:ea typeface="+mn-ea"/>
-                <a:cs typeface="+mn-cs"/>
-              </a:defRPr>
-            </a:lvl4pPr>
-            <a:lvl5pPr marL="1828800" algn="l" defTabSz="914400" rtl="0" eaLnBrk="1" latinLnBrk="0" hangingPunct="1">
-              <a:defRPr sz="1800" kern="1200">
-                <a:solidFill>
-                  <a:schemeClr val="tx1"/>
-                </a:solidFill>
-                <a:latin typeface="+mn-lt"/>
-                <a:ea typeface="+mn-ea"/>
-                <a:cs typeface="+mn-cs"/>
-              </a:defRPr>
-            </a:lvl5pPr>
-            <a:lvl6pPr marL="2286000" algn="l" defTabSz="914400" rtl="0" eaLnBrk="1" latinLnBrk="0" hangingPunct="1">
-              <a:defRPr sz="1800" kern="1200">
-                <a:solidFill>
-                  <a:schemeClr val="tx1"/>
-                </a:solidFill>
-                <a:latin typeface="+mn-lt"/>
-                <a:ea typeface="+mn-ea"/>
-                <a:cs typeface="+mn-cs"/>
-              </a:defRPr>
-            </a:lvl6pPr>
-            <a:lvl7pPr marL="2743200" algn="l" defTabSz="914400" rtl="0" eaLnBrk="1" latinLnBrk="0" hangingPunct="1">
-              <a:defRPr sz="1800" kern="1200">
-                <a:solidFill>
-                  <a:schemeClr val="tx1"/>
-                </a:solidFill>
-                <a:latin typeface="+mn-lt"/>
-                <a:ea typeface="+mn-ea"/>
-                <a:cs typeface="+mn-cs"/>
-              </a:defRPr>
-            </a:lvl7pPr>
-            <a:lvl8pPr marL="3200400" algn="l" defTabSz="914400" rtl="0" eaLnBrk="1" latinLnBrk="0" hangingPunct="1">
-              <a:defRPr sz="1800" kern="1200">
-                <a:solidFill>
-                  <a:schemeClr val="tx1"/>
-                </a:solidFill>
-                <a:latin typeface="+mn-lt"/>
-                <a:ea typeface="+mn-ea"/>
-                <a:cs typeface="+mn-cs"/>
-              </a:defRPr>
-            </a:lvl8pPr>
-            <a:lvl9pPr marL="3657600" algn="l" defTabSz="914400" rtl="0" eaLnBrk="1" latinLnBrk="0" hangingPunct="1">
-              <a:defRPr sz="1800" kern="1200">
-                <a:solidFill>
-                  <a:schemeClr val="tx1"/>
-                </a:solidFill>
-                <a:latin typeface="+mn-lt"/>
-                <a:ea typeface="+mn-ea"/>
-                <a:cs typeface="+mn-cs"/>
-              </a:defRPr>
-            </a:lvl9pPr>
-          </a:lstStyle>
-          <a:p>
-            <a:pPr algn="l"/>
-            <a:r>
-              <a:rPr lang="en-US">
-                <a:cs typeface="Calibri"/>
-              </a:rPr>
-              <a:t>1</a:t>
-            </a:r>
-          </a:p>
-        </p:txBody>
-      </p:sp>
-      <p:sp>
-        <p:nvSpPr>
-          <p:cNvPr id="44" name="TextBox 1">
-            <a:extLst>
-              <a:ext uri="{FF2B5EF4-FFF2-40B4-BE49-F238E27FC236}">
-                <a16:creationId xmlns:a16="http://schemas.microsoft.com/office/drawing/2014/main" id="{1A5EB195-A204-F645-47EC-23B4DF6C6C14}"/>
-              </a:ext>
-            </a:extLst>
-          </p:cNvPr>
-          <p:cNvSpPr txBox="1"/>
-          <p:nvPr/>
-        </p:nvSpPr>
-        <p:spPr>
-          <a:xfrm>
-            <a:off x="1711036" y="3997036"/>
-            <a:ext cx="1175904" cy="369332"/>
-          </a:xfrm>
-          <a:prstGeom prst="rect">
-            <a:avLst/>
-          </a:prstGeom>
-          <a:noFill/>
-        </p:spPr>
-        <p:txBody>
-          <a:bodyPr rot="0" spcFirstLastPara="0" vert="horz" wrap="square" lIns="91440" tIns="45720" rIns="91440" bIns="45720" numCol="1" spcCol="0" rtlCol="0" fromWordArt="0" anchor="t" anchorCtr="0" forceAA="0" compatLnSpc="1">
-            <a:prstTxWarp prst="textNoShape">
-              <a:avLst/>
-            </a:prstTxWarp>
-            <a:spAutoFit/>
-          </a:bodyPr>
-          <a:lstStyle>
-            <a:defPPr>
-              <a:defRPr lang="en-US"/>
-            </a:defPPr>
-            <a:lvl1pPr marL="0" algn="l" defTabSz="914400" rtl="0" eaLnBrk="1" latinLnBrk="0" hangingPunct="1">
-              <a:defRPr sz="1800" kern="1200">
-                <a:solidFill>
-                  <a:schemeClr val="tx1"/>
-                </a:solidFill>
-                <a:latin typeface="+mn-lt"/>
-                <a:ea typeface="+mn-ea"/>
-                <a:cs typeface="+mn-cs"/>
-              </a:defRPr>
-            </a:lvl1pPr>
-            <a:lvl2pPr marL="457200" algn="l" defTabSz="914400" rtl="0" eaLnBrk="1" latinLnBrk="0" hangingPunct="1">
-              <a:defRPr sz="1800" kern="1200">
-                <a:solidFill>
-                  <a:schemeClr val="tx1"/>
-                </a:solidFill>
-                <a:latin typeface="+mn-lt"/>
-                <a:ea typeface="+mn-ea"/>
-                <a:cs typeface="+mn-cs"/>
-              </a:defRPr>
-            </a:lvl2pPr>
-            <a:lvl3pPr marL="914400" algn="l" defTabSz="914400" rtl="0" eaLnBrk="1" latinLnBrk="0" hangingPunct="1">
-              <a:defRPr sz="1800" kern="1200">
-                <a:solidFill>
-                  <a:schemeClr val="tx1"/>
-                </a:solidFill>
-                <a:latin typeface="+mn-lt"/>
-                <a:ea typeface="+mn-ea"/>
-                <a:cs typeface="+mn-cs"/>
-              </a:defRPr>
-            </a:lvl3pPr>
-            <a:lvl4pPr marL="1371600" algn="l" defTabSz="914400" rtl="0" eaLnBrk="1" latinLnBrk="0" hangingPunct="1">
-              <a:defRPr sz="1800" kern="1200">
-                <a:solidFill>
-                  <a:schemeClr val="tx1"/>
-                </a:solidFill>
-                <a:latin typeface="+mn-lt"/>
-                <a:ea typeface="+mn-ea"/>
-                <a:cs typeface="+mn-cs"/>
-              </a:defRPr>
-            </a:lvl4pPr>
-            <a:lvl5pPr marL="1828800" algn="l" defTabSz="914400" rtl="0" eaLnBrk="1" latinLnBrk="0" hangingPunct="1">
-              <a:defRPr sz="1800" kern="1200">
-                <a:solidFill>
-                  <a:schemeClr val="tx1"/>
-                </a:solidFill>
-                <a:latin typeface="+mn-lt"/>
-                <a:ea typeface="+mn-ea"/>
-                <a:cs typeface="+mn-cs"/>
-              </a:defRPr>
-            </a:lvl5pPr>
-            <a:lvl6pPr marL="2286000" algn="l" defTabSz="914400" rtl="0" eaLnBrk="1" latinLnBrk="0" hangingPunct="1">
-              <a:defRPr sz="1800" kern="1200">
-                <a:solidFill>
-                  <a:schemeClr val="tx1"/>
-                </a:solidFill>
-                <a:latin typeface="+mn-lt"/>
-                <a:ea typeface="+mn-ea"/>
-                <a:cs typeface="+mn-cs"/>
-              </a:defRPr>
-            </a:lvl6pPr>
-            <a:lvl7pPr marL="2743200" algn="l" defTabSz="914400" rtl="0" eaLnBrk="1" latinLnBrk="0" hangingPunct="1">
-              <a:defRPr sz="1800" kern="1200">
-                <a:solidFill>
-                  <a:schemeClr val="tx1"/>
-                </a:solidFill>
-                <a:latin typeface="+mn-lt"/>
-                <a:ea typeface="+mn-ea"/>
-                <a:cs typeface="+mn-cs"/>
-              </a:defRPr>
-            </a:lvl7pPr>
-            <a:lvl8pPr marL="3200400" algn="l" defTabSz="914400" rtl="0" eaLnBrk="1" latinLnBrk="0" hangingPunct="1">
-              <a:defRPr sz="1800" kern="1200">
-                <a:solidFill>
-                  <a:schemeClr val="tx1"/>
-                </a:solidFill>
-                <a:latin typeface="+mn-lt"/>
-                <a:ea typeface="+mn-ea"/>
-                <a:cs typeface="+mn-cs"/>
-              </a:defRPr>
-            </a:lvl8pPr>
-            <a:lvl9pPr marL="3657600" algn="l" defTabSz="914400" rtl="0" eaLnBrk="1" latinLnBrk="0" hangingPunct="1">
-              <a:defRPr sz="1800" kern="1200">
-                <a:solidFill>
-                  <a:schemeClr val="tx1"/>
-                </a:solidFill>
-                <a:latin typeface="+mn-lt"/>
-                <a:ea typeface="+mn-ea"/>
-                <a:cs typeface="+mn-cs"/>
-              </a:defRPr>
-            </a:lvl9pPr>
-          </a:lstStyle>
-          <a:p>
-            <a:r>
-              <a:rPr lang="en-US" dirty="0">
-                <a:ea typeface="Calibri"/>
-                <a:cs typeface="Calibri"/>
-              </a:rPr>
-              <a:t>Payment</a:t>
-            </a:r>
-          </a:p>
-        </p:txBody>
-      </p:sp>
-      <p:sp>
-        <p:nvSpPr>
-          <p:cNvPr id="45" name="TextBox 2">
-            <a:extLst>
-              <a:ext uri="{FF2B5EF4-FFF2-40B4-BE49-F238E27FC236}">
-                <a16:creationId xmlns:a16="http://schemas.microsoft.com/office/drawing/2014/main" id="{8A391B93-3158-C8F0-9A3E-ABE3536E767A}"/>
-              </a:ext>
-            </a:extLst>
-          </p:cNvPr>
-          <p:cNvSpPr txBox="1"/>
-          <p:nvPr/>
-        </p:nvSpPr>
-        <p:spPr>
-          <a:xfrm>
-            <a:off x="6109854" y="3997035"/>
-            <a:ext cx="2033153" cy="369332"/>
-          </a:xfrm>
-          <a:prstGeom prst="rect">
-            <a:avLst/>
-          </a:prstGeom>
-          <a:noFill/>
-        </p:spPr>
-        <p:txBody>
-          <a:bodyPr rot="0" spcFirstLastPara="0" vert="horz" wrap="square" lIns="91440" tIns="45720" rIns="91440" bIns="45720" numCol="1" spcCol="0" rtlCol="0" fromWordArt="0" anchor="t" anchorCtr="0" forceAA="0" compatLnSpc="1">
-            <a:prstTxWarp prst="textNoShape">
-              <a:avLst/>
-            </a:prstTxWarp>
-            <a:spAutoFit/>
-          </a:bodyPr>
-          <a:lstStyle>
-            <a:defPPr>
-              <a:defRPr lang="en-US"/>
-            </a:defPPr>
-            <a:lvl1pPr marL="0" algn="l" defTabSz="914400" rtl="0" eaLnBrk="1" latinLnBrk="0" hangingPunct="1">
-              <a:defRPr sz="1800" kern="1200">
-                <a:solidFill>
-                  <a:schemeClr val="tx1"/>
-                </a:solidFill>
-                <a:latin typeface="+mn-lt"/>
-                <a:ea typeface="+mn-ea"/>
-                <a:cs typeface="+mn-cs"/>
-              </a:defRPr>
-            </a:lvl1pPr>
-            <a:lvl2pPr marL="457200" algn="l" defTabSz="914400" rtl="0" eaLnBrk="1" latinLnBrk="0" hangingPunct="1">
-              <a:defRPr sz="1800" kern="1200">
-                <a:solidFill>
-                  <a:schemeClr val="tx1"/>
-                </a:solidFill>
-                <a:latin typeface="+mn-lt"/>
-                <a:ea typeface="+mn-ea"/>
-                <a:cs typeface="+mn-cs"/>
-              </a:defRPr>
-            </a:lvl2pPr>
-            <a:lvl3pPr marL="914400" algn="l" defTabSz="914400" rtl="0" eaLnBrk="1" latinLnBrk="0" hangingPunct="1">
-              <a:defRPr sz="1800" kern="1200">
-                <a:solidFill>
-                  <a:schemeClr val="tx1"/>
-                </a:solidFill>
-                <a:latin typeface="+mn-lt"/>
-                <a:ea typeface="+mn-ea"/>
-                <a:cs typeface="+mn-cs"/>
-              </a:defRPr>
-            </a:lvl3pPr>
-            <a:lvl4pPr marL="1371600" algn="l" defTabSz="914400" rtl="0" eaLnBrk="1" latinLnBrk="0" hangingPunct="1">
-              <a:defRPr sz="1800" kern="1200">
-                <a:solidFill>
-                  <a:schemeClr val="tx1"/>
-                </a:solidFill>
-                <a:latin typeface="+mn-lt"/>
-                <a:ea typeface="+mn-ea"/>
-                <a:cs typeface="+mn-cs"/>
-              </a:defRPr>
-            </a:lvl4pPr>
-            <a:lvl5pPr marL="1828800" algn="l" defTabSz="914400" rtl="0" eaLnBrk="1" latinLnBrk="0" hangingPunct="1">
-              <a:defRPr sz="1800" kern="1200">
-                <a:solidFill>
-                  <a:schemeClr val="tx1"/>
-                </a:solidFill>
-                <a:latin typeface="+mn-lt"/>
-                <a:ea typeface="+mn-ea"/>
-                <a:cs typeface="+mn-cs"/>
-              </a:defRPr>
-            </a:lvl5pPr>
-            <a:lvl6pPr marL="2286000" algn="l" defTabSz="914400" rtl="0" eaLnBrk="1" latinLnBrk="0" hangingPunct="1">
-              <a:defRPr sz="1800" kern="1200">
-                <a:solidFill>
-                  <a:schemeClr val="tx1"/>
-                </a:solidFill>
-                <a:latin typeface="+mn-lt"/>
-                <a:ea typeface="+mn-ea"/>
-                <a:cs typeface="+mn-cs"/>
-              </a:defRPr>
-            </a:lvl6pPr>
-            <a:lvl7pPr marL="2743200" algn="l" defTabSz="914400" rtl="0" eaLnBrk="1" latinLnBrk="0" hangingPunct="1">
-              <a:defRPr sz="1800" kern="1200">
-                <a:solidFill>
-                  <a:schemeClr val="tx1"/>
-                </a:solidFill>
-                <a:latin typeface="+mn-lt"/>
-                <a:ea typeface="+mn-ea"/>
-                <a:cs typeface="+mn-cs"/>
-              </a:defRPr>
-            </a:lvl7pPr>
-            <a:lvl8pPr marL="3200400" algn="l" defTabSz="914400" rtl="0" eaLnBrk="1" latinLnBrk="0" hangingPunct="1">
-              <a:defRPr sz="1800" kern="1200">
-                <a:solidFill>
-                  <a:schemeClr val="tx1"/>
-                </a:solidFill>
-                <a:latin typeface="+mn-lt"/>
-                <a:ea typeface="+mn-ea"/>
-                <a:cs typeface="+mn-cs"/>
-              </a:defRPr>
-            </a:lvl8pPr>
-            <a:lvl9pPr marL="3657600" algn="l" defTabSz="914400" rtl="0" eaLnBrk="1" latinLnBrk="0" hangingPunct="1">
-              <a:defRPr sz="1800" kern="1200">
-                <a:solidFill>
-                  <a:schemeClr val="tx1"/>
-                </a:solidFill>
-                <a:latin typeface="+mn-lt"/>
-                <a:ea typeface="+mn-ea"/>
-                <a:cs typeface="+mn-cs"/>
-              </a:defRPr>
-            </a:lvl9pPr>
-          </a:lstStyle>
-          <a:p>
-            <a:r>
-              <a:rPr lang="en-US" dirty="0">
-                <a:cs typeface="Calibri"/>
-              </a:rPr>
-              <a:t> Ticket Details</a:t>
-            </a:r>
-          </a:p>
-        </p:txBody>
-      </p:sp>
-      <p:cxnSp>
-        <p:nvCxnSpPr>
-          <p:cNvPr id="46" name="Straight Arrow Connector 45">
-            <a:extLst>
-              <a:ext uri="{FF2B5EF4-FFF2-40B4-BE49-F238E27FC236}">
-                <a16:creationId xmlns:a16="http://schemas.microsoft.com/office/drawing/2014/main" id="{475B889D-C1B0-D8B4-6558-A4B0DAD77236}"/>
-              </a:ext>
-            </a:extLst>
-          </p:cNvPr>
-          <p:cNvCxnSpPr/>
-          <p:nvPr/>
-        </p:nvCxnSpPr>
-        <p:spPr>
-          <a:xfrm flipV="1">
-            <a:off x="2668732" y="4189267"/>
-            <a:ext cx="3477490" cy="29442"/>
-          </a:xfrm>
-          <a:prstGeom prst="straightConnector1">
-            <a:avLst/>
-          </a:prstGeom>
-          <a:ln>
-            <a:headEnd type="triangle"/>
-            <a:tailEnd type="triangle"/>
-          </a:ln>
-        </p:spPr>
-        <p:style>
-          <a:lnRef idx="1">
-            <a:schemeClr val="accent1"/>
-          </a:lnRef>
-          <a:fillRef idx="0">
-            <a:schemeClr val="accent1"/>
-          </a:fillRef>
-          <a:effectRef idx="0">
-            <a:schemeClr val="accent1"/>
-          </a:effectRef>
-          <a:fontRef idx="minor">
-            <a:schemeClr val="tx1"/>
-          </a:fontRef>
-        </p:style>
-      </p:cxnSp>
-      <p:sp>
-        <p:nvSpPr>
-          <p:cNvPr id="47" name="TextBox 4">
-            <a:extLst>
-              <a:ext uri="{FF2B5EF4-FFF2-40B4-BE49-F238E27FC236}">
-                <a16:creationId xmlns:a16="http://schemas.microsoft.com/office/drawing/2014/main" id="{76073DFE-1979-89F1-17EF-8C002C113AB1}"/>
-              </a:ext>
-            </a:extLst>
-          </p:cNvPr>
-          <p:cNvSpPr txBox="1"/>
-          <p:nvPr/>
-        </p:nvSpPr>
-        <p:spPr>
-          <a:xfrm rot="-10800000" flipV="1">
-            <a:off x="2637559" y="3890118"/>
-            <a:ext cx="327313" cy="369332"/>
-          </a:xfrm>
-          <a:prstGeom prst="rect">
-            <a:avLst/>
-          </a:prstGeom>
-          <a:noFill/>
-        </p:spPr>
-        <p:txBody>
-          <a:bodyPr rot="0" spcFirstLastPara="0" vert="horz" wrap="square" lIns="91440" tIns="45720" rIns="91440" bIns="45720" numCol="1" spcCol="0" rtlCol="0" fromWordArt="0" anchor="t" anchorCtr="0" forceAA="0" compatLnSpc="1">
-            <a:prstTxWarp prst="textNoShape">
-              <a:avLst/>
-            </a:prstTxWarp>
-            <a:spAutoFit/>
-          </a:bodyPr>
-          <a:lstStyle>
-            <a:defPPr>
-              <a:defRPr lang="en-US"/>
-            </a:defPPr>
-            <a:lvl1pPr marL="0" algn="l" defTabSz="914400" rtl="0" eaLnBrk="1" latinLnBrk="0" hangingPunct="1">
-              <a:defRPr sz="1800" kern="1200">
-                <a:solidFill>
-                  <a:schemeClr val="tx1"/>
-                </a:solidFill>
-                <a:latin typeface="+mn-lt"/>
-                <a:ea typeface="+mn-ea"/>
-                <a:cs typeface="+mn-cs"/>
-              </a:defRPr>
-            </a:lvl1pPr>
-            <a:lvl2pPr marL="457200" algn="l" defTabSz="914400" rtl="0" eaLnBrk="1" latinLnBrk="0" hangingPunct="1">
-              <a:defRPr sz="1800" kern="1200">
-                <a:solidFill>
-                  <a:schemeClr val="tx1"/>
-                </a:solidFill>
-                <a:latin typeface="+mn-lt"/>
-                <a:ea typeface="+mn-ea"/>
-                <a:cs typeface="+mn-cs"/>
-              </a:defRPr>
-            </a:lvl2pPr>
-            <a:lvl3pPr marL="914400" algn="l" defTabSz="914400" rtl="0" eaLnBrk="1" latinLnBrk="0" hangingPunct="1">
-              <a:defRPr sz="1800" kern="1200">
-                <a:solidFill>
-                  <a:schemeClr val="tx1"/>
-                </a:solidFill>
-                <a:latin typeface="+mn-lt"/>
-                <a:ea typeface="+mn-ea"/>
-                <a:cs typeface="+mn-cs"/>
-              </a:defRPr>
-            </a:lvl3pPr>
-            <a:lvl4pPr marL="1371600" algn="l" defTabSz="914400" rtl="0" eaLnBrk="1" latinLnBrk="0" hangingPunct="1">
-              <a:defRPr sz="1800" kern="1200">
-                <a:solidFill>
-                  <a:schemeClr val="tx1"/>
-                </a:solidFill>
-                <a:latin typeface="+mn-lt"/>
-                <a:ea typeface="+mn-ea"/>
-                <a:cs typeface="+mn-cs"/>
-              </a:defRPr>
-            </a:lvl4pPr>
-            <a:lvl5pPr marL="1828800" algn="l" defTabSz="914400" rtl="0" eaLnBrk="1" latinLnBrk="0" hangingPunct="1">
-              <a:defRPr sz="1800" kern="1200">
-                <a:solidFill>
-                  <a:schemeClr val="tx1"/>
-                </a:solidFill>
-                <a:latin typeface="+mn-lt"/>
-                <a:ea typeface="+mn-ea"/>
-                <a:cs typeface="+mn-cs"/>
-              </a:defRPr>
-            </a:lvl5pPr>
-            <a:lvl6pPr marL="2286000" algn="l" defTabSz="914400" rtl="0" eaLnBrk="1" latinLnBrk="0" hangingPunct="1">
-              <a:defRPr sz="1800" kern="1200">
-                <a:solidFill>
-                  <a:schemeClr val="tx1"/>
-                </a:solidFill>
-                <a:latin typeface="+mn-lt"/>
-                <a:ea typeface="+mn-ea"/>
-                <a:cs typeface="+mn-cs"/>
-              </a:defRPr>
-            </a:lvl6pPr>
-            <a:lvl7pPr marL="2743200" algn="l" defTabSz="914400" rtl="0" eaLnBrk="1" latinLnBrk="0" hangingPunct="1">
-              <a:defRPr sz="1800" kern="1200">
-                <a:solidFill>
-                  <a:schemeClr val="tx1"/>
-                </a:solidFill>
-                <a:latin typeface="+mn-lt"/>
-                <a:ea typeface="+mn-ea"/>
-                <a:cs typeface="+mn-cs"/>
-              </a:defRPr>
-            </a:lvl7pPr>
-            <a:lvl8pPr marL="3200400" algn="l" defTabSz="914400" rtl="0" eaLnBrk="1" latinLnBrk="0" hangingPunct="1">
-              <a:defRPr sz="1800" kern="1200">
-                <a:solidFill>
-                  <a:schemeClr val="tx1"/>
-                </a:solidFill>
-                <a:latin typeface="+mn-lt"/>
-                <a:ea typeface="+mn-ea"/>
-                <a:cs typeface="+mn-cs"/>
-              </a:defRPr>
-            </a:lvl8pPr>
-            <a:lvl9pPr marL="3657600" algn="l" defTabSz="914400" rtl="0" eaLnBrk="1" latinLnBrk="0" hangingPunct="1">
-              <a:defRPr sz="1800" kern="1200">
-                <a:solidFill>
-                  <a:schemeClr val="tx1"/>
-                </a:solidFill>
-                <a:latin typeface="+mn-lt"/>
-                <a:ea typeface="+mn-ea"/>
-                <a:cs typeface="+mn-cs"/>
-              </a:defRPr>
-            </a:lvl9pPr>
-          </a:lstStyle>
-          <a:p>
-            <a:pPr algn="l"/>
-            <a:r>
-              <a:rPr lang="en-US">
-                <a:cs typeface="Calibri"/>
-              </a:rPr>
-              <a:t>1</a:t>
-            </a:r>
-          </a:p>
-        </p:txBody>
-      </p:sp>
-      <p:sp>
-        <p:nvSpPr>
-          <p:cNvPr id="48" name="TextBox 5">
-            <a:extLst>
-              <a:ext uri="{FF2B5EF4-FFF2-40B4-BE49-F238E27FC236}">
-                <a16:creationId xmlns:a16="http://schemas.microsoft.com/office/drawing/2014/main" id="{DFE5FE7F-2116-B53D-9C6B-C93FC7F86B5E}"/>
-              </a:ext>
-            </a:extLst>
-          </p:cNvPr>
-          <p:cNvSpPr txBox="1"/>
-          <p:nvPr/>
-        </p:nvSpPr>
-        <p:spPr>
-          <a:xfrm rot="-10800000" flipV="1">
-            <a:off x="5832763" y="3855481"/>
-            <a:ext cx="327313" cy="369332"/>
-          </a:xfrm>
-          <a:prstGeom prst="rect">
-            <a:avLst/>
-          </a:prstGeom>
-          <a:noFill/>
-        </p:spPr>
-        <p:txBody>
-          <a:bodyPr rot="0" spcFirstLastPara="0" vert="horz" wrap="square" lIns="91440" tIns="45720" rIns="91440" bIns="45720" numCol="1" spcCol="0" rtlCol="0" fromWordArt="0" anchor="t" anchorCtr="0" forceAA="0" compatLnSpc="1">
-            <a:prstTxWarp prst="textNoShape">
-              <a:avLst/>
-            </a:prstTxWarp>
-            <a:spAutoFit/>
-          </a:bodyPr>
-          <a:lstStyle>
-            <a:defPPr>
-              <a:defRPr lang="en-US"/>
-            </a:defPPr>
-            <a:lvl1pPr marL="0" algn="l" defTabSz="914400" rtl="0" eaLnBrk="1" latinLnBrk="0" hangingPunct="1">
-              <a:defRPr sz="1800" kern="1200">
-                <a:solidFill>
-                  <a:schemeClr val="tx1"/>
-                </a:solidFill>
-                <a:latin typeface="+mn-lt"/>
-                <a:ea typeface="+mn-ea"/>
-                <a:cs typeface="+mn-cs"/>
-              </a:defRPr>
-            </a:lvl1pPr>
-            <a:lvl2pPr marL="457200" algn="l" defTabSz="914400" rtl="0" eaLnBrk="1" latinLnBrk="0" hangingPunct="1">
-              <a:defRPr sz="1800" kern="1200">
-                <a:solidFill>
-                  <a:schemeClr val="tx1"/>
-                </a:solidFill>
-                <a:latin typeface="+mn-lt"/>
-                <a:ea typeface="+mn-ea"/>
-                <a:cs typeface="+mn-cs"/>
-              </a:defRPr>
-            </a:lvl2pPr>
-            <a:lvl3pPr marL="914400" algn="l" defTabSz="914400" rtl="0" eaLnBrk="1" latinLnBrk="0" hangingPunct="1">
-              <a:defRPr sz="1800" kern="1200">
-                <a:solidFill>
-                  <a:schemeClr val="tx1"/>
-                </a:solidFill>
-                <a:latin typeface="+mn-lt"/>
-                <a:ea typeface="+mn-ea"/>
-                <a:cs typeface="+mn-cs"/>
-              </a:defRPr>
-            </a:lvl3pPr>
-            <a:lvl4pPr marL="1371600" algn="l" defTabSz="914400" rtl="0" eaLnBrk="1" latinLnBrk="0" hangingPunct="1">
-              <a:defRPr sz="1800" kern="1200">
-                <a:solidFill>
-                  <a:schemeClr val="tx1"/>
-                </a:solidFill>
-                <a:latin typeface="+mn-lt"/>
-                <a:ea typeface="+mn-ea"/>
-                <a:cs typeface="+mn-cs"/>
-              </a:defRPr>
-            </a:lvl4pPr>
-            <a:lvl5pPr marL="1828800" algn="l" defTabSz="914400" rtl="0" eaLnBrk="1" latinLnBrk="0" hangingPunct="1">
-              <a:defRPr sz="1800" kern="1200">
-                <a:solidFill>
-                  <a:schemeClr val="tx1"/>
-                </a:solidFill>
-                <a:latin typeface="+mn-lt"/>
-                <a:ea typeface="+mn-ea"/>
-                <a:cs typeface="+mn-cs"/>
-              </a:defRPr>
-            </a:lvl5pPr>
-            <a:lvl6pPr marL="2286000" algn="l" defTabSz="914400" rtl="0" eaLnBrk="1" latinLnBrk="0" hangingPunct="1">
-              <a:defRPr sz="1800" kern="1200">
-                <a:solidFill>
-                  <a:schemeClr val="tx1"/>
-                </a:solidFill>
-                <a:latin typeface="+mn-lt"/>
-                <a:ea typeface="+mn-ea"/>
-                <a:cs typeface="+mn-cs"/>
-              </a:defRPr>
-            </a:lvl6pPr>
-            <a:lvl7pPr marL="2743200" algn="l" defTabSz="914400" rtl="0" eaLnBrk="1" latinLnBrk="0" hangingPunct="1">
-              <a:defRPr sz="1800" kern="1200">
-                <a:solidFill>
-                  <a:schemeClr val="tx1"/>
-                </a:solidFill>
-                <a:latin typeface="+mn-lt"/>
-                <a:ea typeface="+mn-ea"/>
-                <a:cs typeface="+mn-cs"/>
-              </a:defRPr>
-            </a:lvl7pPr>
-            <a:lvl8pPr marL="3200400" algn="l" defTabSz="914400" rtl="0" eaLnBrk="1" latinLnBrk="0" hangingPunct="1">
-              <a:defRPr sz="1800" kern="1200">
-                <a:solidFill>
-                  <a:schemeClr val="tx1"/>
-                </a:solidFill>
-                <a:latin typeface="+mn-lt"/>
-                <a:ea typeface="+mn-ea"/>
-                <a:cs typeface="+mn-cs"/>
-              </a:defRPr>
-            </a:lvl8pPr>
-            <a:lvl9pPr marL="3657600" algn="l" defTabSz="914400" rtl="0" eaLnBrk="1" latinLnBrk="0" hangingPunct="1">
-              <a:defRPr sz="1800" kern="1200">
-                <a:solidFill>
-                  <a:schemeClr val="tx1"/>
-                </a:solidFill>
-                <a:latin typeface="+mn-lt"/>
-                <a:ea typeface="+mn-ea"/>
-                <a:cs typeface="+mn-cs"/>
-              </a:defRPr>
-            </a:lvl9pPr>
-          </a:lstStyle>
-          <a:p>
-            <a:pPr algn="l"/>
-            <a:r>
-              <a:rPr lang="en-US">
-                <a:cs typeface="Calibri"/>
-              </a:rPr>
-              <a:t>1</a:t>
-            </a:r>
-          </a:p>
-        </p:txBody>
-      </p:sp>
-    </p:spTree>
-    <p:extLst>
-      <p:ext uri="{BB962C8B-B14F-4D97-AF65-F5344CB8AC3E}">
-        <p14:creationId xmlns:p14="http://schemas.microsoft.com/office/powerpoint/2010/main" val="3346953736"/>
-      </p:ext>
-    </p:extLst>
-  </p:cSld>
-  <p:clrMapOvr>
-    <a:masterClrMapping/>
-  </p:clrMapOvr>
-</p:sld>
-</file>
-
-<file path=ppt/slides/slide5.xml><?xml version="1.0" encoding="utf-8"?>
 <p:sld xmlns:a="http://schemas.openxmlformats.org/drawingml/2006/main" xmlns:r="http://schemas.openxmlformats.org/officeDocument/2006/relationships" xmlns:p="http://schemas.openxmlformats.org/presentationml/2006/main">
   <p:cSld>
     <p:spTree>
